--- a/Union density and income inequality.pptx
+++ b/Union density and income inequality.pptx
@@ -5,24 +5,27 @@
     <p:sldMasterId id="2147483648" r:id="rId4"/>
   </p:sldMasterIdLst>
   <p:notesMasterIdLst>
-    <p:notesMasterId r:id="rId17"/>
+    <p:notesMasterId r:id="rId20"/>
   </p:notesMasterIdLst>
   <p:handoutMasterIdLst>
-    <p:handoutMasterId r:id="rId18"/>
+    <p:handoutMasterId r:id="rId21"/>
   </p:handoutMasterIdLst>
   <p:sldIdLst>
     <p:sldId id="256" r:id="rId5"/>
     <p:sldId id="257" r:id="rId6"/>
     <p:sldId id="258" r:id="rId7"/>
-    <p:sldId id="259" r:id="rId8"/>
-    <p:sldId id="260" r:id="rId9"/>
-    <p:sldId id="266" r:id="rId10"/>
-    <p:sldId id="268" r:id="rId11"/>
-    <p:sldId id="261" r:id="rId12"/>
-    <p:sldId id="262" r:id="rId13"/>
-    <p:sldId id="263" r:id="rId14"/>
-    <p:sldId id="264" r:id="rId15"/>
-    <p:sldId id="265" r:id="rId16"/>
+    <p:sldId id="260" r:id="rId8"/>
+    <p:sldId id="269" r:id="rId9"/>
+    <p:sldId id="270" r:id="rId10"/>
+    <p:sldId id="271" r:id="rId11"/>
+    <p:sldId id="272" r:id="rId12"/>
+    <p:sldId id="266" r:id="rId13"/>
+    <p:sldId id="268" r:id="rId14"/>
+    <p:sldId id="261" r:id="rId15"/>
+    <p:sldId id="262" r:id="rId16"/>
+    <p:sldId id="263" r:id="rId17"/>
+    <p:sldId id="264" r:id="rId18"/>
+    <p:sldId id="265" r:id="rId19"/>
   </p:sldIdLst>
   <p:sldSz cx="12192000" cy="6858000"/>
   <p:notesSz cx="6858000" cy="9144000"/>
@@ -143,4382 +146,6 @@
 </p:presentation>
 </file>
 
-<file path=ppt/diagrams/colors1.xml><?xml version="1.0" encoding="utf-8"?>
-<dgm:colorsDef xmlns:dgm="http://schemas.openxmlformats.org/drawingml/2006/diagram" xmlns:a="http://schemas.openxmlformats.org/drawingml/2006/main" uniqueId="urn:microsoft.com/office/officeart/2005/8/colors/accent1_2">
-  <dgm:title val=""/>
-  <dgm:desc val=""/>
-  <dgm:catLst>
-    <dgm:cat type="accent1" pri="11200"/>
-  </dgm:catLst>
-  <dgm:styleLbl name="node0">
-    <dgm:fillClrLst meth="repeat">
-      <a:schemeClr val="accent1"/>
-    </dgm:fillClrLst>
-    <dgm:linClrLst meth="repeat">
-      <a:schemeClr val="lt1"/>
-    </dgm:linClrLst>
-    <dgm:effectClrLst/>
-    <dgm:txLinClrLst/>
-    <dgm:txFillClrLst/>
-    <dgm:txEffectClrLst/>
-  </dgm:styleLbl>
-  <dgm:styleLbl name="alignNode1">
-    <dgm:fillClrLst meth="repeat">
-      <a:schemeClr val="accent1"/>
-    </dgm:fillClrLst>
-    <dgm:linClrLst meth="repeat">
-      <a:schemeClr val="accent1"/>
-    </dgm:linClrLst>
-    <dgm:effectClrLst/>
-    <dgm:txLinClrLst/>
-    <dgm:txFillClrLst/>
-    <dgm:txEffectClrLst/>
-  </dgm:styleLbl>
-  <dgm:styleLbl name="node1">
-    <dgm:fillClrLst meth="repeat">
-      <a:schemeClr val="accent1"/>
-    </dgm:fillClrLst>
-    <dgm:linClrLst meth="repeat">
-      <a:schemeClr val="lt1"/>
-    </dgm:linClrLst>
-    <dgm:effectClrLst/>
-    <dgm:txLinClrLst/>
-    <dgm:txFillClrLst/>
-    <dgm:txEffectClrLst/>
-  </dgm:styleLbl>
-  <dgm:styleLbl name="lnNode1">
-    <dgm:fillClrLst meth="repeat">
-      <a:schemeClr val="accent1"/>
-    </dgm:fillClrLst>
-    <dgm:linClrLst meth="repeat">
-      <a:schemeClr val="lt1"/>
-    </dgm:linClrLst>
-    <dgm:effectClrLst/>
-    <dgm:txLinClrLst/>
-    <dgm:txFillClrLst/>
-    <dgm:txEffectClrLst/>
-  </dgm:styleLbl>
-  <dgm:styleLbl name="vennNode1">
-    <dgm:fillClrLst meth="repeat">
-      <a:schemeClr val="accent1">
-        <a:alpha val="50000"/>
-      </a:schemeClr>
-    </dgm:fillClrLst>
-    <dgm:linClrLst meth="repeat">
-      <a:schemeClr val="lt1"/>
-    </dgm:linClrLst>
-    <dgm:effectClrLst/>
-    <dgm:txLinClrLst/>
-    <dgm:txFillClrLst/>
-    <dgm:txEffectClrLst/>
-  </dgm:styleLbl>
-  <dgm:styleLbl name="node2">
-    <dgm:fillClrLst meth="repeat">
-      <a:schemeClr val="accent1"/>
-    </dgm:fillClrLst>
-    <dgm:linClrLst meth="repeat">
-      <a:schemeClr val="lt1"/>
-    </dgm:linClrLst>
-    <dgm:effectClrLst/>
-    <dgm:txLinClrLst/>
-    <dgm:txFillClrLst/>
-    <dgm:txEffectClrLst/>
-  </dgm:styleLbl>
-  <dgm:styleLbl name="node3">
-    <dgm:fillClrLst meth="repeat">
-      <a:schemeClr val="accent1"/>
-    </dgm:fillClrLst>
-    <dgm:linClrLst meth="repeat">
-      <a:schemeClr val="lt1"/>
-    </dgm:linClrLst>
-    <dgm:effectClrLst/>
-    <dgm:txLinClrLst/>
-    <dgm:txFillClrLst/>
-    <dgm:txEffectClrLst/>
-  </dgm:styleLbl>
-  <dgm:styleLbl name="node4">
-    <dgm:fillClrLst meth="repeat">
-      <a:schemeClr val="accent1"/>
-    </dgm:fillClrLst>
-    <dgm:linClrLst meth="repeat">
-      <a:schemeClr val="lt1"/>
-    </dgm:linClrLst>
-    <dgm:effectClrLst/>
-    <dgm:txLinClrLst/>
-    <dgm:txFillClrLst/>
-    <dgm:txEffectClrLst/>
-  </dgm:styleLbl>
-  <dgm:styleLbl name="fgImgPlace1">
-    <dgm:fillClrLst meth="repeat">
-      <a:schemeClr val="accent1">
-        <a:tint val="50000"/>
-      </a:schemeClr>
-    </dgm:fillClrLst>
-    <dgm:linClrLst meth="repeat">
-      <a:schemeClr val="lt1"/>
-    </dgm:linClrLst>
-    <dgm:effectClrLst/>
-    <dgm:txLinClrLst/>
-    <dgm:txFillClrLst meth="repeat">
-      <a:schemeClr val="lt1"/>
-    </dgm:txFillClrLst>
-    <dgm:txEffectClrLst/>
-  </dgm:styleLbl>
-  <dgm:styleLbl name="alignImgPlace1">
-    <dgm:fillClrLst meth="repeat">
-      <a:schemeClr val="accent1">
-        <a:tint val="50000"/>
-      </a:schemeClr>
-    </dgm:fillClrLst>
-    <dgm:linClrLst meth="repeat">
-      <a:schemeClr val="lt1"/>
-    </dgm:linClrLst>
-    <dgm:effectClrLst/>
-    <dgm:txLinClrLst/>
-    <dgm:txFillClrLst meth="repeat">
-      <a:schemeClr val="lt1"/>
-    </dgm:txFillClrLst>
-    <dgm:txEffectClrLst/>
-  </dgm:styleLbl>
-  <dgm:styleLbl name="bgImgPlace1">
-    <dgm:fillClrLst meth="repeat">
-      <a:schemeClr val="accent1">
-        <a:tint val="50000"/>
-      </a:schemeClr>
-    </dgm:fillClrLst>
-    <dgm:linClrLst meth="repeat">
-      <a:schemeClr val="lt1"/>
-    </dgm:linClrLst>
-    <dgm:effectClrLst/>
-    <dgm:txLinClrLst/>
-    <dgm:txFillClrLst meth="repeat">
-      <a:schemeClr val="lt1"/>
-    </dgm:txFillClrLst>
-    <dgm:txEffectClrLst/>
-  </dgm:styleLbl>
-  <dgm:styleLbl name="sibTrans2D1">
-    <dgm:fillClrLst meth="repeat">
-      <a:schemeClr val="accent1">
-        <a:tint val="60000"/>
-      </a:schemeClr>
-    </dgm:fillClrLst>
-    <dgm:linClrLst meth="repeat">
-      <a:schemeClr val="accent1">
-        <a:tint val="60000"/>
-      </a:schemeClr>
-    </dgm:linClrLst>
-    <dgm:effectClrLst/>
-    <dgm:txLinClrLst/>
-    <dgm:txFillClrLst/>
-    <dgm:txEffectClrLst/>
-  </dgm:styleLbl>
-  <dgm:styleLbl name="fgSibTrans2D1">
-    <dgm:fillClrLst meth="repeat">
-      <a:schemeClr val="accent1">
-        <a:tint val="60000"/>
-      </a:schemeClr>
-    </dgm:fillClrLst>
-    <dgm:linClrLst meth="repeat">
-      <a:schemeClr val="accent1">
-        <a:tint val="60000"/>
-      </a:schemeClr>
-    </dgm:linClrLst>
-    <dgm:effectClrLst/>
-    <dgm:txLinClrLst/>
-    <dgm:txFillClrLst/>
-    <dgm:txEffectClrLst/>
-  </dgm:styleLbl>
-  <dgm:styleLbl name="bgSibTrans2D1">
-    <dgm:fillClrLst meth="repeat">
-      <a:schemeClr val="accent1">
-        <a:tint val="60000"/>
-      </a:schemeClr>
-    </dgm:fillClrLst>
-    <dgm:linClrLst meth="repeat">
-      <a:schemeClr val="accent1">
-        <a:tint val="60000"/>
-      </a:schemeClr>
-    </dgm:linClrLst>
-    <dgm:effectClrLst/>
-    <dgm:txLinClrLst/>
-    <dgm:txFillClrLst/>
-    <dgm:txEffectClrLst/>
-  </dgm:styleLbl>
-  <dgm:styleLbl name="sibTrans1D1">
-    <dgm:fillClrLst meth="repeat">
-      <a:schemeClr val="accent1"/>
-    </dgm:fillClrLst>
-    <dgm:linClrLst meth="repeat">
-      <a:schemeClr val="accent1"/>
-    </dgm:linClrLst>
-    <dgm:effectClrLst/>
-    <dgm:txLinClrLst/>
-    <dgm:txFillClrLst meth="repeat">
-      <a:schemeClr val="tx1"/>
-    </dgm:txFillClrLst>
-    <dgm:txEffectClrLst/>
-  </dgm:styleLbl>
-  <dgm:styleLbl name="callout">
-    <dgm:fillClrLst meth="repeat">
-      <a:schemeClr val="accent1"/>
-    </dgm:fillClrLst>
-    <dgm:linClrLst meth="repeat">
-      <a:schemeClr val="accent1">
-        <a:tint val="50000"/>
-      </a:schemeClr>
-    </dgm:linClrLst>
-    <dgm:effectClrLst/>
-    <dgm:txLinClrLst/>
-    <dgm:txFillClrLst meth="repeat">
-      <a:schemeClr val="tx1"/>
-    </dgm:txFillClrLst>
-    <dgm:txEffectClrLst/>
-  </dgm:styleLbl>
-  <dgm:styleLbl name="asst0">
-    <dgm:fillClrLst meth="repeat">
-      <a:schemeClr val="accent1"/>
-    </dgm:fillClrLst>
-    <dgm:linClrLst meth="repeat">
-      <a:schemeClr val="lt1"/>
-    </dgm:linClrLst>
-    <dgm:effectClrLst/>
-    <dgm:txLinClrLst/>
-    <dgm:txFillClrLst/>
-    <dgm:txEffectClrLst/>
-  </dgm:styleLbl>
-  <dgm:styleLbl name="asst1">
-    <dgm:fillClrLst meth="repeat">
-      <a:schemeClr val="accent1"/>
-    </dgm:fillClrLst>
-    <dgm:linClrLst meth="repeat">
-      <a:schemeClr val="lt1"/>
-    </dgm:linClrLst>
-    <dgm:effectClrLst/>
-    <dgm:txLinClrLst/>
-    <dgm:txFillClrLst/>
-    <dgm:txEffectClrLst/>
-  </dgm:styleLbl>
-  <dgm:styleLbl name="asst2">
-    <dgm:fillClrLst meth="repeat">
-      <a:schemeClr val="accent1"/>
-    </dgm:fillClrLst>
-    <dgm:linClrLst meth="repeat">
-      <a:schemeClr val="lt1"/>
-    </dgm:linClrLst>
-    <dgm:effectClrLst/>
-    <dgm:txLinClrLst/>
-    <dgm:txFillClrLst/>
-    <dgm:txEffectClrLst/>
-  </dgm:styleLbl>
-  <dgm:styleLbl name="asst3">
-    <dgm:fillClrLst meth="repeat">
-      <a:schemeClr val="accent1"/>
-    </dgm:fillClrLst>
-    <dgm:linClrLst meth="repeat">
-      <a:schemeClr val="lt1"/>
-    </dgm:linClrLst>
-    <dgm:effectClrLst/>
-    <dgm:txLinClrLst/>
-    <dgm:txFillClrLst/>
-    <dgm:txEffectClrLst/>
-  </dgm:styleLbl>
-  <dgm:styleLbl name="asst4">
-    <dgm:fillClrLst meth="repeat">
-      <a:schemeClr val="accent1"/>
-    </dgm:fillClrLst>
-    <dgm:linClrLst meth="repeat">
-      <a:schemeClr val="lt1"/>
-    </dgm:linClrLst>
-    <dgm:effectClrLst/>
-    <dgm:txLinClrLst/>
-    <dgm:txFillClrLst/>
-    <dgm:txEffectClrLst/>
-  </dgm:styleLbl>
-  <dgm:styleLbl name="parChTrans2D1">
-    <dgm:fillClrLst meth="repeat">
-      <a:schemeClr val="accent1">
-        <a:tint val="60000"/>
-      </a:schemeClr>
-    </dgm:fillClrLst>
-    <dgm:linClrLst meth="repeat">
-      <a:schemeClr val="accent1">
-        <a:tint val="60000"/>
-      </a:schemeClr>
-    </dgm:linClrLst>
-    <dgm:effectClrLst/>
-    <dgm:txLinClrLst/>
-    <dgm:txFillClrLst meth="repeat">
-      <a:schemeClr val="lt1"/>
-    </dgm:txFillClrLst>
-    <dgm:txEffectClrLst/>
-  </dgm:styleLbl>
-  <dgm:styleLbl name="parChTrans2D2">
-    <dgm:fillClrLst meth="repeat">
-      <a:schemeClr val="accent1"/>
-    </dgm:fillClrLst>
-    <dgm:linClrLst meth="repeat">
-      <a:schemeClr val="accent1"/>
-    </dgm:linClrLst>
-    <dgm:effectClrLst/>
-    <dgm:txLinClrLst/>
-    <dgm:txFillClrLst meth="repeat">
-      <a:schemeClr val="lt1"/>
-    </dgm:txFillClrLst>
-    <dgm:txEffectClrLst/>
-  </dgm:styleLbl>
-  <dgm:styleLbl name="parChTrans2D3">
-    <dgm:fillClrLst meth="repeat">
-      <a:schemeClr val="accent1"/>
-    </dgm:fillClrLst>
-    <dgm:linClrLst meth="repeat">
-      <a:schemeClr val="accent1"/>
-    </dgm:linClrLst>
-    <dgm:effectClrLst/>
-    <dgm:txLinClrLst/>
-    <dgm:txFillClrLst meth="repeat">
-      <a:schemeClr val="lt1"/>
-    </dgm:txFillClrLst>
-    <dgm:txEffectClrLst/>
-  </dgm:styleLbl>
-  <dgm:styleLbl name="parChTrans2D4">
-    <dgm:fillClrLst meth="repeat">
-      <a:schemeClr val="accent1"/>
-    </dgm:fillClrLst>
-    <dgm:linClrLst meth="repeat">
-      <a:schemeClr val="accent1"/>
-    </dgm:linClrLst>
-    <dgm:effectClrLst/>
-    <dgm:txLinClrLst/>
-    <dgm:txFillClrLst meth="repeat">
-      <a:schemeClr val="lt1"/>
-    </dgm:txFillClrLst>
-    <dgm:txEffectClrLst/>
-  </dgm:styleLbl>
-  <dgm:styleLbl name="parChTrans1D1">
-    <dgm:fillClrLst meth="repeat">
-      <a:schemeClr val="accent1"/>
-    </dgm:fillClrLst>
-    <dgm:linClrLst meth="repeat">
-      <a:schemeClr val="accent1">
-        <a:shade val="60000"/>
-      </a:schemeClr>
-    </dgm:linClrLst>
-    <dgm:effectClrLst/>
-    <dgm:txLinClrLst/>
-    <dgm:txFillClrLst meth="repeat">
-      <a:schemeClr val="tx1"/>
-    </dgm:txFillClrLst>
-    <dgm:txEffectClrLst/>
-  </dgm:styleLbl>
-  <dgm:styleLbl name="parChTrans1D2">
-    <dgm:fillClrLst meth="repeat">
-      <a:schemeClr val="accent1"/>
-    </dgm:fillClrLst>
-    <dgm:linClrLst meth="repeat">
-      <a:schemeClr val="accent1">
-        <a:shade val="60000"/>
-      </a:schemeClr>
-    </dgm:linClrLst>
-    <dgm:effectClrLst/>
-    <dgm:txLinClrLst/>
-    <dgm:txFillClrLst meth="repeat">
-      <a:schemeClr val="tx1"/>
-    </dgm:txFillClrLst>
-    <dgm:txEffectClrLst/>
-  </dgm:styleLbl>
-  <dgm:styleLbl name="parChTrans1D3">
-    <dgm:fillClrLst meth="repeat">
-      <a:schemeClr val="accent1"/>
-    </dgm:fillClrLst>
-    <dgm:linClrLst meth="repeat">
-      <a:schemeClr val="accent1">
-        <a:shade val="80000"/>
-      </a:schemeClr>
-    </dgm:linClrLst>
-    <dgm:effectClrLst/>
-    <dgm:txLinClrLst/>
-    <dgm:txFillClrLst meth="repeat">
-      <a:schemeClr val="tx1"/>
-    </dgm:txFillClrLst>
-    <dgm:txEffectClrLst/>
-  </dgm:styleLbl>
-  <dgm:styleLbl name="parChTrans1D4">
-    <dgm:fillClrLst meth="repeat">
-      <a:schemeClr val="accent1"/>
-    </dgm:fillClrLst>
-    <dgm:linClrLst meth="repeat">
-      <a:schemeClr val="accent1">
-        <a:shade val="80000"/>
-      </a:schemeClr>
-    </dgm:linClrLst>
-    <dgm:effectClrLst/>
-    <dgm:txLinClrLst/>
-    <dgm:txFillClrLst meth="repeat">
-      <a:schemeClr val="tx1"/>
-    </dgm:txFillClrLst>
-    <dgm:txEffectClrLst/>
-  </dgm:styleLbl>
-  <dgm:styleLbl name="fgAcc1">
-    <dgm:fillClrLst meth="repeat">
-      <a:schemeClr val="lt1">
-        <a:alpha val="90000"/>
-      </a:schemeClr>
-    </dgm:fillClrLst>
-    <dgm:linClrLst meth="repeat">
-      <a:schemeClr val="accent1"/>
-    </dgm:linClrLst>
-    <dgm:effectClrLst/>
-    <dgm:txLinClrLst/>
-    <dgm:txFillClrLst meth="repeat">
-      <a:schemeClr val="dk1"/>
-    </dgm:txFillClrLst>
-    <dgm:txEffectClrLst/>
-  </dgm:styleLbl>
-  <dgm:styleLbl name="conFgAcc1">
-    <dgm:fillClrLst meth="repeat">
-      <a:schemeClr val="lt1">
-        <a:alpha val="90000"/>
-      </a:schemeClr>
-    </dgm:fillClrLst>
-    <dgm:linClrLst meth="repeat">
-      <a:schemeClr val="accent1"/>
-    </dgm:linClrLst>
-    <dgm:effectClrLst/>
-    <dgm:txLinClrLst/>
-    <dgm:txFillClrLst meth="repeat">
-      <a:schemeClr val="dk1"/>
-    </dgm:txFillClrLst>
-    <dgm:txEffectClrLst/>
-  </dgm:styleLbl>
-  <dgm:styleLbl name="alignAcc1">
-    <dgm:fillClrLst meth="repeat">
-      <a:schemeClr val="lt1">
-        <a:alpha val="90000"/>
-      </a:schemeClr>
-    </dgm:fillClrLst>
-    <dgm:linClrLst meth="repeat">
-      <a:schemeClr val="accent1"/>
-    </dgm:linClrLst>
-    <dgm:effectClrLst/>
-    <dgm:txLinClrLst/>
-    <dgm:txFillClrLst meth="repeat">
-      <a:schemeClr val="dk1"/>
-    </dgm:txFillClrLst>
-    <dgm:txEffectClrLst/>
-  </dgm:styleLbl>
-  <dgm:styleLbl name="trAlignAcc1">
-    <dgm:fillClrLst meth="repeat">
-      <a:schemeClr val="lt1">
-        <a:alpha val="40000"/>
-      </a:schemeClr>
-    </dgm:fillClrLst>
-    <dgm:linClrLst meth="repeat">
-      <a:schemeClr val="accent1"/>
-    </dgm:linClrLst>
-    <dgm:effectClrLst/>
-    <dgm:txLinClrLst/>
-    <dgm:txFillClrLst meth="repeat">
-      <a:schemeClr val="dk1"/>
-    </dgm:txFillClrLst>
-    <dgm:txEffectClrLst/>
-  </dgm:styleLbl>
-  <dgm:styleLbl name="bgAcc1">
-    <dgm:fillClrLst meth="repeat">
-      <a:schemeClr val="lt1">
-        <a:alpha val="90000"/>
-      </a:schemeClr>
-    </dgm:fillClrLst>
-    <dgm:linClrLst meth="repeat">
-      <a:schemeClr val="accent1"/>
-    </dgm:linClrLst>
-    <dgm:effectClrLst/>
-    <dgm:txLinClrLst/>
-    <dgm:txFillClrLst meth="repeat">
-      <a:schemeClr val="dk1"/>
-    </dgm:txFillClrLst>
-    <dgm:txEffectClrLst/>
-  </dgm:styleLbl>
-  <dgm:styleLbl name="solidFgAcc1">
-    <dgm:fillClrLst meth="repeat">
-      <a:schemeClr val="lt1"/>
-    </dgm:fillClrLst>
-    <dgm:linClrLst meth="repeat">
-      <a:schemeClr val="accent1"/>
-    </dgm:linClrLst>
-    <dgm:effectClrLst/>
-    <dgm:txLinClrLst/>
-    <dgm:txFillClrLst meth="repeat">
-      <a:schemeClr val="dk1"/>
-    </dgm:txFillClrLst>
-    <dgm:txEffectClrLst/>
-  </dgm:styleLbl>
-  <dgm:styleLbl name="solidAlignAcc1">
-    <dgm:fillClrLst meth="repeat">
-      <a:schemeClr val="lt1"/>
-    </dgm:fillClrLst>
-    <dgm:linClrLst meth="repeat">
-      <a:schemeClr val="accent1"/>
-    </dgm:linClrLst>
-    <dgm:effectClrLst/>
-    <dgm:txLinClrLst/>
-    <dgm:txFillClrLst meth="repeat">
-      <a:schemeClr val="dk1"/>
-    </dgm:txFillClrLst>
-    <dgm:txEffectClrLst/>
-  </dgm:styleLbl>
-  <dgm:styleLbl name="solidBgAcc1">
-    <dgm:fillClrLst meth="repeat">
-      <a:schemeClr val="lt1"/>
-    </dgm:fillClrLst>
-    <dgm:linClrLst meth="repeat">
-      <a:schemeClr val="accent1"/>
-    </dgm:linClrLst>
-    <dgm:effectClrLst/>
-    <dgm:txLinClrLst/>
-    <dgm:txFillClrLst meth="repeat">
-      <a:schemeClr val="dk1"/>
-    </dgm:txFillClrLst>
-    <dgm:txEffectClrLst/>
-  </dgm:styleLbl>
-  <dgm:styleLbl name="fgAccFollowNode1">
-    <dgm:fillClrLst meth="repeat">
-      <a:schemeClr val="accent1">
-        <a:alpha val="90000"/>
-        <a:tint val="40000"/>
-      </a:schemeClr>
-    </dgm:fillClrLst>
-    <dgm:linClrLst meth="repeat">
-      <a:schemeClr val="accent1">
-        <a:alpha val="90000"/>
-        <a:tint val="40000"/>
-      </a:schemeClr>
-    </dgm:linClrLst>
-    <dgm:effectClrLst/>
-    <dgm:txLinClrLst/>
-    <dgm:txFillClrLst meth="repeat">
-      <a:schemeClr val="dk1"/>
-    </dgm:txFillClrLst>
-    <dgm:txEffectClrLst/>
-  </dgm:styleLbl>
-  <dgm:styleLbl name="alignAccFollowNode1">
-    <dgm:fillClrLst meth="repeat">
-      <a:schemeClr val="accent1">
-        <a:alpha val="90000"/>
-        <a:tint val="40000"/>
-      </a:schemeClr>
-    </dgm:fillClrLst>
-    <dgm:linClrLst meth="repeat">
-      <a:schemeClr val="accent1">
-        <a:alpha val="90000"/>
-        <a:tint val="40000"/>
-      </a:schemeClr>
-    </dgm:linClrLst>
-    <dgm:effectClrLst/>
-    <dgm:txLinClrLst/>
-    <dgm:txFillClrLst meth="repeat">
-      <a:schemeClr val="dk1"/>
-    </dgm:txFillClrLst>
-    <dgm:txEffectClrLst/>
-  </dgm:styleLbl>
-  <dgm:styleLbl name="bgAccFollowNode1">
-    <dgm:fillClrLst meth="repeat">
-      <a:schemeClr val="accent1">
-        <a:alpha val="90000"/>
-        <a:tint val="40000"/>
-      </a:schemeClr>
-    </dgm:fillClrLst>
-    <dgm:linClrLst meth="repeat">
-      <a:schemeClr val="accent1">
-        <a:alpha val="90000"/>
-        <a:tint val="40000"/>
-      </a:schemeClr>
-    </dgm:linClrLst>
-    <dgm:effectClrLst/>
-    <dgm:txLinClrLst/>
-    <dgm:txFillClrLst meth="repeat">
-      <a:schemeClr val="dk1"/>
-    </dgm:txFillClrLst>
-    <dgm:txEffectClrLst/>
-  </dgm:styleLbl>
-  <dgm:styleLbl name="fgAcc0">
-    <dgm:fillClrLst meth="repeat">
-      <a:schemeClr val="lt1">
-        <a:alpha val="90000"/>
-      </a:schemeClr>
-    </dgm:fillClrLst>
-    <dgm:linClrLst meth="repeat">
-      <a:schemeClr val="accent1"/>
-    </dgm:linClrLst>
-    <dgm:effectClrLst/>
-    <dgm:txLinClrLst/>
-    <dgm:txFillClrLst meth="repeat">
-      <a:schemeClr val="dk1"/>
-    </dgm:txFillClrLst>
-    <dgm:txEffectClrLst/>
-  </dgm:styleLbl>
-  <dgm:styleLbl name="fgAcc2">
-    <dgm:fillClrLst meth="repeat">
-      <a:schemeClr val="lt1">
-        <a:alpha val="90000"/>
-      </a:schemeClr>
-    </dgm:fillClrLst>
-    <dgm:linClrLst meth="repeat">
-      <a:schemeClr val="accent1"/>
-    </dgm:linClrLst>
-    <dgm:effectClrLst/>
-    <dgm:txLinClrLst/>
-    <dgm:txFillClrLst meth="repeat">
-      <a:schemeClr val="dk1"/>
-    </dgm:txFillClrLst>
-    <dgm:txEffectClrLst/>
-  </dgm:styleLbl>
-  <dgm:styleLbl name="fgAcc3">
-    <dgm:fillClrLst meth="repeat">
-      <a:schemeClr val="lt1">
-        <a:alpha val="90000"/>
-      </a:schemeClr>
-    </dgm:fillClrLst>
-    <dgm:linClrLst meth="repeat">
-      <a:schemeClr val="accent1"/>
-    </dgm:linClrLst>
-    <dgm:effectClrLst/>
-    <dgm:txLinClrLst/>
-    <dgm:txFillClrLst meth="repeat">
-      <a:schemeClr val="dk1"/>
-    </dgm:txFillClrLst>
-    <dgm:txEffectClrLst/>
-  </dgm:styleLbl>
-  <dgm:styleLbl name="fgAcc4">
-    <dgm:fillClrLst meth="repeat">
-      <a:schemeClr val="lt1">
-        <a:alpha val="90000"/>
-      </a:schemeClr>
-    </dgm:fillClrLst>
-    <dgm:linClrLst meth="repeat">
-      <a:schemeClr val="accent1"/>
-    </dgm:linClrLst>
-    <dgm:effectClrLst/>
-    <dgm:txLinClrLst/>
-    <dgm:txFillClrLst meth="repeat">
-      <a:schemeClr val="dk1"/>
-    </dgm:txFillClrLst>
-    <dgm:txEffectClrLst/>
-  </dgm:styleLbl>
-  <dgm:styleLbl name="bgShp">
-    <dgm:fillClrLst meth="repeat">
-      <a:schemeClr val="accent1">
-        <a:tint val="40000"/>
-      </a:schemeClr>
-    </dgm:fillClrLst>
-    <dgm:linClrLst meth="repeat">
-      <a:schemeClr val="accent1"/>
-    </dgm:linClrLst>
-    <dgm:effectClrLst/>
-    <dgm:txLinClrLst/>
-    <dgm:txFillClrLst meth="repeat">
-      <a:schemeClr val="dk1"/>
-    </dgm:txFillClrLst>
-    <dgm:txEffectClrLst/>
-  </dgm:styleLbl>
-  <dgm:styleLbl name="dkBgShp">
-    <dgm:fillClrLst meth="repeat">
-      <a:schemeClr val="accent1">
-        <a:shade val="80000"/>
-      </a:schemeClr>
-    </dgm:fillClrLst>
-    <dgm:linClrLst meth="repeat">
-      <a:schemeClr val="accent1"/>
-    </dgm:linClrLst>
-    <dgm:effectClrLst/>
-    <dgm:txLinClrLst/>
-    <dgm:txFillClrLst meth="repeat">
-      <a:schemeClr val="lt1"/>
-    </dgm:txFillClrLst>
-    <dgm:txEffectClrLst/>
-  </dgm:styleLbl>
-  <dgm:styleLbl name="trBgShp">
-    <dgm:fillClrLst meth="repeat">
-      <a:schemeClr val="accent1">
-        <a:tint val="50000"/>
-        <a:alpha val="40000"/>
-      </a:schemeClr>
-    </dgm:fillClrLst>
-    <dgm:linClrLst meth="repeat">
-      <a:schemeClr val="accent1"/>
-    </dgm:linClrLst>
-    <dgm:effectClrLst/>
-    <dgm:txLinClrLst/>
-    <dgm:txFillClrLst meth="repeat">
-      <a:schemeClr val="lt1"/>
-    </dgm:txFillClrLst>
-    <dgm:txEffectClrLst/>
-  </dgm:styleLbl>
-  <dgm:styleLbl name="fgShp">
-    <dgm:fillClrLst meth="repeat">
-      <a:schemeClr val="accent1">
-        <a:tint val="60000"/>
-      </a:schemeClr>
-    </dgm:fillClrLst>
-    <dgm:linClrLst meth="repeat">
-      <a:schemeClr val="lt1"/>
-    </dgm:linClrLst>
-    <dgm:effectClrLst/>
-    <dgm:txLinClrLst/>
-    <dgm:txFillClrLst meth="repeat">
-      <a:schemeClr val="dk1"/>
-    </dgm:txFillClrLst>
-    <dgm:txEffectClrLst/>
-  </dgm:styleLbl>
-  <dgm:styleLbl name="revTx">
-    <dgm:fillClrLst meth="repeat">
-      <a:schemeClr val="lt1">
-        <a:alpha val="0"/>
-      </a:schemeClr>
-    </dgm:fillClrLst>
-    <dgm:linClrLst meth="repeat">
-      <a:schemeClr val="dk1">
-        <a:alpha val="0"/>
-      </a:schemeClr>
-    </dgm:linClrLst>
-    <dgm:effectClrLst/>
-    <dgm:txLinClrLst/>
-    <dgm:txFillClrLst meth="repeat">
-      <a:schemeClr val="tx1"/>
-    </dgm:txFillClrLst>
-    <dgm:txEffectClrLst/>
-  </dgm:styleLbl>
-</dgm:colorsDef>
-</file>
-
-<file path=ppt/diagrams/data1.xml><?xml version="1.0" encoding="utf-8"?>
-<dgm:dataModel xmlns:dgm="http://schemas.openxmlformats.org/drawingml/2006/diagram" xmlns:a="http://schemas.openxmlformats.org/drawingml/2006/main">
-  <dgm:ptLst>
-    <dgm:pt modelId="{00C18FBF-3FF5-4C16-97CF-AF03740D7AB6}" type="doc">
-      <dgm:prSet loTypeId="urn:microsoft.com/office/officeart/2005/8/layout/hList9" loCatId="list" qsTypeId="urn:microsoft.com/office/officeart/2005/8/quickstyle/simple4" qsCatId="simple" csTypeId="urn:microsoft.com/office/officeart/2005/8/colors/accent1_2" csCatId="accent1" phldr="1"/>
-      <dgm:spPr/>
-      <dgm:t>
-        <a:bodyPr/>
-        <a:lstStyle/>
-        <a:p>
-          <a:endParaRPr lang="en-US"/>
-        </a:p>
-      </dgm:t>
-    </dgm:pt>
-    <dgm:pt modelId="{B4F1B46E-22B2-4721-950C-8704487586DC}">
-      <dgm:prSet phldrT="[Text]"/>
-      <dgm:spPr/>
-      <dgm:t>
-        <a:bodyPr/>
-        <a:lstStyle/>
-        <a:p>
-          <a:r>
-            <a:rPr lang="en-US"/>
-            <a:t>Step 1 Title</a:t>
-          </a:r>
-          <a:endParaRPr lang="en-US" dirty="0"/>
-        </a:p>
-      </dgm:t>
-    </dgm:pt>
-    <dgm:pt modelId="{E8A66543-CC4D-4785-A93E-5B125E09F826}" type="parTrans" cxnId="{2C8317B2-2EBB-4589-86EA-C77B3B6E81AA}">
-      <dgm:prSet/>
-      <dgm:spPr/>
-      <dgm:t>
-        <a:bodyPr/>
-        <a:lstStyle/>
-        <a:p>
-          <a:endParaRPr lang="en-US"/>
-        </a:p>
-      </dgm:t>
-    </dgm:pt>
-    <dgm:pt modelId="{A7E2530A-34E2-4E9F-BC78-8920BA140C41}" type="sibTrans" cxnId="{2C8317B2-2EBB-4589-86EA-C77B3B6E81AA}">
-      <dgm:prSet/>
-      <dgm:spPr/>
-      <dgm:t>
-        <a:bodyPr/>
-        <a:lstStyle/>
-        <a:p>
-          <a:endParaRPr lang="en-US"/>
-        </a:p>
-      </dgm:t>
-    </dgm:pt>
-    <dgm:pt modelId="{9D72CDD3-5859-43DB-BD75-0C3C30E3DE62}">
-      <dgm:prSet phldrT="[Text]"/>
-      <dgm:spPr/>
-      <dgm:t>
-        <a:bodyPr/>
-        <a:lstStyle/>
-        <a:p>
-          <a:r>
-            <a:rPr lang="en-US" dirty="0"/>
-            <a:t>Task description</a:t>
-          </a:r>
-        </a:p>
-      </dgm:t>
-    </dgm:pt>
-    <dgm:pt modelId="{1D5B1F83-33A7-4298-BC11-2B1252AFAEA5}" type="parTrans" cxnId="{DDB5AD9A-40B0-48EF-AF2C-8CCDA330F7FE}">
-      <dgm:prSet/>
-      <dgm:spPr/>
-      <dgm:t>
-        <a:bodyPr/>
-        <a:lstStyle/>
-        <a:p>
-          <a:endParaRPr lang="en-US"/>
-        </a:p>
-      </dgm:t>
-    </dgm:pt>
-    <dgm:pt modelId="{15E25BD4-1EBF-43C2-8885-DBF66B8429E1}" type="sibTrans" cxnId="{DDB5AD9A-40B0-48EF-AF2C-8CCDA330F7FE}">
-      <dgm:prSet/>
-      <dgm:spPr/>
-      <dgm:t>
-        <a:bodyPr/>
-        <a:lstStyle/>
-        <a:p>
-          <a:endParaRPr lang="en-US"/>
-        </a:p>
-      </dgm:t>
-    </dgm:pt>
-    <dgm:pt modelId="{F9D46839-CD06-4669-AAE4-4D1E9AFEDA78}">
-      <dgm:prSet phldrT="[Text]"/>
-      <dgm:spPr/>
-      <dgm:t>
-        <a:bodyPr/>
-        <a:lstStyle/>
-        <a:p>
-          <a:r>
-            <a:rPr lang="en-US" dirty="0"/>
-            <a:t>Task description</a:t>
-          </a:r>
-        </a:p>
-      </dgm:t>
-    </dgm:pt>
-    <dgm:pt modelId="{B6B535D8-00AB-4FA1-AAEC-92498ABC6F4C}" type="parTrans" cxnId="{AD25A8A0-4628-40E2-8C9E-64E6AD4D4D91}">
-      <dgm:prSet/>
-      <dgm:spPr/>
-      <dgm:t>
-        <a:bodyPr/>
-        <a:lstStyle/>
-        <a:p>
-          <a:endParaRPr lang="en-US"/>
-        </a:p>
-      </dgm:t>
-    </dgm:pt>
-    <dgm:pt modelId="{6497F199-DC2A-41F9-A449-D395E6BC4900}" type="sibTrans" cxnId="{AD25A8A0-4628-40E2-8C9E-64E6AD4D4D91}">
-      <dgm:prSet/>
-      <dgm:spPr/>
-      <dgm:t>
-        <a:bodyPr/>
-        <a:lstStyle/>
-        <a:p>
-          <a:endParaRPr lang="en-US"/>
-        </a:p>
-      </dgm:t>
-    </dgm:pt>
-    <dgm:pt modelId="{7CB6360B-4022-4E96-922B-A12DE0E2A39F}">
-      <dgm:prSet phldrT="[Text]"/>
-      <dgm:spPr/>
-      <dgm:t>
-        <a:bodyPr/>
-        <a:lstStyle/>
-        <a:p>
-          <a:r>
-            <a:rPr lang="en-US" dirty="0"/>
-            <a:t>Task description</a:t>
-          </a:r>
-        </a:p>
-      </dgm:t>
-    </dgm:pt>
-    <dgm:pt modelId="{44B2858F-607B-47DF-B44B-EA7D73FDC9F2}" type="parTrans" cxnId="{CD5EFFB3-C9FD-4DAC-8D97-0C2FB02B380B}">
-      <dgm:prSet/>
-      <dgm:spPr/>
-      <dgm:t>
-        <a:bodyPr/>
-        <a:lstStyle/>
-        <a:p>
-          <a:endParaRPr lang="en-US"/>
-        </a:p>
-      </dgm:t>
-    </dgm:pt>
-    <dgm:pt modelId="{B35ED9D1-2A17-4034-8D08-4945CA54F6C9}" type="sibTrans" cxnId="{CD5EFFB3-C9FD-4DAC-8D97-0C2FB02B380B}">
-      <dgm:prSet/>
-      <dgm:spPr/>
-      <dgm:t>
-        <a:bodyPr/>
-        <a:lstStyle/>
-        <a:p>
-          <a:endParaRPr lang="en-US"/>
-        </a:p>
-      </dgm:t>
-    </dgm:pt>
-    <dgm:pt modelId="{70879558-61CA-4CCD-B2D6-5349B01EF337}">
-      <dgm:prSet phldrT="[Text]"/>
-      <dgm:spPr/>
-      <dgm:t>
-        <a:bodyPr/>
-        <a:lstStyle/>
-        <a:p>
-          <a:r>
-            <a:rPr lang="en-US" dirty="0"/>
-            <a:t>Task description</a:t>
-          </a:r>
-        </a:p>
-      </dgm:t>
-    </dgm:pt>
-    <dgm:pt modelId="{95F5E6EE-4E8D-49F8-8C9E-8BBFD01B6A0E}" type="parTrans" cxnId="{8FAB4659-6291-457D-941A-93BCD304031A}">
-      <dgm:prSet/>
-      <dgm:spPr/>
-      <dgm:t>
-        <a:bodyPr/>
-        <a:lstStyle/>
-        <a:p>
-          <a:endParaRPr lang="en-US"/>
-        </a:p>
-      </dgm:t>
-    </dgm:pt>
-    <dgm:pt modelId="{053E317B-DD3F-4AFF-90D1-A55D37D325DC}" type="sibTrans" cxnId="{8FAB4659-6291-457D-941A-93BCD304031A}">
-      <dgm:prSet/>
-      <dgm:spPr/>
-      <dgm:t>
-        <a:bodyPr/>
-        <a:lstStyle/>
-        <a:p>
-          <a:endParaRPr lang="en-US"/>
-        </a:p>
-      </dgm:t>
-    </dgm:pt>
-    <dgm:pt modelId="{F2881FB1-6580-4F21-A283-BFAA6F91D5D2}">
-      <dgm:prSet phldrT="[Text]"/>
-      <dgm:spPr/>
-      <dgm:t>
-        <a:bodyPr/>
-        <a:lstStyle/>
-        <a:p>
-          <a:r>
-            <a:rPr lang="en-US" dirty="0"/>
-            <a:t>Step 2 Title</a:t>
-          </a:r>
-        </a:p>
-      </dgm:t>
-    </dgm:pt>
-    <dgm:pt modelId="{2D960FDD-BADA-480D-9043-497C56588AD3}" type="parTrans" cxnId="{4A31D641-1B5D-46D3-B685-0C4DC6EFE71B}">
-      <dgm:prSet/>
-      <dgm:spPr/>
-      <dgm:t>
-        <a:bodyPr/>
-        <a:lstStyle/>
-        <a:p>
-          <a:endParaRPr lang="en-US"/>
-        </a:p>
-      </dgm:t>
-    </dgm:pt>
-    <dgm:pt modelId="{A5ABDC17-7AB5-4F0E-992A-F9343F5D74EB}" type="sibTrans" cxnId="{4A31D641-1B5D-46D3-B685-0C4DC6EFE71B}">
-      <dgm:prSet/>
-      <dgm:spPr/>
-      <dgm:t>
-        <a:bodyPr/>
-        <a:lstStyle/>
-        <a:p>
-          <a:endParaRPr lang="en-US"/>
-        </a:p>
-      </dgm:t>
-    </dgm:pt>
-    <dgm:pt modelId="{D5197DDB-D5D2-499F-B255-CF7BB5AE2B43}">
-      <dgm:prSet phldrT="[Text]"/>
-      <dgm:spPr/>
-      <dgm:t>
-        <a:bodyPr/>
-        <a:lstStyle/>
-        <a:p>
-          <a:r>
-            <a:rPr lang="en-US" dirty="0"/>
-            <a:t>Task description</a:t>
-          </a:r>
-        </a:p>
-      </dgm:t>
-    </dgm:pt>
-    <dgm:pt modelId="{B14A4DC9-F40A-4867-ADB8-4BA8A1F83766}" type="parTrans" cxnId="{3204ED53-15A0-4643-A582-021A785F1BA2}">
-      <dgm:prSet/>
-      <dgm:spPr/>
-      <dgm:t>
-        <a:bodyPr/>
-        <a:lstStyle/>
-        <a:p>
-          <a:endParaRPr lang="en-US"/>
-        </a:p>
-      </dgm:t>
-    </dgm:pt>
-    <dgm:pt modelId="{29F2454A-2FA8-4B3A-AC63-4A0B9FD04A75}" type="sibTrans" cxnId="{3204ED53-15A0-4643-A582-021A785F1BA2}">
-      <dgm:prSet/>
-      <dgm:spPr/>
-      <dgm:t>
-        <a:bodyPr/>
-        <a:lstStyle/>
-        <a:p>
-          <a:endParaRPr lang="en-US"/>
-        </a:p>
-      </dgm:t>
-    </dgm:pt>
-    <dgm:pt modelId="{29E78340-8EBE-415C-B973-78A91A054B9C}">
-      <dgm:prSet phldrT="[Text]"/>
-      <dgm:spPr/>
-      <dgm:t>
-        <a:bodyPr/>
-        <a:lstStyle/>
-        <a:p>
-          <a:r>
-            <a:rPr lang="en-US" dirty="0"/>
-            <a:t>Task description</a:t>
-          </a:r>
-        </a:p>
-      </dgm:t>
-    </dgm:pt>
-    <dgm:pt modelId="{FF4E5F97-6974-4E39-A85D-DCB2E100798E}" type="parTrans" cxnId="{311348D8-FDE3-4C22-99F5-3B98C5F51F0D}">
-      <dgm:prSet/>
-      <dgm:spPr/>
-      <dgm:t>
-        <a:bodyPr/>
-        <a:lstStyle/>
-        <a:p>
-          <a:endParaRPr lang="en-US"/>
-        </a:p>
-      </dgm:t>
-    </dgm:pt>
-    <dgm:pt modelId="{B4B9A51E-FA34-465E-B5B4-81CD76EB3FC2}" type="sibTrans" cxnId="{311348D8-FDE3-4C22-99F5-3B98C5F51F0D}">
-      <dgm:prSet/>
-      <dgm:spPr/>
-      <dgm:t>
-        <a:bodyPr/>
-        <a:lstStyle/>
-        <a:p>
-          <a:endParaRPr lang="en-US"/>
-        </a:p>
-      </dgm:t>
-    </dgm:pt>
-    <dgm:pt modelId="{8321AB85-EA8C-4958-B404-B4C118CB3C18}">
-      <dgm:prSet phldrT="[Text]"/>
-      <dgm:spPr/>
-      <dgm:t>
-        <a:bodyPr/>
-        <a:lstStyle/>
-        <a:p>
-          <a:r>
-            <a:rPr lang="en-US" dirty="0"/>
-            <a:t>Task description</a:t>
-          </a:r>
-        </a:p>
-      </dgm:t>
-    </dgm:pt>
-    <dgm:pt modelId="{24ABE8B3-7220-436D-9636-F7B4C0B99576}" type="parTrans" cxnId="{129AEA77-5D2A-49D4-956D-99009974B6C5}">
-      <dgm:prSet/>
-      <dgm:spPr/>
-      <dgm:t>
-        <a:bodyPr/>
-        <a:lstStyle/>
-        <a:p>
-          <a:endParaRPr lang="en-US"/>
-        </a:p>
-      </dgm:t>
-    </dgm:pt>
-    <dgm:pt modelId="{AA5F76CE-8FD4-4692-8BB1-EF84CF9D365E}" type="sibTrans" cxnId="{129AEA77-5D2A-49D4-956D-99009974B6C5}">
-      <dgm:prSet/>
-      <dgm:spPr/>
-      <dgm:t>
-        <a:bodyPr/>
-        <a:lstStyle/>
-        <a:p>
-          <a:endParaRPr lang="en-US"/>
-        </a:p>
-      </dgm:t>
-    </dgm:pt>
-    <dgm:pt modelId="{6352CA33-6755-44BE-808F-400DA4CF80A7}">
-      <dgm:prSet phldrT="[Text]"/>
-      <dgm:spPr/>
-      <dgm:t>
-        <a:bodyPr/>
-        <a:lstStyle/>
-        <a:p>
-          <a:r>
-            <a:rPr lang="en-US" dirty="0"/>
-            <a:t>Step 3 Title</a:t>
-          </a:r>
-        </a:p>
-      </dgm:t>
-    </dgm:pt>
-    <dgm:pt modelId="{AEB59203-63BA-4A96-BADC-40BAEBD9AA40}" type="parTrans" cxnId="{82BAE5DD-3A79-4870-9019-1254385E0650}">
-      <dgm:prSet/>
-      <dgm:spPr/>
-      <dgm:t>
-        <a:bodyPr/>
-        <a:lstStyle/>
-        <a:p>
-          <a:endParaRPr lang="en-US"/>
-        </a:p>
-      </dgm:t>
-    </dgm:pt>
-    <dgm:pt modelId="{AAB4CF73-4B9B-4AA0-9074-16C2D2AE00A1}" type="sibTrans" cxnId="{82BAE5DD-3A79-4870-9019-1254385E0650}">
-      <dgm:prSet/>
-      <dgm:spPr/>
-      <dgm:t>
-        <a:bodyPr/>
-        <a:lstStyle/>
-        <a:p>
-          <a:endParaRPr lang="en-US"/>
-        </a:p>
-      </dgm:t>
-    </dgm:pt>
-    <dgm:pt modelId="{9614A323-64B1-4077-A841-022051EC749A}">
-      <dgm:prSet phldrT="[Text]"/>
-      <dgm:spPr/>
-      <dgm:t>
-        <a:bodyPr/>
-        <a:lstStyle/>
-        <a:p>
-          <a:r>
-            <a:rPr lang="en-US" dirty="0"/>
-            <a:t>Task description</a:t>
-          </a:r>
-        </a:p>
-      </dgm:t>
-    </dgm:pt>
-    <dgm:pt modelId="{E5F6BCBD-B84E-4018-BE9E-BF57FF3B4B36}" type="parTrans" cxnId="{FC7BD086-74EA-4D6C-9657-E916D355F209}">
-      <dgm:prSet/>
-      <dgm:spPr/>
-      <dgm:t>
-        <a:bodyPr/>
-        <a:lstStyle/>
-        <a:p>
-          <a:endParaRPr lang="en-US"/>
-        </a:p>
-      </dgm:t>
-    </dgm:pt>
-    <dgm:pt modelId="{FEC2A79F-8857-403A-A738-E8CE75C965E2}" type="sibTrans" cxnId="{FC7BD086-74EA-4D6C-9657-E916D355F209}">
-      <dgm:prSet/>
-      <dgm:spPr/>
-      <dgm:t>
-        <a:bodyPr/>
-        <a:lstStyle/>
-        <a:p>
-          <a:endParaRPr lang="en-US"/>
-        </a:p>
-      </dgm:t>
-    </dgm:pt>
-    <dgm:pt modelId="{3D5CDB25-F8FA-444B-8D4A-1D29D0CBA282}">
-      <dgm:prSet phldrT="[Text]"/>
-      <dgm:spPr/>
-      <dgm:t>
-        <a:bodyPr/>
-        <a:lstStyle/>
-        <a:p>
-          <a:r>
-            <a:rPr lang="en-US" dirty="0"/>
-            <a:t>Task description</a:t>
-          </a:r>
-        </a:p>
-      </dgm:t>
-    </dgm:pt>
-    <dgm:pt modelId="{4C229933-AC16-44B7-98EC-4C0F07FABCB0}" type="parTrans" cxnId="{2E3C97E6-67D4-4948-B47A-1115C2B2979F}">
-      <dgm:prSet/>
-      <dgm:spPr/>
-      <dgm:t>
-        <a:bodyPr/>
-        <a:lstStyle/>
-        <a:p>
-          <a:endParaRPr lang="en-US"/>
-        </a:p>
-      </dgm:t>
-    </dgm:pt>
-    <dgm:pt modelId="{189DA4C5-2A22-4C71-A806-7B4AB57767CC}" type="sibTrans" cxnId="{2E3C97E6-67D4-4948-B47A-1115C2B2979F}">
-      <dgm:prSet/>
-      <dgm:spPr/>
-      <dgm:t>
-        <a:bodyPr/>
-        <a:lstStyle/>
-        <a:p>
-          <a:endParaRPr lang="en-US"/>
-        </a:p>
-      </dgm:t>
-    </dgm:pt>
-    <dgm:pt modelId="{7FCE83D9-631B-4420-BBFC-CA0AFA59F747}">
-      <dgm:prSet phldrT="[Text]"/>
-      <dgm:spPr/>
-      <dgm:t>
-        <a:bodyPr/>
-        <a:lstStyle/>
-        <a:p>
-          <a:r>
-            <a:rPr lang="en-US" dirty="0"/>
-            <a:t>Step 4 Title</a:t>
-          </a:r>
-        </a:p>
-      </dgm:t>
-    </dgm:pt>
-    <dgm:pt modelId="{C61EC981-13FA-4710-B079-D35692EEB764}" type="parTrans" cxnId="{E572418E-4340-4448-940D-253A2FA3B9B3}">
-      <dgm:prSet/>
-      <dgm:spPr/>
-      <dgm:t>
-        <a:bodyPr/>
-        <a:lstStyle/>
-        <a:p>
-          <a:endParaRPr lang="en-US"/>
-        </a:p>
-      </dgm:t>
-    </dgm:pt>
-    <dgm:pt modelId="{1B48A0DE-4031-4D45-86A1-94CDAF68824A}" type="sibTrans" cxnId="{E572418E-4340-4448-940D-253A2FA3B9B3}">
-      <dgm:prSet/>
-      <dgm:spPr/>
-      <dgm:t>
-        <a:bodyPr/>
-        <a:lstStyle/>
-        <a:p>
-          <a:endParaRPr lang="en-US"/>
-        </a:p>
-      </dgm:t>
-    </dgm:pt>
-    <dgm:pt modelId="{DB9FB862-4759-4D6A-84F3-01524B92723B}">
-      <dgm:prSet phldrT="[Text]"/>
-      <dgm:spPr/>
-      <dgm:t>
-        <a:bodyPr/>
-        <a:lstStyle/>
-        <a:p>
-          <a:r>
-            <a:rPr lang="en-US" dirty="0"/>
-            <a:t>Task description</a:t>
-          </a:r>
-        </a:p>
-      </dgm:t>
-    </dgm:pt>
-    <dgm:pt modelId="{CD1EE44C-3116-420B-89E3-1D797CB25D34}" type="parTrans" cxnId="{70CAB4FC-3D17-49C2-8A7B-F387031FCDCA}">
-      <dgm:prSet/>
-      <dgm:spPr/>
-      <dgm:t>
-        <a:bodyPr/>
-        <a:lstStyle/>
-        <a:p>
-          <a:endParaRPr lang="en-US"/>
-        </a:p>
-      </dgm:t>
-    </dgm:pt>
-    <dgm:pt modelId="{4BD4D4A5-043E-4ED5-A5CA-8D46DADC3150}" type="sibTrans" cxnId="{70CAB4FC-3D17-49C2-8A7B-F387031FCDCA}">
-      <dgm:prSet/>
-      <dgm:spPr/>
-      <dgm:t>
-        <a:bodyPr/>
-        <a:lstStyle/>
-        <a:p>
-          <a:endParaRPr lang="en-US"/>
-        </a:p>
-      </dgm:t>
-    </dgm:pt>
-    <dgm:pt modelId="{50451020-5E1A-4778-9E8D-169182A36191}">
-      <dgm:prSet phldrT="[Text]"/>
-      <dgm:spPr/>
-      <dgm:t>
-        <a:bodyPr/>
-        <a:lstStyle/>
-        <a:p>
-          <a:r>
-            <a:rPr lang="en-US" dirty="0"/>
-            <a:t>Task description</a:t>
-          </a:r>
-        </a:p>
-      </dgm:t>
-    </dgm:pt>
-    <dgm:pt modelId="{7DFC3849-4A12-49FB-B614-8AFD597CCB9E}" type="parTrans" cxnId="{0F86DBDB-3C4F-4C84-981B-7F4CA2A8EAF3}">
-      <dgm:prSet/>
-      <dgm:spPr/>
-      <dgm:t>
-        <a:bodyPr/>
-        <a:lstStyle/>
-        <a:p>
-          <a:endParaRPr lang="en-US"/>
-        </a:p>
-      </dgm:t>
-    </dgm:pt>
-    <dgm:pt modelId="{EEDE2474-4F18-4F59-8E58-6382D253E514}" type="sibTrans" cxnId="{0F86DBDB-3C4F-4C84-981B-7F4CA2A8EAF3}">
-      <dgm:prSet/>
-      <dgm:spPr/>
-      <dgm:t>
-        <a:bodyPr/>
-        <a:lstStyle/>
-        <a:p>
-          <a:endParaRPr lang="en-US"/>
-        </a:p>
-      </dgm:t>
-    </dgm:pt>
-    <dgm:pt modelId="{0DC7A063-583D-4B0F-88B2-BD54F95D95AF}" type="pres">
-      <dgm:prSet presAssocID="{00C18FBF-3FF5-4C16-97CF-AF03740D7AB6}" presName="list" presStyleCnt="0">
-        <dgm:presLayoutVars>
-          <dgm:dir/>
-          <dgm:animLvl val="lvl"/>
-        </dgm:presLayoutVars>
-      </dgm:prSet>
-      <dgm:spPr/>
-    </dgm:pt>
-    <dgm:pt modelId="{3B23570A-ECC9-4DF8-BCB4-0465C69CBB88}" type="pres">
-      <dgm:prSet presAssocID="{B4F1B46E-22B2-4721-950C-8704487586DC}" presName="posSpace" presStyleCnt="0"/>
-      <dgm:spPr/>
-    </dgm:pt>
-    <dgm:pt modelId="{FC66A233-6BBA-46AF-B2F6-28E379B158E2}" type="pres">
-      <dgm:prSet presAssocID="{B4F1B46E-22B2-4721-950C-8704487586DC}" presName="vertFlow" presStyleCnt="0"/>
-      <dgm:spPr/>
-    </dgm:pt>
-    <dgm:pt modelId="{46739A04-1AA3-49C6-8EA7-EB1DE975B900}" type="pres">
-      <dgm:prSet presAssocID="{B4F1B46E-22B2-4721-950C-8704487586DC}" presName="topSpace" presStyleCnt="0"/>
-      <dgm:spPr/>
-    </dgm:pt>
-    <dgm:pt modelId="{535C6EC9-8098-42C5-8527-E62FF045E4EB}" type="pres">
-      <dgm:prSet presAssocID="{B4F1B46E-22B2-4721-950C-8704487586DC}" presName="firstComp" presStyleCnt="0"/>
-      <dgm:spPr/>
-    </dgm:pt>
-    <dgm:pt modelId="{6B08AC4B-4CEC-41E5-AE19-47A4E2720563}" type="pres">
-      <dgm:prSet presAssocID="{B4F1B46E-22B2-4721-950C-8704487586DC}" presName="firstChild" presStyleLbl="bgAccFollowNode1" presStyleIdx="0" presStyleCnt="11"/>
-      <dgm:spPr/>
-    </dgm:pt>
-    <dgm:pt modelId="{187D4E8C-5C91-4D00-870C-2C45D4EA263C}" type="pres">
-      <dgm:prSet presAssocID="{B4F1B46E-22B2-4721-950C-8704487586DC}" presName="firstChildTx" presStyleLbl="bgAccFollowNode1" presStyleIdx="0" presStyleCnt="11">
-        <dgm:presLayoutVars>
-          <dgm:bulletEnabled val="1"/>
-        </dgm:presLayoutVars>
-      </dgm:prSet>
-      <dgm:spPr/>
-    </dgm:pt>
-    <dgm:pt modelId="{ADF61BBD-28F4-4815-BC7F-82CF00464E8B}" type="pres">
-      <dgm:prSet presAssocID="{F9D46839-CD06-4669-AAE4-4D1E9AFEDA78}" presName="comp" presStyleCnt="0"/>
-      <dgm:spPr/>
-    </dgm:pt>
-    <dgm:pt modelId="{59179C9B-8BA4-4AC7-ACB1-A12DE00142E2}" type="pres">
-      <dgm:prSet presAssocID="{F9D46839-CD06-4669-AAE4-4D1E9AFEDA78}" presName="child" presStyleLbl="bgAccFollowNode1" presStyleIdx="1" presStyleCnt="11"/>
-      <dgm:spPr/>
-    </dgm:pt>
-    <dgm:pt modelId="{4AE7D907-B6F4-4647-AB3F-ABE94C438AE8}" type="pres">
-      <dgm:prSet presAssocID="{F9D46839-CD06-4669-AAE4-4D1E9AFEDA78}" presName="childTx" presStyleLbl="bgAccFollowNode1" presStyleIdx="1" presStyleCnt="11">
-        <dgm:presLayoutVars>
-          <dgm:bulletEnabled val="1"/>
-        </dgm:presLayoutVars>
-      </dgm:prSet>
-      <dgm:spPr/>
-    </dgm:pt>
-    <dgm:pt modelId="{E50A9A83-9985-4184-A476-E3402BD8E76E}" type="pres">
-      <dgm:prSet presAssocID="{7CB6360B-4022-4E96-922B-A12DE0E2A39F}" presName="comp" presStyleCnt="0"/>
-      <dgm:spPr/>
-    </dgm:pt>
-    <dgm:pt modelId="{1877502C-A892-4DC0-ADA6-FA065097BB90}" type="pres">
-      <dgm:prSet presAssocID="{7CB6360B-4022-4E96-922B-A12DE0E2A39F}" presName="child" presStyleLbl="bgAccFollowNode1" presStyleIdx="2" presStyleCnt="11"/>
-      <dgm:spPr/>
-    </dgm:pt>
-    <dgm:pt modelId="{D685DD23-B321-4B5E-842F-394CB33239FA}" type="pres">
-      <dgm:prSet presAssocID="{7CB6360B-4022-4E96-922B-A12DE0E2A39F}" presName="childTx" presStyleLbl="bgAccFollowNode1" presStyleIdx="2" presStyleCnt="11">
-        <dgm:presLayoutVars>
-          <dgm:bulletEnabled val="1"/>
-        </dgm:presLayoutVars>
-      </dgm:prSet>
-      <dgm:spPr/>
-    </dgm:pt>
-    <dgm:pt modelId="{E5677DE7-299C-4C9C-A4BC-6335CC601D12}" type="pres">
-      <dgm:prSet presAssocID="{70879558-61CA-4CCD-B2D6-5349B01EF337}" presName="comp" presStyleCnt="0"/>
-      <dgm:spPr/>
-    </dgm:pt>
-    <dgm:pt modelId="{51F68A05-A560-4C6F-BC90-521AEF3B0907}" type="pres">
-      <dgm:prSet presAssocID="{70879558-61CA-4CCD-B2D6-5349B01EF337}" presName="child" presStyleLbl="bgAccFollowNode1" presStyleIdx="3" presStyleCnt="11"/>
-      <dgm:spPr/>
-    </dgm:pt>
-    <dgm:pt modelId="{3EBE42F0-6491-49CC-95DC-985BA00CD458}" type="pres">
-      <dgm:prSet presAssocID="{70879558-61CA-4CCD-B2D6-5349B01EF337}" presName="childTx" presStyleLbl="bgAccFollowNode1" presStyleIdx="3" presStyleCnt="11">
-        <dgm:presLayoutVars>
-          <dgm:bulletEnabled val="1"/>
-        </dgm:presLayoutVars>
-      </dgm:prSet>
-      <dgm:spPr/>
-    </dgm:pt>
-    <dgm:pt modelId="{3845DB9A-BEF3-4D5D-B9C7-5FC0456401AC}" type="pres">
-      <dgm:prSet presAssocID="{B4F1B46E-22B2-4721-950C-8704487586DC}" presName="negSpace" presStyleCnt="0"/>
-      <dgm:spPr/>
-    </dgm:pt>
-    <dgm:pt modelId="{FC7ED273-8CFD-43C2-9C05-44FADF3E0637}" type="pres">
-      <dgm:prSet presAssocID="{B4F1B46E-22B2-4721-950C-8704487586DC}" presName="circle" presStyleLbl="node1" presStyleIdx="0" presStyleCnt="4"/>
-      <dgm:spPr/>
-    </dgm:pt>
-    <dgm:pt modelId="{13C564B0-C27E-4ABA-AFDA-59E145B256BA}" type="pres">
-      <dgm:prSet presAssocID="{A7E2530A-34E2-4E9F-BC78-8920BA140C41}" presName="transSpace" presStyleCnt="0"/>
-      <dgm:spPr/>
-    </dgm:pt>
-    <dgm:pt modelId="{6300E233-87DF-4270-9808-160BFEB8A5BE}" type="pres">
-      <dgm:prSet presAssocID="{F2881FB1-6580-4F21-A283-BFAA6F91D5D2}" presName="posSpace" presStyleCnt="0"/>
-      <dgm:spPr/>
-    </dgm:pt>
-    <dgm:pt modelId="{6E53DEF7-499E-42EE-802D-59B2F8915392}" type="pres">
-      <dgm:prSet presAssocID="{F2881FB1-6580-4F21-A283-BFAA6F91D5D2}" presName="vertFlow" presStyleCnt="0"/>
-      <dgm:spPr/>
-    </dgm:pt>
-    <dgm:pt modelId="{E08C30D1-35EA-4D05-9731-5D01E3FCBD09}" type="pres">
-      <dgm:prSet presAssocID="{F2881FB1-6580-4F21-A283-BFAA6F91D5D2}" presName="topSpace" presStyleCnt="0"/>
-      <dgm:spPr/>
-    </dgm:pt>
-    <dgm:pt modelId="{2F3BD88A-9166-4A26-B941-B9BAEE1A11D5}" type="pres">
-      <dgm:prSet presAssocID="{F2881FB1-6580-4F21-A283-BFAA6F91D5D2}" presName="firstComp" presStyleCnt="0"/>
-      <dgm:spPr/>
-    </dgm:pt>
-    <dgm:pt modelId="{F660F4B9-35DB-4256-A868-A35C6DCCF6B2}" type="pres">
-      <dgm:prSet presAssocID="{F2881FB1-6580-4F21-A283-BFAA6F91D5D2}" presName="firstChild" presStyleLbl="bgAccFollowNode1" presStyleIdx="4" presStyleCnt="11"/>
-      <dgm:spPr/>
-    </dgm:pt>
-    <dgm:pt modelId="{10C9E3CF-3A8F-4100-8ACD-91E2373197A2}" type="pres">
-      <dgm:prSet presAssocID="{F2881FB1-6580-4F21-A283-BFAA6F91D5D2}" presName="firstChildTx" presStyleLbl="bgAccFollowNode1" presStyleIdx="4" presStyleCnt="11">
-        <dgm:presLayoutVars>
-          <dgm:bulletEnabled val="1"/>
-        </dgm:presLayoutVars>
-      </dgm:prSet>
-      <dgm:spPr/>
-    </dgm:pt>
-    <dgm:pt modelId="{60887C36-4733-46AC-A452-5444F6BC3B23}" type="pres">
-      <dgm:prSet presAssocID="{29E78340-8EBE-415C-B973-78A91A054B9C}" presName="comp" presStyleCnt="0"/>
-      <dgm:spPr/>
-    </dgm:pt>
-    <dgm:pt modelId="{614EBA0E-D12B-447E-B378-B0FA2DEBEA2F}" type="pres">
-      <dgm:prSet presAssocID="{29E78340-8EBE-415C-B973-78A91A054B9C}" presName="child" presStyleLbl="bgAccFollowNode1" presStyleIdx="5" presStyleCnt="11"/>
-      <dgm:spPr/>
-    </dgm:pt>
-    <dgm:pt modelId="{B12AEB83-0A64-4B36-BF01-B2F834861BAA}" type="pres">
-      <dgm:prSet presAssocID="{29E78340-8EBE-415C-B973-78A91A054B9C}" presName="childTx" presStyleLbl="bgAccFollowNode1" presStyleIdx="5" presStyleCnt="11">
-        <dgm:presLayoutVars>
-          <dgm:bulletEnabled val="1"/>
-        </dgm:presLayoutVars>
-      </dgm:prSet>
-      <dgm:spPr/>
-    </dgm:pt>
-    <dgm:pt modelId="{3055F178-D8CA-413A-99F2-20C8231C0651}" type="pres">
-      <dgm:prSet presAssocID="{8321AB85-EA8C-4958-B404-B4C118CB3C18}" presName="comp" presStyleCnt="0"/>
-      <dgm:spPr/>
-    </dgm:pt>
-    <dgm:pt modelId="{68509703-D239-4E1B-8CF0-EF08079E1226}" type="pres">
-      <dgm:prSet presAssocID="{8321AB85-EA8C-4958-B404-B4C118CB3C18}" presName="child" presStyleLbl="bgAccFollowNode1" presStyleIdx="6" presStyleCnt="11"/>
-      <dgm:spPr/>
-    </dgm:pt>
-    <dgm:pt modelId="{E1767793-EDD5-4203-A612-8120A71CA906}" type="pres">
-      <dgm:prSet presAssocID="{8321AB85-EA8C-4958-B404-B4C118CB3C18}" presName="childTx" presStyleLbl="bgAccFollowNode1" presStyleIdx="6" presStyleCnt="11">
-        <dgm:presLayoutVars>
-          <dgm:bulletEnabled val="1"/>
-        </dgm:presLayoutVars>
-      </dgm:prSet>
-      <dgm:spPr/>
-    </dgm:pt>
-    <dgm:pt modelId="{69136330-53DB-4978-A56B-160862279381}" type="pres">
-      <dgm:prSet presAssocID="{F2881FB1-6580-4F21-A283-BFAA6F91D5D2}" presName="negSpace" presStyleCnt="0"/>
-      <dgm:spPr/>
-    </dgm:pt>
-    <dgm:pt modelId="{FD776C1E-557E-4553-9447-49B69EEC7907}" type="pres">
-      <dgm:prSet presAssocID="{F2881FB1-6580-4F21-A283-BFAA6F91D5D2}" presName="circle" presStyleLbl="node1" presStyleIdx="1" presStyleCnt="4"/>
-      <dgm:spPr/>
-    </dgm:pt>
-    <dgm:pt modelId="{FC2522F1-14BB-4B37-B60E-2E8A7E8A6C30}" type="pres">
-      <dgm:prSet presAssocID="{A5ABDC17-7AB5-4F0E-992A-F9343F5D74EB}" presName="transSpace" presStyleCnt="0"/>
-      <dgm:spPr/>
-    </dgm:pt>
-    <dgm:pt modelId="{2C2F6211-85A7-47FE-9239-DE94DF41A263}" type="pres">
-      <dgm:prSet presAssocID="{6352CA33-6755-44BE-808F-400DA4CF80A7}" presName="posSpace" presStyleCnt="0"/>
-      <dgm:spPr/>
-    </dgm:pt>
-    <dgm:pt modelId="{7B0C2EAE-70CB-4160-863D-210C3C66D5FD}" type="pres">
-      <dgm:prSet presAssocID="{6352CA33-6755-44BE-808F-400DA4CF80A7}" presName="vertFlow" presStyleCnt="0"/>
-      <dgm:spPr/>
-    </dgm:pt>
-    <dgm:pt modelId="{5AF3752E-55A6-443C-AD35-C49DF50A4566}" type="pres">
-      <dgm:prSet presAssocID="{6352CA33-6755-44BE-808F-400DA4CF80A7}" presName="topSpace" presStyleCnt="0"/>
-      <dgm:spPr/>
-    </dgm:pt>
-    <dgm:pt modelId="{53567A66-F0E9-4EF8-ADA9-764BA36AA6A9}" type="pres">
-      <dgm:prSet presAssocID="{6352CA33-6755-44BE-808F-400DA4CF80A7}" presName="firstComp" presStyleCnt="0"/>
-      <dgm:spPr/>
-    </dgm:pt>
-    <dgm:pt modelId="{AD2806AC-6A03-4F05-9F4D-F72EA0E56FBF}" type="pres">
-      <dgm:prSet presAssocID="{6352CA33-6755-44BE-808F-400DA4CF80A7}" presName="firstChild" presStyleLbl="bgAccFollowNode1" presStyleIdx="7" presStyleCnt="11"/>
-      <dgm:spPr/>
-    </dgm:pt>
-    <dgm:pt modelId="{F8977219-728E-448F-AE8B-46B14F4F17DE}" type="pres">
-      <dgm:prSet presAssocID="{6352CA33-6755-44BE-808F-400DA4CF80A7}" presName="firstChildTx" presStyleLbl="bgAccFollowNode1" presStyleIdx="7" presStyleCnt="11">
-        <dgm:presLayoutVars>
-          <dgm:bulletEnabled val="1"/>
-        </dgm:presLayoutVars>
-      </dgm:prSet>
-      <dgm:spPr/>
-    </dgm:pt>
-    <dgm:pt modelId="{46A8623B-DC64-4ED6-B73D-98FEAB030508}" type="pres">
-      <dgm:prSet presAssocID="{3D5CDB25-F8FA-444B-8D4A-1D29D0CBA282}" presName="comp" presStyleCnt="0"/>
-      <dgm:spPr/>
-    </dgm:pt>
-    <dgm:pt modelId="{5314AADB-0AD3-4BAE-9F15-B0FE4F44C802}" type="pres">
-      <dgm:prSet presAssocID="{3D5CDB25-F8FA-444B-8D4A-1D29D0CBA282}" presName="child" presStyleLbl="bgAccFollowNode1" presStyleIdx="8" presStyleCnt="11"/>
-      <dgm:spPr/>
-    </dgm:pt>
-    <dgm:pt modelId="{96624143-7928-48E9-817F-BC4A07250C32}" type="pres">
-      <dgm:prSet presAssocID="{3D5CDB25-F8FA-444B-8D4A-1D29D0CBA282}" presName="childTx" presStyleLbl="bgAccFollowNode1" presStyleIdx="8" presStyleCnt="11">
-        <dgm:presLayoutVars>
-          <dgm:bulletEnabled val="1"/>
-        </dgm:presLayoutVars>
-      </dgm:prSet>
-      <dgm:spPr/>
-    </dgm:pt>
-    <dgm:pt modelId="{FBCC4E74-37C0-494F-ABC0-7D18132E1437}" type="pres">
-      <dgm:prSet presAssocID="{6352CA33-6755-44BE-808F-400DA4CF80A7}" presName="negSpace" presStyleCnt="0"/>
-      <dgm:spPr/>
-    </dgm:pt>
-    <dgm:pt modelId="{89E6DA6E-7A23-44BD-8A99-378091FF741D}" type="pres">
-      <dgm:prSet presAssocID="{6352CA33-6755-44BE-808F-400DA4CF80A7}" presName="circle" presStyleLbl="node1" presStyleIdx="2" presStyleCnt="4"/>
-      <dgm:spPr/>
-    </dgm:pt>
-    <dgm:pt modelId="{E966790E-26B5-4EB8-981F-1094BF4B7611}" type="pres">
-      <dgm:prSet presAssocID="{AAB4CF73-4B9B-4AA0-9074-16C2D2AE00A1}" presName="transSpace" presStyleCnt="0"/>
-      <dgm:spPr/>
-    </dgm:pt>
-    <dgm:pt modelId="{229B7655-E1F4-4CF5-84B8-30F0491D32B5}" type="pres">
-      <dgm:prSet presAssocID="{7FCE83D9-631B-4420-BBFC-CA0AFA59F747}" presName="posSpace" presStyleCnt="0"/>
-      <dgm:spPr/>
-    </dgm:pt>
-    <dgm:pt modelId="{F85FFCDF-8E5F-492B-B22D-55A08EACE783}" type="pres">
-      <dgm:prSet presAssocID="{7FCE83D9-631B-4420-BBFC-CA0AFA59F747}" presName="vertFlow" presStyleCnt="0"/>
-      <dgm:spPr/>
-    </dgm:pt>
-    <dgm:pt modelId="{600B3FB2-1315-4A84-8613-B445666BC7D2}" type="pres">
-      <dgm:prSet presAssocID="{7FCE83D9-631B-4420-BBFC-CA0AFA59F747}" presName="topSpace" presStyleCnt="0"/>
-      <dgm:spPr/>
-    </dgm:pt>
-    <dgm:pt modelId="{E47C73E9-FBEE-4370-9B3F-E04EB7C4023A}" type="pres">
-      <dgm:prSet presAssocID="{7FCE83D9-631B-4420-BBFC-CA0AFA59F747}" presName="firstComp" presStyleCnt="0"/>
-      <dgm:spPr/>
-    </dgm:pt>
-    <dgm:pt modelId="{402C2C77-A32C-4D99-9940-12535E1181F2}" type="pres">
-      <dgm:prSet presAssocID="{7FCE83D9-631B-4420-BBFC-CA0AFA59F747}" presName="firstChild" presStyleLbl="bgAccFollowNode1" presStyleIdx="9" presStyleCnt="11"/>
-      <dgm:spPr/>
-    </dgm:pt>
-    <dgm:pt modelId="{5B88A17E-EFF5-4A04-9CC9-D2131DA9ECCC}" type="pres">
-      <dgm:prSet presAssocID="{7FCE83D9-631B-4420-BBFC-CA0AFA59F747}" presName="firstChildTx" presStyleLbl="bgAccFollowNode1" presStyleIdx="9" presStyleCnt="11">
-        <dgm:presLayoutVars>
-          <dgm:bulletEnabled val="1"/>
-        </dgm:presLayoutVars>
-      </dgm:prSet>
-      <dgm:spPr/>
-    </dgm:pt>
-    <dgm:pt modelId="{F3C2D87B-A5E7-46E2-B3D3-58E6D9562663}" type="pres">
-      <dgm:prSet presAssocID="{50451020-5E1A-4778-9E8D-169182A36191}" presName="comp" presStyleCnt="0"/>
-      <dgm:spPr/>
-    </dgm:pt>
-    <dgm:pt modelId="{3086D0BF-AAD1-4310-88ED-4D81A687BD50}" type="pres">
-      <dgm:prSet presAssocID="{50451020-5E1A-4778-9E8D-169182A36191}" presName="child" presStyleLbl="bgAccFollowNode1" presStyleIdx="10" presStyleCnt="11"/>
-      <dgm:spPr/>
-    </dgm:pt>
-    <dgm:pt modelId="{2B18CCD9-D6B1-4225-8D26-4BA691BB1837}" type="pres">
-      <dgm:prSet presAssocID="{50451020-5E1A-4778-9E8D-169182A36191}" presName="childTx" presStyleLbl="bgAccFollowNode1" presStyleIdx="10" presStyleCnt="11">
-        <dgm:presLayoutVars>
-          <dgm:bulletEnabled val="1"/>
-        </dgm:presLayoutVars>
-      </dgm:prSet>
-      <dgm:spPr/>
-    </dgm:pt>
-    <dgm:pt modelId="{9051EF7D-7D6C-4B43-A6C4-239F9933C94D}" type="pres">
-      <dgm:prSet presAssocID="{7FCE83D9-631B-4420-BBFC-CA0AFA59F747}" presName="negSpace" presStyleCnt="0"/>
-      <dgm:spPr/>
-    </dgm:pt>
-    <dgm:pt modelId="{7453D9C8-CD6E-4AA4-8A19-7F6F667528F0}" type="pres">
-      <dgm:prSet presAssocID="{7FCE83D9-631B-4420-BBFC-CA0AFA59F747}" presName="circle" presStyleLbl="node1" presStyleIdx="3" presStyleCnt="4"/>
-      <dgm:spPr/>
-    </dgm:pt>
-  </dgm:ptLst>
-  <dgm:cxnLst>
-    <dgm:cxn modelId="{0E640A01-5254-426D-9300-3ED2F4E3FC75}" type="presOf" srcId="{29E78340-8EBE-415C-B973-78A91A054B9C}" destId="{614EBA0E-D12B-447E-B378-B0FA2DEBEA2F}" srcOrd="0" destOrd="0" presId="urn:microsoft.com/office/officeart/2005/8/layout/hList9"/>
-    <dgm:cxn modelId="{91E5380B-556D-40F8-ABFD-10D81CAF19AA}" type="presOf" srcId="{7CB6360B-4022-4E96-922B-A12DE0E2A39F}" destId="{D685DD23-B321-4B5E-842F-394CB33239FA}" srcOrd="1" destOrd="0" presId="urn:microsoft.com/office/officeart/2005/8/layout/hList9"/>
-    <dgm:cxn modelId="{20AF3F0D-FCCC-4AE8-8B10-DDA56D69A389}" type="presOf" srcId="{6352CA33-6755-44BE-808F-400DA4CF80A7}" destId="{89E6DA6E-7A23-44BD-8A99-378091FF741D}" srcOrd="0" destOrd="0" presId="urn:microsoft.com/office/officeart/2005/8/layout/hList9"/>
-    <dgm:cxn modelId="{7F3B5912-CE3A-4F69-B6A0-82162798FA63}" type="presOf" srcId="{00C18FBF-3FF5-4C16-97CF-AF03740D7AB6}" destId="{0DC7A063-583D-4B0F-88B2-BD54F95D95AF}" srcOrd="0" destOrd="0" presId="urn:microsoft.com/office/officeart/2005/8/layout/hList9"/>
-    <dgm:cxn modelId="{9740321C-35B3-4F5F-BD46-905CB7B8FAEB}" type="presOf" srcId="{9614A323-64B1-4077-A841-022051EC749A}" destId="{AD2806AC-6A03-4F05-9F4D-F72EA0E56FBF}" srcOrd="0" destOrd="0" presId="urn:microsoft.com/office/officeart/2005/8/layout/hList9"/>
-    <dgm:cxn modelId="{C0DEB330-C4FA-4F66-86CA-0C9C52F1F01F}" type="presOf" srcId="{29E78340-8EBE-415C-B973-78A91A054B9C}" destId="{B12AEB83-0A64-4B36-BF01-B2F834861BAA}" srcOrd="1" destOrd="0" presId="urn:microsoft.com/office/officeart/2005/8/layout/hList9"/>
-    <dgm:cxn modelId="{70AA2139-FA57-4EAA-83C0-CFBB31F3B2CD}" type="presOf" srcId="{9D72CDD3-5859-43DB-BD75-0C3C30E3DE62}" destId="{187D4E8C-5C91-4D00-870C-2C45D4EA263C}" srcOrd="1" destOrd="0" presId="urn:microsoft.com/office/officeart/2005/8/layout/hList9"/>
-    <dgm:cxn modelId="{EDF0B63A-DCA1-49A5-910A-B447CA5609B2}" type="presOf" srcId="{3D5CDB25-F8FA-444B-8D4A-1D29D0CBA282}" destId="{96624143-7928-48E9-817F-BC4A07250C32}" srcOrd="1" destOrd="0" presId="urn:microsoft.com/office/officeart/2005/8/layout/hList9"/>
-    <dgm:cxn modelId="{FFE7CF3F-C427-4831-953F-615124811AB4}" type="presOf" srcId="{8321AB85-EA8C-4958-B404-B4C118CB3C18}" destId="{E1767793-EDD5-4203-A612-8120A71CA906}" srcOrd="1" destOrd="0" presId="urn:microsoft.com/office/officeart/2005/8/layout/hList9"/>
-    <dgm:cxn modelId="{4A31D641-1B5D-46D3-B685-0C4DC6EFE71B}" srcId="{00C18FBF-3FF5-4C16-97CF-AF03740D7AB6}" destId="{F2881FB1-6580-4F21-A283-BFAA6F91D5D2}" srcOrd="1" destOrd="0" parTransId="{2D960FDD-BADA-480D-9043-497C56588AD3}" sibTransId="{A5ABDC17-7AB5-4F0E-992A-F9343F5D74EB}"/>
-    <dgm:cxn modelId="{16E03549-76FD-4D73-932D-9C88E7D9FF05}" type="presOf" srcId="{DB9FB862-4759-4D6A-84F3-01524B92723B}" destId="{402C2C77-A32C-4D99-9940-12535E1181F2}" srcOrd="0" destOrd="0" presId="urn:microsoft.com/office/officeart/2005/8/layout/hList9"/>
-    <dgm:cxn modelId="{B635AE6E-37F7-4F2E-8725-C1D81C11EBE6}" type="presOf" srcId="{8321AB85-EA8C-4958-B404-B4C118CB3C18}" destId="{68509703-D239-4E1B-8CF0-EF08079E1226}" srcOrd="0" destOrd="0" presId="urn:microsoft.com/office/officeart/2005/8/layout/hList9"/>
-    <dgm:cxn modelId="{3F290A52-8A4A-4469-9AB4-D811A6E23C3C}" type="presOf" srcId="{F9D46839-CD06-4669-AAE4-4D1E9AFEDA78}" destId="{59179C9B-8BA4-4AC7-ACB1-A12DE00142E2}" srcOrd="0" destOrd="0" presId="urn:microsoft.com/office/officeart/2005/8/layout/hList9"/>
-    <dgm:cxn modelId="{3204ED53-15A0-4643-A582-021A785F1BA2}" srcId="{F2881FB1-6580-4F21-A283-BFAA6F91D5D2}" destId="{D5197DDB-D5D2-499F-B255-CF7BB5AE2B43}" srcOrd="0" destOrd="0" parTransId="{B14A4DC9-F40A-4867-ADB8-4BA8A1F83766}" sibTransId="{29F2454A-2FA8-4B3A-AC63-4A0B9FD04A75}"/>
-    <dgm:cxn modelId="{B2647B56-8947-4632-AB4A-42CBB9B48494}" type="presOf" srcId="{7FCE83D9-631B-4420-BBFC-CA0AFA59F747}" destId="{7453D9C8-CD6E-4AA4-8A19-7F6F667528F0}" srcOrd="0" destOrd="0" presId="urn:microsoft.com/office/officeart/2005/8/layout/hList9"/>
-    <dgm:cxn modelId="{129AEA77-5D2A-49D4-956D-99009974B6C5}" srcId="{F2881FB1-6580-4F21-A283-BFAA6F91D5D2}" destId="{8321AB85-EA8C-4958-B404-B4C118CB3C18}" srcOrd="2" destOrd="0" parTransId="{24ABE8B3-7220-436D-9636-F7B4C0B99576}" sibTransId="{AA5F76CE-8FD4-4692-8BB1-EF84CF9D365E}"/>
-    <dgm:cxn modelId="{8FAB4659-6291-457D-941A-93BCD304031A}" srcId="{B4F1B46E-22B2-4721-950C-8704487586DC}" destId="{70879558-61CA-4CCD-B2D6-5349B01EF337}" srcOrd="3" destOrd="0" parTransId="{95F5E6EE-4E8D-49F8-8C9E-8BBFD01B6A0E}" sibTransId="{053E317B-DD3F-4AFF-90D1-A55D37D325DC}"/>
-    <dgm:cxn modelId="{FC7BD086-74EA-4D6C-9657-E916D355F209}" srcId="{6352CA33-6755-44BE-808F-400DA4CF80A7}" destId="{9614A323-64B1-4077-A841-022051EC749A}" srcOrd="0" destOrd="0" parTransId="{E5F6BCBD-B84E-4018-BE9E-BF57FF3B4B36}" sibTransId="{FEC2A79F-8857-403A-A738-E8CE75C965E2}"/>
-    <dgm:cxn modelId="{E572418E-4340-4448-940D-253A2FA3B9B3}" srcId="{00C18FBF-3FF5-4C16-97CF-AF03740D7AB6}" destId="{7FCE83D9-631B-4420-BBFC-CA0AFA59F747}" srcOrd="3" destOrd="0" parTransId="{C61EC981-13FA-4710-B079-D35692EEB764}" sibTransId="{1B48A0DE-4031-4D45-86A1-94CDAF68824A}"/>
-    <dgm:cxn modelId="{B736D792-8630-4423-BF25-ED6293A18ADD}" type="presOf" srcId="{9614A323-64B1-4077-A841-022051EC749A}" destId="{F8977219-728E-448F-AE8B-46B14F4F17DE}" srcOrd="1" destOrd="0" presId="urn:microsoft.com/office/officeart/2005/8/layout/hList9"/>
-    <dgm:cxn modelId="{6C9D5899-99E2-4916-98F9-1660647928E3}" type="presOf" srcId="{DB9FB862-4759-4D6A-84F3-01524B92723B}" destId="{5B88A17E-EFF5-4A04-9CC9-D2131DA9ECCC}" srcOrd="1" destOrd="0" presId="urn:microsoft.com/office/officeart/2005/8/layout/hList9"/>
-    <dgm:cxn modelId="{DDB5AD9A-40B0-48EF-AF2C-8CCDA330F7FE}" srcId="{B4F1B46E-22B2-4721-950C-8704487586DC}" destId="{9D72CDD3-5859-43DB-BD75-0C3C30E3DE62}" srcOrd="0" destOrd="0" parTransId="{1D5B1F83-33A7-4298-BC11-2B1252AFAEA5}" sibTransId="{15E25BD4-1EBF-43C2-8885-DBF66B8429E1}"/>
-    <dgm:cxn modelId="{AD25A8A0-4628-40E2-8C9E-64E6AD4D4D91}" srcId="{B4F1B46E-22B2-4721-950C-8704487586DC}" destId="{F9D46839-CD06-4669-AAE4-4D1E9AFEDA78}" srcOrd="1" destOrd="0" parTransId="{B6B535D8-00AB-4FA1-AAEC-92498ABC6F4C}" sibTransId="{6497F199-DC2A-41F9-A449-D395E6BC4900}"/>
-    <dgm:cxn modelId="{3EF668B1-7B6A-40A1-9E64-0829B2EF0539}" type="presOf" srcId="{F9D46839-CD06-4669-AAE4-4D1E9AFEDA78}" destId="{4AE7D907-B6F4-4647-AB3F-ABE94C438AE8}" srcOrd="1" destOrd="0" presId="urn:microsoft.com/office/officeart/2005/8/layout/hList9"/>
-    <dgm:cxn modelId="{2C8317B2-2EBB-4589-86EA-C77B3B6E81AA}" srcId="{00C18FBF-3FF5-4C16-97CF-AF03740D7AB6}" destId="{B4F1B46E-22B2-4721-950C-8704487586DC}" srcOrd="0" destOrd="0" parTransId="{E8A66543-CC4D-4785-A93E-5B125E09F826}" sibTransId="{A7E2530A-34E2-4E9F-BC78-8920BA140C41}"/>
-    <dgm:cxn modelId="{CD5EFFB3-C9FD-4DAC-8D97-0C2FB02B380B}" srcId="{B4F1B46E-22B2-4721-950C-8704487586DC}" destId="{7CB6360B-4022-4E96-922B-A12DE0E2A39F}" srcOrd="2" destOrd="0" parTransId="{44B2858F-607B-47DF-B44B-EA7D73FDC9F2}" sibTransId="{B35ED9D1-2A17-4034-8D08-4945CA54F6C9}"/>
-    <dgm:cxn modelId="{70E22FBE-4510-487A-BD3F-D791559A8263}" type="presOf" srcId="{3D5CDB25-F8FA-444B-8D4A-1D29D0CBA282}" destId="{5314AADB-0AD3-4BAE-9F15-B0FE4F44C802}" srcOrd="0" destOrd="0" presId="urn:microsoft.com/office/officeart/2005/8/layout/hList9"/>
-    <dgm:cxn modelId="{2DF4FDC6-9998-45E2-B49B-7BDDAE43878E}" type="presOf" srcId="{B4F1B46E-22B2-4721-950C-8704487586DC}" destId="{FC7ED273-8CFD-43C2-9C05-44FADF3E0637}" srcOrd="0" destOrd="0" presId="urn:microsoft.com/office/officeart/2005/8/layout/hList9"/>
-    <dgm:cxn modelId="{A587C2CB-6562-4021-B4BF-D479DBE9444F}" type="presOf" srcId="{D5197DDB-D5D2-499F-B255-CF7BB5AE2B43}" destId="{F660F4B9-35DB-4256-A868-A35C6DCCF6B2}" srcOrd="0" destOrd="0" presId="urn:microsoft.com/office/officeart/2005/8/layout/hList9"/>
-    <dgm:cxn modelId="{77F620CE-FC2D-42CF-890C-6A28A43BA06E}" type="presOf" srcId="{F2881FB1-6580-4F21-A283-BFAA6F91D5D2}" destId="{FD776C1E-557E-4553-9447-49B69EEC7907}" srcOrd="0" destOrd="0" presId="urn:microsoft.com/office/officeart/2005/8/layout/hList9"/>
-    <dgm:cxn modelId="{AACC54D1-0243-46E9-9624-A663799E8A06}" type="presOf" srcId="{9D72CDD3-5859-43DB-BD75-0C3C30E3DE62}" destId="{6B08AC4B-4CEC-41E5-AE19-47A4E2720563}" srcOrd="0" destOrd="0" presId="urn:microsoft.com/office/officeart/2005/8/layout/hList9"/>
-    <dgm:cxn modelId="{F3210AD4-6CEB-4017-A75B-E24F2FA3B062}" type="presOf" srcId="{70879558-61CA-4CCD-B2D6-5349B01EF337}" destId="{51F68A05-A560-4C6F-BC90-521AEF3B0907}" srcOrd="0" destOrd="0" presId="urn:microsoft.com/office/officeart/2005/8/layout/hList9"/>
-    <dgm:cxn modelId="{311348D8-FDE3-4C22-99F5-3B98C5F51F0D}" srcId="{F2881FB1-6580-4F21-A283-BFAA6F91D5D2}" destId="{29E78340-8EBE-415C-B973-78A91A054B9C}" srcOrd="1" destOrd="0" parTransId="{FF4E5F97-6974-4E39-A85D-DCB2E100798E}" sibTransId="{B4B9A51E-FA34-465E-B5B4-81CD76EB3FC2}"/>
-    <dgm:cxn modelId="{0F86DBDB-3C4F-4C84-981B-7F4CA2A8EAF3}" srcId="{7FCE83D9-631B-4420-BBFC-CA0AFA59F747}" destId="{50451020-5E1A-4778-9E8D-169182A36191}" srcOrd="1" destOrd="0" parTransId="{7DFC3849-4A12-49FB-B614-8AFD597CCB9E}" sibTransId="{EEDE2474-4F18-4F59-8E58-6382D253E514}"/>
-    <dgm:cxn modelId="{82BAE5DD-3A79-4870-9019-1254385E0650}" srcId="{00C18FBF-3FF5-4C16-97CF-AF03740D7AB6}" destId="{6352CA33-6755-44BE-808F-400DA4CF80A7}" srcOrd="2" destOrd="0" parTransId="{AEB59203-63BA-4A96-BADC-40BAEBD9AA40}" sibTransId="{AAB4CF73-4B9B-4AA0-9074-16C2D2AE00A1}"/>
-    <dgm:cxn modelId="{2E3C97E6-67D4-4948-B47A-1115C2B2979F}" srcId="{6352CA33-6755-44BE-808F-400DA4CF80A7}" destId="{3D5CDB25-F8FA-444B-8D4A-1D29D0CBA282}" srcOrd="1" destOrd="0" parTransId="{4C229933-AC16-44B7-98EC-4C0F07FABCB0}" sibTransId="{189DA4C5-2A22-4C71-A806-7B4AB57767CC}"/>
-    <dgm:cxn modelId="{59E871E8-E7D2-4CCC-B749-A714977AF5E6}" type="presOf" srcId="{D5197DDB-D5D2-499F-B255-CF7BB5AE2B43}" destId="{10C9E3CF-3A8F-4100-8ACD-91E2373197A2}" srcOrd="1" destOrd="0" presId="urn:microsoft.com/office/officeart/2005/8/layout/hList9"/>
-    <dgm:cxn modelId="{114529EA-CDEE-4574-B59D-8F35E4FE7A75}" type="presOf" srcId="{50451020-5E1A-4778-9E8D-169182A36191}" destId="{3086D0BF-AAD1-4310-88ED-4D81A687BD50}" srcOrd="0" destOrd="0" presId="urn:microsoft.com/office/officeart/2005/8/layout/hList9"/>
-    <dgm:cxn modelId="{92B5CCEF-1CDF-4025-ACF6-0780E13B9A00}" type="presOf" srcId="{7CB6360B-4022-4E96-922B-A12DE0E2A39F}" destId="{1877502C-A892-4DC0-ADA6-FA065097BB90}" srcOrd="0" destOrd="0" presId="urn:microsoft.com/office/officeart/2005/8/layout/hList9"/>
-    <dgm:cxn modelId="{62ECA4F6-D6A0-41F0-AB7C-2AA480A6F080}" type="presOf" srcId="{70879558-61CA-4CCD-B2D6-5349B01EF337}" destId="{3EBE42F0-6491-49CC-95DC-985BA00CD458}" srcOrd="1" destOrd="0" presId="urn:microsoft.com/office/officeart/2005/8/layout/hList9"/>
-    <dgm:cxn modelId="{4CCFFDF9-D8E9-43FF-9A5C-0D554AC5AAB1}" type="presOf" srcId="{50451020-5E1A-4778-9E8D-169182A36191}" destId="{2B18CCD9-D6B1-4225-8D26-4BA691BB1837}" srcOrd="1" destOrd="0" presId="urn:microsoft.com/office/officeart/2005/8/layout/hList9"/>
-    <dgm:cxn modelId="{70CAB4FC-3D17-49C2-8A7B-F387031FCDCA}" srcId="{7FCE83D9-631B-4420-BBFC-CA0AFA59F747}" destId="{DB9FB862-4759-4D6A-84F3-01524B92723B}" srcOrd="0" destOrd="0" parTransId="{CD1EE44C-3116-420B-89E3-1D797CB25D34}" sibTransId="{4BD4D4A5-043E-4ED5-A5CA-8D46DADC3150}"/>
-    <dgm:cxn modelId="{E1D1E23B-EC87-45CC-9E87-38B27A23764D}" type="presParOf" srcId="{0DC7A063-583D-4B0F-88B2-BD54F95D95AF}" destId="{3B23570A-ECC9-4DF8-BCB4-0465C69CBB88}" srcOrd="0" destOrd="0" presId="urn:microsoft.com/office/officeart/2005/8/layout/hList9"/>
-    <dgm:cxn modelId="{82537023-5CD7-4BB7-84CF-DE8196338CF2}" type="presParOf" srcId="{0DC7A063-583D-4B0F-88B2-BD54F95D95AF}" destId="{FC66A233-6BBA-46AF-B2F6-28E379B158E2}" srcOrd="1" destOrd="0" presId="urn:microsoft.com/office/officeart/2005/8/layout/hList9"/>
-    <dgm:cxn modelId="{5DFED7C8-2E54-4441-B032-3A4788B2A8D3}" type="presParOf" srcId="{FC66A233-6BBA-46AF-B2F6-28E379B158E2}" destId="{46739A04-1AA3-49C6-8EA7-EB1DE975B900}" srcOrd="0" destOrd="0" presId="urn:microsoft.com/office/officeart/2005/8/layout/hList9"/>
-    <dgm:cxn modelId="{59D81910-4316-4EAE-9A67-0B3EDF027306}" type="presParOf" srcId="{FC66A233-6BBA-46AF-B2F6-28E379B158E2}" destId="{535C6EC9-8098-42C5-8527-E62FF045E4EB}" srcOrd="1" destOrd="0" presId="urn:microsoft.com/office/officeart/2005/8/layout/hList9"/>
-    <dgm:cxn modelId="{C4FBC461-0B5D-4B7E-9CAF-A88B1223F18A}" type="presParOf" srcId="{535C6EC9-8098-42C5-8527-E62FF045E4EB}" destId="{6B08AC4B-4CEC-41E5-AE19-47A4E2720563}" srcOrd="0" destOrd="0" presId="urn:microsoft.com/office/officeart/2005/8/layout/hList9"/>
-    <dgm:cxn modelId="{16A1B336-CE68-4171-8D18-284543992BEA}" type="presParOf" srcId="{535C6EC9-8098-42C5-8527-E62FF045E4EB}" destId="{187D4E8C-5C91-4D00-870C-2C45D4EA263C}" srcOrd="1" destOrd="0" presId="urn:microsoft.com/office/officeart/2005/8/layout/hList9"/>
-    <dgm:cxn modelId="{7A41C261-6E27-4943-9CD0-4E08EB7E56A7}" type="presParOf" srcId="{FC66A233-6BBA-46AF-B2F6-28E379B158E2}" destId="{ADF61BBD-28F4-4815-BC7F-82CF00464E8B}" srcOrd="2" destOrd="0" presId="urn:microsoft.com/office/officeart/2005/8/layout/hList9"/>
-    <dgm:cxn modelId="{03CD72CE-2160-4837-B2C9-B73CABBC437B}" type="presParOf" srcId="{ADF61BBD-28F4-4815-BC7F-82CF00464E8B}" destId="{59179C9B-8BA4-4AC7-ACB1-A12DE00142E2}" srcOrd="0" destOrd="0" presId="urn:microsoft.com/office/officeart/2005/8/layout/hList9"/>
-    <dgm:cxn modelId="{F9662DB2-653F-4128-AA82-4C07C6F00722}" type="presParOf" srcId="{ADF61BBD-28F4-4815-BC7F-82CF00464E8B}" destId="{4AE7D907-B6F4-4647-AB3F-ABE94C438AE8}" srcOrd="1" destOrd="0" presId="urn:microsoft.com/office/officeart/2005/8/layout/hList9"/>
-    <dgm:cxn modelId="{03977053-B57D-4C39-B7C2-51CB96F9B4FC}" type="presParOf" srcId="{FC66A233-6BBA-46AF-B2F6-28E379B158E2}" destId="{E50A9A83-9985-4184-A476-E3402BD8E76E}" srcOrd="3" destOrd="0" presId="urn:microsoft.com/office/officeart/2005/8/layout/hList9"/>
-    <dgm:cxn modelId="{8AFFD233-399B-4D57-9BB6-80A351FA6A3B}" type="presParOf" srcId="{E50A9A83-9985-4184-A476-E3402BD8E76E}" destId="{1877502C-A892-4DC0-ADA6-FA065097BB90}" srcOrd="0" destOrd="0" presId="urn:microsoft.com/office/officeart/2005/8/layout/hList9"/>
-    <dgm:cxn modelId="{9909963A-5660-453F-8E99-8BCC82487A65}" type="presParOf" srcId="{E50A9A83-9985-4184-A476-E3402BD8E76E}" destId="{D685DD23-B321-4B5E-842F-394CB33239FA}" srcOrd="1" destOrd="0" presId="urn:microsoft.com/office/officeart/2005/8/layout/hList9"/>
-    <dgm:cxn modelId="{B628A148-8501-42F8-B49E-281D353B606E}" type="presParOf" srcId="{FC66A233-6BBA-46AF-B2F6-28E379B158E2}" destId="{E5677DE7-299C-4C9C-A4BC-6335CC601D12}" srcOrd="4" destOrd="0" presId="urn:microsoft.com/office/officeart/2005/8/layout/hList9"/>
-    <dgm:cxn modelId="{8D569982-26E1-4090-9C18-DC58158F325D}" type="presParOf" srcId="{E5677DE7-299C-4C9C-A4BC-6335CC601D12}" destId="{51F68A05-A560-4C6F-BC90-521AEF3B0907}" srcOrd="0" destOrd="0" presId="urn:microsoft.com/office/officeart/2005/8/layout/hList9"/>
-    <dgm:cxn modelId="{2FA9E744-008C-4725-86D6-3B7B8883E6D9}" type="presParOf" srcId="{E5677DE7-299C-4C9C-A4BC-6335CC601D12}" destId="{3EBE42F0-6491-49CC-95DC-985BA00CD458}" srcOrd="1" destOrd="0" presId="urn:microsoft.com/office/officeart/2005/8/layout/hList9"/>
-    <dgm:cxn modelId="{DEF99A7A-98F1-424D-AC92-7C6B69A0E544}" type="presParOf" srcId="{0DC7A063-583D-4B0F-88B2-BD54F95D95AF}" destId="{3845DB9A-BEF3-4D5D-B9C7-5FC0456401AC}" srcOrd="2" destOrd="0" presId="urn:microsoft.com/office/officeart/2005/8/layout/hList9"/>
-    <dgm:cxn modelId="{ACD8FD0D-39C9-49DB-B77E-B03522FDF5FC}" type="presParOf" srcId="{0DC7A063-583D-4B0F-88B2-BD54F95D95AF}" destId="{FC7ED273-8CFD-43C2-9C05-44FADF3E0637}" srcOrd="3" destOrd="0" presId="urn:microsoft.com/office/officeart/2005/8/layout/hList9"/>
-    <dgm:cxn modelId="{2C72EC61-81F4-4DCD-A533-255CBC66AE34}" type="presParOf" srcId="{0DC7A063-583D-4B0F-88B2-BD54F95D95AF}" destId="{13C564B0-C27E-4ABA-AFDA-59E145B256BA}" srcOrd="4" destOrd="0" presId="urn:microsoft.com/office/officeart/2005/8/layout/hList9"/>
-    <dgm:cxn modelId="{775600F8-FCFE-4862-8108-85F84EA9DEE2}" type="presParOf" srcId="{0DC7A063-583D-4B0F-88B2-BD54F95D95AF}" destId="{6300E233-87DF-4270-9808-160BFEB8A5BE}" srcOrd="5" destOrd="0" presId="urn:microsoft.com/office/officeart/2005/8/layout/hList9"/>
-    <dgm:cxn modelId="{AE3B7A69-67E7-41D2-BC1A-3586A3CC259D}" type="presParOf" srcId="{0DC7A063-583D-4B0F-88B2-BD54F95D95AF}" destId="{6E53DEF7-499E-42EE-802D-59B2F8915392}" srcOrd="6" destOrd="0" presId="urn:microsoft.com/office/officeart/2005/8/layout/hList9"/>
-    <dgm:cxn modelId="{76A9B804-07B5-4060-AA61-249A1765ECB9}" type="presParOf" srcId="{6E53DEF7-499E-42EE-802D-59B2F8915392}" destId="{E08C30D1-35EA-4D05-9731-5D01E3FCBD09}" srcOrd="0" destOrd="0" presId="urn:microsoft.com/office/officeart/2005/8/layout/hList9"/>
-    <dgm:cxn modelId="{6162898E-21FD-497B-BFEE-B78CF45F7D9A}" type="presParOf" srcId="{6E53DEF7-499E-42EE-802D-59B2F8915392}" destId="{2F3BD88A-9166-4A26-B941-B9BAEE1A11D5}" srcOrd="1" destOrd="0" presId="urn:microsoft.com/office/officeart/2005/8/layout/hList9"/>
-    <dgm:cxn modelId="{71D4EFDE-15BC-4327-9242-5F72F9DAFAD4}" type="presParOf" srcId="{2F3BD88A-9166-4A26-B941-B9BAEE1A11D5}" destId="{F660F4B9-35DB-4256-A868-A35C6DCCF6B2}" srcOrd="0" destOrd="0" presId="urn:microsoft.com/office/officeart/2005/8/layout/hList9"/>
-    <dgm:cxn modelId="{9B414BA4-2018-40DF-8E7D-AD7E78EF0217}" type="presParOf" srcId="{2F3BD88A-9166-4A26-B941-B9BAEE1A11D5}" destId="{10C9E3CF-3A8F-4100-8ACD-91E2373197A2}" srcOrd="1" destOrd="0" presId="urn:microsoft.com/office/officeart/2005/8/layout/hList9"/>
-    <dgm:cxn modelId="{28BA3997-5DD1-4713-9F4F-B2881F36E8DC}" type="presParOf" srcId="{6E53DEF7-499E-42EE-802D-59B2F8915392}" destId="{60887C36-4733-46AC-A452-5444F6BC3B23}" srcOrd="2" destOrd="0" presId="urn:microsoft.com/office/officeart/2005/8/layout/hList9"/>
-    <dgm:cxn modelId="{7A6208FE-C5A8-4871-9488-BEEAE472C061}" type="presParOf" srcId="{60887C36-4733-46AC-A452-5444F6BC3B23}" destId="{614EBA0E-D12B-447E-B378-B0FA2DEBEA2F}" srcOrd="0" destOrd="0" presId="urn:microsoft.com/office/officeart/2005/8/layout/hList9"/>
-    <dgm:cxn modelId="{2148A8C9-9BA6-45BD-9008-59301C4B49FC}" type="presParOf" srcId="{60887C36-4733-46AC-A452-5444F6BC3B23}" destId="{B12AEB83-0A64-4B36-BF01-B2F834861BAA}" srcOrd="1" destOrd="0" presId="urn:microsoft.com/office/officeart/2005/8/layout/hList9"/>
-    <dgm:cxn modelId="{32E6E4AD-0BFD-4285-AC4A-131E4A0904F2}" type="presParOf" srcId="{6E53DEF7-499E-42EE-802D-59B2F8915392}" destId="{3055F178-D8CA-413A-99F2-20C8231C0651}" srcOrd="3" destOrd="0" presId="urn:microsoft.com/office/officeart/2005/8/layout/hList9"/>
-    <dgm:cxn modelId="{A1DB4BC0-DADA-4058-A3BB-D04BE7DF689A}" type="presParOf" srcId="{3055F178-D8CA-413A-99F2-20C8231C0651}" destId="{68509703-D239-4E1B-8CF0-EF08079E1226}" srcOrd="0" destOrd="0" presId="urn:microsoft.com/office/officeart/2005/8/layout/hList9"/>
-    <dgm:cxn modelId="{5B5F83FC-F721-4241-90AB-7117B39AABD5}" type="presParOf" srcId="{3055F178-D8CA-413A-99F2-20C8231C0651}" destId="{E1767793-EDD5-4203-A612-8120A71CA906}" srcOrd="1" destOrd="0" presId="urn:microsoft.com/office/officeart/2005/8/layout/hList9"/>
-    <dgm:cxn modelId="{D8406746-50BE-425E-A523-9ED524500743}" type="presParOf" srcId="{0DC7A063-583D-4B0F-88B2-BD54F95D95AF}" destId="{69136330-53DB-4978-A56B-160862279381}" srcOrd="7" destOrd="0" presId="urn:microsoft.com/office/officeart/2005/8/layout/hList9"/>
-    <dgm:cxn modelId="{A91BC494-75AC-4CCA-8CC1-7E9884C2F3AD}" type="presParOf" srcId="{0DC7A063-583D-4B0F-88B2-BD54F95D95AF}" destId="{FD776C1E-557E-4553-9447-49B69EEC7907}" srcOrd="8" destOrd="0" presId="urn:microsoft.com/office/officeart/2005/8/layout/hList9"/>
-    <dgm:cxn modelId="{487F9920-08DF-4AC5-BA64-D35F42602B66}" type="presParOf" srcId="{0DC7A063-583D-4B0F-88B2-BD54F95D95AF}" destId="{FC2522F1-14BB-4B37-B60E-2E8A7E8A6C30}" srcOrd="9" destOrd="0" presId="urn:microsoft.com/office/officeart/2005/8/layout/hList9"/>
-    <dgm:cxn modelId="{DC194D92-7E98-42DD-A8CA-BCD1EDD2C95D}" type="presParOf" srcId="{0DC7A063-583D-4B0F-88B2-BD54F95D95AF}" destId="{2C2F6211-85A7-47FE-9239-DE94DF41A263}" srcOrd="10" destOrd="0" presId="urn:microsoft.com/office/officeart/2005/8/layout/hList9"/>
-    <dgm:cxn modelId="{575F4FD6-9E0F-4F5E-88EE-9B265B6FD4F4}" type="presParOf" srcId="{0DC7A063-583D-4B0F-88B2-BD54F95D95AF}" destId="{7B0C2EAE-70CB-4160-863D-210C3C66D5FD}" srcOrd="11" destOrd="0" presId="urn:microsoft.com/office/officeart/2005/8/layout/hList9"/>
-    <dgm:cxn modelId="{8AE96C49-A416-4FC7-84EE-2BDAF35C57FF}" type="presParOf" srcId="{7B0C2EAE-70CB-4160-863D-210C3C66D5FD}" destId="{5AF3752E-55A6-443C-AD35-C49DF50A4566}" srcOrd="0" destOrd="0" presId="urn:microsoft.com/office/officeart/2005/8/layout/hList9"/>
-    <dgm:cxn modelId="{235B263C-399E-4245-95BD-2AA1F19D4AB4}" type="presParOf" srcId="{7B0C2EAE-70CB-4160-863D-210C3C66D5FD}" destId="{53567A66-F0E9-4EF8-ADA9-764BA36AA6A9}" srcOrd="1" destOrd="0" presId="urn:microsoft.com/office/officeart/2005/8/layout/hList9"/>
-    <dgm:cxn modelId="{265DA8D6-D429-4956-8CB8-10EE7EF20F0C}" type="presParOf" srcId="{53567A66-F0E9-4EF8-ADA9-764BA36AA6A9}" destId="{AD2806AC-6A03-4F05-9F4D-F72EA0E56FBF}" srcOrd="0" destOrd="0" presId="urn:microsoft.com/office/officeart/2005/8/layout/hList9"/>
-    <dgm:cxn modelId="{35A8C2CA-EB30-45FD-8152-A7470BE42B4C}" type="presParOf" srcId="{53567A66-F0E9-4EF8-ADA9-764BA36AA6A9}" destId="{F8977219-728E-448F-AE8B-46B14F4F17DE}" srcOrd="1" destOrd="0" presId="urn:microsoft.com/office/officeart/2005/8/layout/hList9"/>
-    <dgm:cxn modelId="{6ACEADBE-023B-4505-93FF-04069F754490}" type="presParOf" srcId="{7B0C2EAE-70CB-4160-863D-210C3C66D5FD}" destId="{46A8623B-DC64-4ED6-B73D-98FEAB030508}" srcOrd="2" destOrd="0" presId="urn:microsoft.com/office/officeart/2005/8/layout/hList9"/>
-    <dgm:cxn modelId="{AD010A9C-D63C-4BD8-BA56-A4D20026F974}" type="presParOf" srcId="{46A8623B-DC64-4ED6-B73D-98FEAB030508}" destId="{5314AADB-0AD3-4BAE-9F15-B0FE4F44C802}" srcOrd="0" destOrd="0" presId="urn:microsoft.com/office/officeart/2005/8/layout/hList9"/>
-    <dgm:cxn modelId="{10F973FE-8000-468C-900B-4ED99BE40E65}" type="presParOf" srcId="{46A8623B-DC64-4ED6-B73D-98FEAB030508}" destId="{96624143-7928-48E9-817F-BC4A07250C32}" srcOrd="1" destOrd="0" presId="urn:microsoft.com/office/officeart/2005/8/layout/hList9"/>
-    <dgm:cxn modelId="{EF3F399A-E096-436A-AD74-CF747D62B02A}" type="presParOf" srcId="{0DC7A063-583D-4B0F-88B2-BD54F95D95AF}" destId="{FBCC4E74-37C0-494F-ABC0-7D18132E1437}" srcOrd="12" destOrd="0" presId="urn:microsoft.com/office/officeart/2005/8/layout/hList9"/>
-    <dgm:cxn modelId="{5EA17F20-F6C6-4B5A-AFEB-38BD8F975065}" type="presParOf" srcId="{0DC7A063-583D-4B0F-88B2-BD54F95D95AF}" destId="{89E6DA6E-7A23-44BD-8A99-378091FF741D}" srcOrd="13" destOrd="0" presId="urn:microsoft.com/office/officeart/2005/8/layout/hList9"/>
-    <dgm:cxn modelId="{463280A8-1DBA-4FE7-B5B2-8151A298EB35}" type="presParOf" srcId="{0DC7A063-583D-4B0F-88B2-BD54F95D95AF}" destId="{E966790E-26B5-4EB8-981F-1094BF4B7611}" srcOrd="14" destOrd="0" presId="urn:microsoft.com/office/officeart/2005/8/layout/hList9"/>
-    <dgm:cxn modelId="{A4221FEF-656B-43DD-8382-199EAB5F1E7B}" type="presParOf" srcId="{0DC7A063-583D-4B0F-88B2-BD54F95D95AF}" destId="{229B7655-E1F4-4CF5-84B8-30F0491D32B5}" srcOrd="15" destOrd="0" presId="urn:microsoft.com/office/officeart/2005/8/layout/hList9"/>
-    <dgm:cxn modelId="{48FA6F14-4694-4C77-8D75-48D3A22A3540}" type="presParOf" srcId="{0DC7A063-583D-4B0F-88B2-BD54F95D95AF}" destId="{F85FFCDF-8E5F-492B-B22D-55A08EACE783}" srcOrd="16" destOrd="0" presId="urn:microsoft.com/office/officeart/2005/8/layout/hList9"/>
-    <dgm:cxn modelId="{3995A447-6B53-4DFA-8494-06C3A1F8D7F7}" type="presParOf" srcId="{F85FFCDF-8E5F-492B-B22D-55A08EACE783}" destId="{600B3FB2-1315-4A84-8613-B445666BC7D2}" srcOrd="0" destOrd="0" presId="urn:microsoft.com/office/officeart/2005/8/layout/hList9"/>
-    <dgm:cxn modelId="{C652D75D-BE73-43BB-9138-B232AAF272A1}" type="presParOf" srcId="{F85FFCDF-8E5F-492B-B22D-55A08EACE783}" destId="{E47C73E9-FBEE-4370-9B3F-E04EB7C4023A}" srcOrd="1" destOrd="0" presId="urn:microsoft.com/office/officeart/2005/8/layout/hList9"/>
-    <dgm:cxn modelId="{5F19BD3C-10AC-4F51-A8FD-00351A52371B}" type="presParOf" srcId="{E47C73E9-FBEE-4370-9B3F-E04EB7C4023A}" destId="{402C2C77-A32C-4D99-9940-12535E1181F2}" srcOrd="0" destOrd="0" presId="urn:microsoft.com/office/officeart/2005/8/layout/hList9"/>
-    <dgm:cxn modelId="{1D14EEBA-2351-4066-8BB7-C42885F1D780}" type="presParOf" srcId="{E47C73E9-FBEE-4370-9B3F-E04EB7C4023A}" destId="{5B88A17E-EFF5-4A04-9CC9-D2131DA9ECCC}" srcOrd="1" destOrd="0" presId="urn:microsoft.com/office/officeart/2005/8/layout/hList9"/>
-    <dgm:cxn modelId="{D230C2D8-6446-403F-971D-BA59F9482A7E}" type="presParOf" srcId="{F85FFCDF-8E5F-492B-B22D-55A08EACE783}" destId="{F3C2D87B-A5E7-46E2-B3D3-58E6D9562663}" srcOrd="2" destOrd="0" presId="urn:microsoft.com/office/officeart/2005/8/layout/hList9"/>
-    <dgm:cxn modelId="{71EFAC4F-7BC1-470A-9459-DE14D03A3B20}" type="presParOf" srcId="{F3C2D87B-A5E7-46E2-B3D3-58E6D9562663}" destId="{3086D0BF-AAD1-4310-88ED-4D81A687BD50}" srcOrd="0" destOrd="0" presId="urn:microsoft.com/office/officeart/2005/8/layout/hList9"/>
-    <dgm:cxn modelId="{6035C1AD-47FA-47BC-9D78-974272EBB1D2}" type="presParOf" srcId="{F3C2D87B-A5E7-46E2-B3D3-58E6D9562663}" destId="{2B18CCD9-D6B1-4225-8D26-4BA691BB1837}" srcOrd="1" destOrd="0" presId="urn:microsoft.com/office/officeart/2005/8/layout/hList9"/>
-    <dgm:cxn modelId="{ADA815FB-429E-4ABD-97FC-4AEA97B4630C}" type="presParOf" srcId="{0DC7A063-583D-4B0F-88B2-BD54F95D95AF}" destId="{9051EF7D-7D6C-4B43-A6C4-239F9933C94D}" srcOrd="17" destOrd="0" presId="urn:microsoft.com/office/officeart/2005/8/layout/hList9"/>
-    <dgm:cxn modelId="{7961C21C-3FE8-4B71-95E5-AB5835F91CC1}" type="presParOf" srcId="{0DC7A063-583D-4B0F-88B2-BD54F95D95AF}" destId="{7453D9C8-CD6E-4AA4-8A19-7F6F667528F0}" srcOrd="18" destOrd="0" presId="urn:microsoft.com/office/officeart/2005/8/layout/hList9"/>
-  </dgm:cxnLst>
-  <dgm:bg/>
-  <dgm:whole/>
-  <dgm:extLst>
-    <a:ext uri="http://schemas.microsoft.com/office/drawing/2008/diagram">
-      <dsp:dataModelExt xmlns:dsp="http://schemas.microsoft.com/office/drawing/2008/diagram" relId="rId6" minVer="http://schemas.openxmlformats.org/drawingml/2006/diagram"/>
-    </a:ext>
-  </dgm:extLst>
-</dgm:dataModel>
-</file>
-
-<file path=ppt/diagrams/drawing1.xml><?xml version="1.0" encoding="utf-8"?>
-<dsp:drawing xmlns:dgm="http://schemas.openxmlformats.org/drawingml/2006/diagram" xmlns:dsp="http://schemas.microsoft.com/office/drawing/2008/diagram" xmlns:a="http://schemas.openxmlformats.org/drawingml/2006/main">
-  <dsp:spTree>
-    <dsp:nvGrpSpPr>
-      <dsp:cNvPr id="0" name=""/>
-      <dsp:cNvGrpSpPr/>
-    </dsp:nvGrpSpPr>
-    <dsp:grpSpPr/>
-    <dsp:sp modelId="{6B08AC4B-4CEC-41E5-AE19-47A4E2720563}">
-      <dsp:nvSpPr>
-        <dsp:cNvPr id="0" name=""/>
-        <dsp:cNvSpPr/>
-      </dsp:nvSpPr>
-      <dsp:spPr>
-        <a:xfrm>
-          <a:off x="819461" y="453531"/>
-          <a:ext cx="1526209" cy="1017981"/>
-        </a:xfrm>
-        <a:prstGeom prst="rect">
-          <a:avLst/>
-        </a:prstGeom>
-        <a:solidFill>
-          <a:schemeClr val="accent1">
-            <a:alpha val="90000"/>
-            <a:tint val="40000"/>
-            <a:hueOff val="0"/>
-            <a:satOff val="0"/>
-            <a:lumOff val="0"/>
-            <a:alphaOff val="0"/>
-          </a:schemeClr>
-        </a:solidFill>
-        <a:ln w="6350" cap="rnd" cmpd="sng" algn="ctr">
-          <a:solidFill>
-            <a:schemeClr val="accent1">
-              <a:alpha val="90000"/>
-              <a:tint val="40000"/>
-              <a:hueOff val="0"/>
-              <a:satOff val="0"/>
-              <a:lumOff val="0"/>
-              <a:alphaOff val="0"/>
-            </a:schemeClr>
-          </a:solidFill>
-          <a:prstDash val="solid"/>
-        </a:ln>
-        <a:effectLst/>
-      </dsp:spPr>
-      <dsp:style>
-        <a:lnRef idx="1">
-          <a:scrgbClr r="0" g="0" b="0"/>
-        </a:lnRef>
-        <a:fillRef idx="1">
-          <a:scrgbClr r="0" g="0" b="0"/>
-        </a:fillRef>
-        <a:effectRef idx="0">
-          <a:scrgbClr r="0" g="0" b="0"/>
-        </a:effectRef>
-        <a:fontRef idx="minor"/>
-      </dsp:style>
-      <dsp:txBody>
-        <a:bodyPr spcFirstLastPara="0" vert="horz" wrap="square" lIns="0" tIns="128016" rIns="128016" bIns="128016" numCol="1" spcCol="1270" anchor="ctr" anchorCtr="0">
-          <a:noAutofit/>
-        </a:bodyPr>
-        <a:lstStyle/>
-        <a:p>
-          <a:pPr marL="0" lvl="0" indent="0" algn="l" defTabSz="800100">
-            <a:lnSpc>
-              <a:spcPct val="90000"/>
-            </a:lnSpc>
-            <a:spcBef>
-              <a:spcPct val="0"/>
-            </a:spcBef>
-            <a:spcAft>
-              <a:spcPct val="35000"/>
-            </a:spcAft>
-            <a:buNone/>
-          </a:pPr>
-          <a:r>
-            <a:rPr lang="en-US" sz="1800" kern="1200" dirty="0"/>
-            <a:t>Task description</a:t>
-          </a:r>
-        </a:p>
-      </dsp:txBody>
-      <dsp:txXfrm>
-        <a:off x="1063655" y="453531"/>
-        <a:ext cx="1282015" cy="1017981"/>
-      </dsp:txXfrm>
-    </dsp:sp>
-    <dsp:sp modelId="{59179C9B-8BA4-4AC7-ACB1-A12DE00142E2}">
-      <dsp:nvSpPr>
-        <dsp:cNvPr id="0" name=""/>
-        <dsp:cNvSpPr/>
-      </dsp:nvSpPr>
-      <dsp:spPr>
-        <a:xfrm>
-          <a:off x="819461" y="1471513"/>
-          <a:ext cx="1526209" cy="1017981"/>
-        </a:xfrm>
-        <a:prstGeom prst="rect">
-          <a:avLst/>
-        </a:prstGeom>
-        <a:solidFill>
-          <a:schemeClr val="accent1">
-            <a:alpha val="90000"/>
-            <a:tint val="40000"/>
-            <a:hueOff val="0"/>
-            <a:satOff val="0"/>
-            <a:lumOff val="0"/>
-            <a:alphaOff val="0"/>
-          </a:schemeClr>
-        </a:solidFill>
-        <a:ln w="6350" cap="rnd" cmpd="sng" algn="ctr">
-          <a:solidFill>
-            <a:schemeClr val="accent1">
-              <a:alpha val="90000"/>
-              <a:tint val="40000"/>
-              <a:hueOff val="0"/>
-              <a:satOff val="0"/>
-              <a:lumOff val="0"/>
-              <a:alphaOff val="0"/>
-            </a:schemeClr>
-          </a:solidFill>
-          <a:prstDash val="solid"/>
-        </a:ln>
-        <a:effectLst/>
-      </dsp:spPr>
-      <dsp:style>
-        <a:lnRef idx="1">
-          <a:scrgbClr r="0" g="0" b="0"/>
-        </a:lnRef>
-        <a:fillRef idx="1">
-          <a:scrgbClr r="0" g="0" b="0"/>
-        </a:fillRef>
-        <a:effectRef idx="0">
-          <a:scrgbClr r="0" g="0" b="0"/>
-        </a:effectRef>
-        <a:fontRef idx="minor"/>
-      </dsp:style>
-      <dsp:txBody>
-        <a:bodyPr spcFirstLastPara="0" vert="horz" wrap="square" lIns="0" tIns="128016" rIns="128016" bIns="128016" numCol="1" spcCol="1270" anchor="ctr" anchorCtr="0">
-          <a:noAutofit/>
-        </a:bodyPr>
-        <a:lstStyle/>
-        <a:p>
-          <a:pPr marL="0" lvl="0" indent="0" algn="l" defTabSz="800100">
-            <a:lnSpc>
-              <a:spcPct val="90000"/>
-            </a:lnSpc>
-            <a:spcBef>
-              <a:spcPct val="0"/>
-            </a:spcBef>
-            <a:spcAft>
-              <a:spcPct val="35000"/>
-            </a:spcAft>
-            <a:buNone/>
-          </a:pPr>
-          <a:r>
-            <a:rPr lang="en-US" sz="1800" kern="1200" dirty="0"/>
-            <a:t>Task description</a:t>
-          </a:r>
-        </a:p>
-      </dsp:txBody>
-      <dsp:txXfrm>
-        <a:off x="1063655" y="1471513"/>
-        <a:ext cx="1282015" cy="1017981"/>
-      </dsp:txXfrm>
-    </dsp:sp>
-    <dsp:sp modelId="{1877502C-A892-4DC0-ADA6-FA065097BB90}">
-      <dsp:nvSpPr>
-        <dsp:cNvPr id="0" name=""/>
-        <dsp:cNvSpPr/>
-      </dsp:nvSpPr>
-      <dsp:spPr>
-        <a:xfrm>
-          <a:off x="819461" y="2489494"/>
-          <a:ext cx="1526209" cy="1017981"/>
-        </a:xfrm>
-        <a:prstGeom prst="rect">
-          <a:avLst/>
-        </a:prstGeom>
-        <a:solidFill>
-          <a:schemeClr val="accent1">
-            <a:alpha val="90000"/>
-            <a:tint val="40000"/>
-            <a:hueOff val="0"/>
-            <a:satOff val="0"/>
-            <a:lumOff val="0"/>
-            <a:alphaOff val="0"/>
-          </a:schemeClr>
-        </a:solidFill>
-        <a:ln w="6350" cap="rnd" cmpd="sng" algn="ctr">
-          <a:solidFill>
-            <a:schemeClr val="accent1">
-              <a:alpha val="90000"/>
-              <a:tint val="40000"/>
-              <a:hueOff val="0"/>
-              <a:satOff val="0"/>
-              <a:lumOff val="0"/>
-              <a:alphaOff val="0"/>
-            </a:schemeClr>
-          </a:solidFill>
-          <a:prstDash val="solid"/>
-        </a:ln>
-        <a:effectLst/>
-      </dsp:spPr>
-      <dsp:style>
-        <a:lnRef idx="1">
-          <a:scrgbClr r="0" g="0" b="0"/>
-        </a:lnRef>
-        <a:fillRef idx="1">
-          <a:scrgbClr r="0" g="0" b="0"/>
-        </a:fillRef>
-        <a:effectRef idx="0">
-          <a:scrgbClr r="0" g="0" b="0"/>
-        </a:effectRef>
-        <a:fontRef idx="minor"/>
-      </dsp:style>
-      <dsp:txBody>
-        <a:bodyPr spcFirstLastPara="0" vert="horz" wrap="square" lIns="0" tIns="128016" rIns="128016" bIns="128016" numCol="1" spcCol="1270" anchor="ctr" anchorCtr="0">
-          <a:noAutofit/>
-        </a:bodyPr>
-        <a:lstStyle/>
-        <a:p>
-          <a:pPr marL="0" lvl="0" indent="0" algn="l" defTabSz="800100">
-            <a:lnSpc>
-              <a:spcPct val="90000"/>
-            </a:lnSpc>
-            <a:spcBef>
-              <a:spcPct val="0"/>
-            </a:spcBef>
-            <a:spcAft>
-              <a:spcPct val="35000"/>
-            </a:spcAft>
-            <a:buNone/>
-          </a:pPr>
-          <a:r>
-            <a:rPr lang="en-US" sz="1800" kern="1200" dirty="0"/>
-            <a:t>Task description</a:t>
-          </a:r>
-        </a:p>
-      </dsp:txBody>
-      <dsp:txXfrm>
-        <a:off x="1063655" y="2489494"/>
-        <a:ext cx="1282015" cy="1017981"/>
-      </dsp:txXfrm>
-    </dsp:sp>
-    <dsp:sp modelId="{51F68A05-A560-4C6F-BC90-521AEF3B0907}">
-      <dsp:nvSpPr>
-        <dsp:cNvPr id="0" name=""/>
-        <dsp:cNvSpPr/>
-      </dsp:nvSpPr>
-      <dsp:spPr>
-        <a:xfrm>
-          <a:off x="819461" y="3507476"/>
-          <a:ext cx="1526209" cy="1017981"/>
-        </a:xfrm>
-        <a:prstGeom prst="rect">
-          <a:avLst/>
-        </a:prstGeom>
-        <a:solidFill>
-          <a:schemeClr val="accent1">
-            <a:alpha val="90000"/>
-            <a:tint val="40000"/>
-            <a:hueOff val="0"/>
-            <a:satOff val="0"/>
-            <a:lumOff val="0"/>
-            <a:alphaOff val="0"/>
-          </a:schemeClr>
-        </a:solidFill>
-        <a:ln w="6350" cap="rnd" cmpd="sng" algn="ctr">
-          <a:solidFill>
-            <a:schemeClr val="accent1">
-              <a:alpha val="90000"/>
-              <a:tint val="40000"/>
-              <a:hueOff val="0"/>
-              <a:satOff val="0"/>
-              <a:lumOff val="0"/>
-              <a:alphaOff val="0"/>
-            </a:schemeClr>
-          </a:solidFill>
-          <a:prstDash val="solid"/>
-        </a:ln>
-        <a:effectLst/>
-      </dsp:spPr>
-      <dsp:style>
-        <a:lnRef idx="1">
-          <a:scrgbClr r="0" g="0" b="0"/>
-        </a:lnRef>
-        <a:fillRef idx="1">
-          <a:scrgbClr r="0" g="0" b="0"/>
-        </a:fillRef>
-        <a:effectRef idx="0">
-          <a:scrgbClr r="0" g="0" b="0"/>
-        </a:effectRef>
-        <a:fontRef idx="minor"/>
-      </dsp:style>
-      <dsp:txBody>
-        <a:bodyPr spcFirstLastPara="0" vert="horz" wrap="square" lIns="0" tIns="128016" rIns="128016" bIns="128016" numCol="1" spcCol="1270" anchor="ctr" anchorCtr="0">
-          <a:noAutofit/>
-        </a:bodyPr>
-        <a:lstStyle/>
-        <a:p>
-          <a:pPr marL="0" lvl="0" indent="0" algn="l" defTabSz="800100">
-            <a:lnSpc>
-              <a:spcPct val="90000"/>
-            </a:lnSpc>
-            <a:spcBef>
-              <a:spcPct val="0"/>
-            </a:spcBef>
-            <a:spcAft>
-              <a:spcPct val="35000"/>
-            </a:spcAft>
-            <a:buNone/>
-          </a:pPr>
-          <a:r>
-            <a:rPr lang="en-US" sz="1800" kern="1200" dirty="0"/>
-            <a:t>Task description</a:t>
-          </a:r>
-        </a:p>
-      </dsp:txBody>
-      <dsp:txXfrm>
-        <a:off x="1063655" y="3507476"/>
-        <a:ext cx="1282015" cy="1017981"/>
-      </dsp:txXfrm>
-    </dsp:sp>
-    <dsp:sp modelId="{FC7ED273-8CFD-43C2-9C05-44FADF3E0637}">
-      <dsp:nvSpPr>
-        <dsp:cNvPr id="0" name=""/>
-        <dsp:cNvSpPr/>
-      </dsp:nvSpPr>
-      <dsp:spPr>
-        <a:xfrm>
-          <a:off x="5483" y="46542"/>
-          <a:ext cx="1017472" cy="1017472"/>
-        </a:xfrm>
-        <a:prstGeom prst="ellipse">
-          <a:avLst/>
-        </a:prstGeom>
-        <a:gradFill rotWithShape="0">
-          <a:gsLst>
-            <a:gs pos="0">
-              <a:schemeClr val="accent1">
-                <a:hueOff val="0"/>
-                <a:satOff val="0"/>
-                <a:lumOff val="0"/>
-                <a:alphaOff val="0"/>
-                <a:shade val="100000"/>
-                <a:satMod val="137000"/>
-              </a:schemeClr>
-            </a:gs>
-            <a:gs pos="71000">
-              <a:schemeClr val="accent1">
-                <a:hueOff val="0"/>
-                <a:satOff val="0"/>
-                <a:lumOff val="0"/>
-                <a:alphaOff val="0"/>
-                <a:shade val="98000"/>
-                <a:satMod val="137000"/>
-              </a:schemeClr>
-            </a:gs>
-            <a:gs pos="100000">
-              <a:schemeClr val="accent1">
-                <a:hueOff val="0"/>
-                <a:satOff val="0"/>
-                <a:lumOff val="0"/>
-                <a:alphaOff val="0"/>
-                <a:shade val="75000"/>
-                <a:satMod val="137000"/>
-              </a:schemeClr>
-            </a:gs>
-          </a:gsLst>
-          <a:path path="rect">
-            <a:fillToRect l="50000" t="50000" r="50000" b="50000"/>
-          </a:path>
-        </a:gradFill>
-        <a:ln>
-          <a:noFill/>
-        </a:ln>
-        <a:effectLst>
-          <a:outerShdw blurRad="39000" dist="25400" dir="5400000" rotWithShape="0">
-            <a:srgbClr val="000000">
-              <a:alpha val="38000"/>
-            </a:srgbClr>
-          </a:outerShdw>
-        </a:effectLst>
-      </dsp:spPr>
-      <dsp:style>
-        <a:lnRef idx="0">
-          <a:scrgbClr r="0" g="0" b="0"/>
-        </a:lnRef>
-        <a:fillRef idx="3">
-          <a:scrgbClr r="0" g="0" b="0"/>
-        </a:fillRef>
-        <a:effectRef idx="2">
-          <a:scrgbClr r="0" g="0" b="0"/>
-        </a:effectRef>
-        <a:fontRef idx="minor">
-          <a:schemeClr val="lt1"/>
-        </a:fontRef>
-      </dsp:style>
-      <dsp:txBody>
-        <a:bodyPr spcFirstLastPara="0" vert="horz" wrap="square" lIns="0" tIns="0" rIns="0" bIns="0" numCol="1" spcCol="1270" anchor="ctr" anchorCtr="0">
-          <a:noAutofit/>
-        </a:bodyPr>
-        <a:lstStyle/>
-        <a:p>
-          <a:pPr marL="0" lvl="0" indent="0" algn="ctr" defTabSz="933450">
-            <a:lnSpc>
-              <a:spcPct val="90000"/>
-            </a:lnSpc>
-            <a:spcBef>
-              <a:spcPct val="0"/>
-            </a:spcBef>
-            <a:spcAft>
-              <a:spcPct val="35000"/>
-            </a:spcAft>
-            <a:buNone/>
-          </a:pPr>
-          <a:r>
-            <a:rPr lang="en-US" sz="2100" kern="1200"/>
-            <a:t>Step 1 Title</a:t>
-          </a:r>
-          <a:endParaRPr lang="en-US" sz="2100" kern="1200" dirty="0"/>
-        </a:p>
-      </dsp:txBody>
-      <dsp:txXfrm>
-        <a:off x="154488" y="195547"/>
-        <a:ext cx="719462" cy="719462"/>
-      </dsp:txXfrm>
-    </dsp:sp>
-    <dsp:sp modelId="{F660F4B9-35DB-4256-A868-A35C6DCCF6B2}">
-      <dsp:nvSpPr>
-        <dsp:cNvPr id="0" name=""/>
-        <dsp:cNvSpPr/>
-      </dsp:nvSpPr>
-      <dsp:spPr>
-        <a:xfrm>
-          <a:off x="3363143" y="453531"/>
-          <a:ext cx="1526209" cy="1017981"/>
-        </a:xfrm>
-        <a:prstGeom prst="rect">
-          <a:avLst/>
-        </a:prstGeom>
-        <a:solidFill>
-          <a:schemeClr val="accent1">
-            <a:alpha val="90000"/>
-            <a:tint val="40000"/>
-            <a:hueOff val="0"/>
-            <a:satOff val="0"/>
-            <a:lumOff val="0"/>
-            <a:alphaOff val="0"/>
-          </a:schemeClr>
-        </a:solidFill>
-        <a:ln w="6350" cap="rnd" cmpd="sng" algn="ctr">
-          <a:solidFill>
-            <a:schemeClr val="accent1">
-              <a:alpha val="90000"/>
-              <a:tint val="40000"/>
-              <a:hueOff val="0"/>
-              <a:satOff val="0"/>
-              <a:lumOff val="0"/>
-              <a:alphaOff val="0"/>
-            </a:schemeClr>
-          </a:solidFill>
-          <a:prstDash val="solid"/>
-        </a:ln>
-        <a:effectLst/>
-      </dsp:spPr>
-      <dsp:style>
-        <a:lnRef idx="1">
-          <a:scrgbClr r="0" g="0" b="0"/>
-        </a:lnRef>
-        <a:fillRef idx="1">
-          <a:scrgbClr r="0" g="0" b="0"/>
-        </a:fillRef>
-        <a:effectRef idx="0">
-          <a:scrgbClr r="0" g="0" b="0"/>
-        </a:effectRef>
-        <a:fontRef idx="minor"/>
-      </dsp:style>
-      <dsp:txBody>
-        <a:bodyPr spcFirstLastPara="0" vert="horz" wrap="square" lIns="0" tIns="128016" rIns="128016" bIns="128016" numCol="1" spcCol="1270" anchor="ctr" anchorCtr="0">
-          <a:noAutofit/>
-        </a:bodyPr>
-        <a:lstStyle/>
-        <a:p>
-          <a:pPr marL="0" lvl="0" indent="0" algn="l" defTabSz="800100">
-            <a:lnSpc>
-              <a:spcPct val="90000"/>
-            </a:lnSpc>
-            <a:spcBef>
-              <a:spcPct val="0"/>
-            </a:spcBef>
-            <a:spcAft>
-              <a:spcPct val="35000"/>
-            </a:spcAft>
-            <a:buNone/>
-          </a:pPr>
-          <a:r>
-            <a:rPr lang="en-US" sz="1800" kern="1200" dirty="0"/>
-            <a:t>Task description</a:t>
-          </a:r>
-        </a:p>
-      </dsp:txBody>
-      <dsp:txXfrm>
-        <a:off x="3607337" y="453531"/>
-        <a:ext cx="1282015" cy="1017981"/>
-      </dsp:txXfrm>
-    </dsp:sp>
-    <dsp:sp modelId="{614EBA0E-D12B-447E-B378-B0FA2DEBEA2F}">
-      <dsp:nvSpPr>
-        <dsp:cNvPr id="0" name=""/>
-        <dsp:cNvSpPr/>
-      </dsp:nvSpPr>
-      <dsp:spPr>
-        <a:xfrm>
-          <a:off x="3363143" y="1471513"/>
-          <a:ext cx="1526209" cy="1017981"/>
-        </a:xfrm>
-        <a:prstGeom prst="rect">
-          <a:avLst/>
-        </a:prstGeom>
-        <a:solidFill>
-          <a:schemeClr val="accent1">
-            <a:alpha val="90000"/>
-            <a:tint val="40000"/>
-            <a:hueOff val="0"/>
-            <a:satOff val="0"/>
-            <a:lumOff val="0"/>
-            <a:alphaOff val="0"/>
-          </a:schemeClr>
-        </a:solidFill>
-        <a:ln w="6350" cap="rnd" cmpd="sng" algn="ctr">
-          <a:solidFill>
-            <a:schemeClr val="accent1">
-              <a:alpha val="90000"/>
-              <a:tint val="40000"/>
-              <a:hueOff val="0"/>
-              <a:satOff val="0"/>
-              <a:lumOff val="0"/>
-              <a:alphaOff val="0"/>
-            </a:schemeClr>
-          </a:solidFill>
-          <a:prstDash val="solid"/>
-        </a:ln>
-        <a:effectLst/>
-      </dsp:spPr>
-      <dsp:style>
-        <a:lnRef idx="1">
-          <a:scrgbClr r="0" g="0" b="0"/>
-        </a:lnRef>
-        <a:fillRef idx="1">
-          <a:scrgbClr r="0" g="0" b="0"/>
-        </a:fillRef>
-        <a:effectRef idx="0">
-          <a:scrgbClr r="0" g="0" b="0"/>
-        </a:effectRef>
-        <a:fontRef idx="minor"/>
-      </dsp:style>
-      <dsp:txBody>
-        <a:bodyPr spcFirstLastPara="0" vert="horz" wrap="square" lIns="0" tIns="128016" rIns="128016" bIns="128016" numCol="1" spcCol="1270" anchor="ctr" anchorCtr="0">
-          <a:noAutofit/>
-        </a:bodyPr>
-        <a:lstStyle/>
-        <a:p>
-          <a:pPr marL="0" lvl="0" indent="0" algn="l" defTabSz="800100">
-            <a:lnSpc>
-              <a:spcPct val="90000"/>
-            </a:lnSpc>
-            <a:spcBef>
-              <a:spcPct val="0"/>
-            </a:spcBef>
-            <a:spcAft>
-              <a:spcPct val="35000"/>
-            </a:spcAft>
-            <a:buNone/>
-          </a:pPr>
-          <a:r>
-            <a:rPr lang="en-US" sz="1800" kern="1200" dirty="0"/>
-            <a:t>Task description</a:t>
-          </a:r>
-        </a:p>
-      </dsp:txBody>
-      <dsp:txXfrm>
-        <a:off x="3607337" y="1471513"/>
-        <a:ext cx="1282015" cy="1017981"/>
-      </dsp:txXfrm>
-    </dsp:sp>
-    <dsp:sp modelId="{68509703-D239-4E1B-8CF0-EF08079E1226}">
-      <dsp:nvSpPr>
-        <dsp:cNvPr id="0" name=""/>
-        <dsp:cNvSpPr/>
-      </dsp:nvSpPr>
-      <dsp:spPr>
-        <a:xfrm>
-          <a:off x="3363143" y="2489494"/>
-          <a:ext cx="1526209" cy="1017981"/>
-        </a:xfrm>
-        <a:prstGeom prst="rect">
-          <a:avLst/>
-        </a:prstGeom>
-        <a:solidFill>
-          <a:schemeClr val="accent1">
-            <a:alpha val="90000"/>
-            <a:tint val="40000"/>
-            <a:hueOff val="0"/>
-            <a:satOff val="0"/>
-            <a:lumOff val="0"/>
-            <a:alphaOff val="0"/>
-          </a:schemeClr>
-        </a:solidFill>
-        <a:ln w="6350" cap="rnd" cmpd="sng" algn="ctr">
-          <a:solidFill>
-            <a:schemeClr val="accent1">
-              <a:alpha val="90000"/>
-              <a:tint val="40000"/>
-              <a:hueOff val="0"/>
-              <a:satOff val="0"/>
-              <a:lumOff val="0"/>
-              <a:alphaOff val="0"/>
-            </a:schemeClr>
-          </a:solidFill>
-          <a:prstDash val="solid"/>
-        </a:ln>
-        <a:effectLst/>
-      </dsp:spPr>
-      <dsp:style>
-        <a:lnRef idx="1">
-          <a:scrgbClr r="0" g="0" b="0"/>
-        </a:lnRef>
-        <a:fillRef idx="1">
-          <a:scrgbClr r="0" g="0" b="0"/>
-        </a:fillRef>
-        <a:effectRef idx="0">
-          <a:scrgbClr r="0" g="0" b="0"/>
-        </a:effectRef>
-        <a:fontRef idx="minor"/>
-      </dsp:style>
-      <dsp:txBody>
-        <a:bodyPr spcFirstLastPara="0" vert="horz" wrap="square" lIns="0" tIns="128016" rIns="128016" bIns="128016" numCol="1" spcCol="1270" anchor="ctr" anchorCtr="0">
-          <a:noAutofit/>
-        </a:bodyPr>
-        <a:lstStyle/>
-        <a:p>
-          <a:pPr marL="0" lvl="0" indent="0" algn="l" defTabSz="800100">
-            <a:lnSpc>
-              <a:spcPct val="90000"/>
-            </a:lnSpc>
-            <a:spcBef>
-              <a:spcPct val="0"/>
-            </a:spcBef>
-            <a:spcAft>
-              <a:spcPct val="35000"/>
-            </a:spcAft>
-            <a:buNone/>
-          </a:pPr>
-          <a:r>
-            <a:rPr lang="en-US" sz="1800" kern="1200" dirty="0"/>
-            <a:t>Task description</a:t>
-          </a:r>
-        </a:p>
-      </dsp:txBody>
-      <dsp:txXfrm>
-        <a:off x="3607337" y="2489494"/>
-        <a:ext cx="1282015" cy="1017981"/>
-      </dsp:txXfrm>
-    </dsp:sp>
-    <dsp:sp modelId="{FD776C1E-557E-4553-9447-49B69EEC7907}">
-      <dsp:nvSpPr>
-        <dsp:cNvPr id="0" name=""/>
-        <dsp:cNvSpPr/>
-      </dsp:nvSpPr>
-      <dsp:spPr>
-        <a:xfrm>
-          <a:off x="2549165" y="46542"/>
-          <a:ext cx="1017472" cy="1017472"/>
-        </a:xfrm>
-        <a:prstGeom prst="ellipse">
-          <a:avLst/>
-        </a:prstGeom>
-        <a:gradFill rotWithShape="0">
-          <a:gsLst>
-            <a:gs pos="0">
-              <a:schemeClr val="accent1">
-                <a:hueOff val="0"/>
-                <a:satOff val="0"/>
-                <a:lumOff val="0"/>
-                <a:alphaOff val="0"/>
-                <a:shade val="100000"/>
-                <a:satMod val="137000"/>
-              </a:schemeClr>
-            </a:gs>
-            <a:gs pos="71000">
-              <a:schemeClr val="accent1">
-                <a:hueOff val="0"/>
-                <a:satOff val="0"/>
-                <a:lumOff val="0"/>
-                <a:alphaOff val="0"/>
-                <a:shade val="98000"/>
-                <a:satMod val="137000"/>
-              </a:schemeClr>
-            </a:gs>
-            <a:gs pos="100000">
-              <a:schemeClr val="accent1">
-                <a:hueOff val="0"/>
-                <a:satOff val="0"/>
-                <a:lumOff val="0"/>
-                <a:alphaOff val="0"/>
-                <a:shade val="75000"/>
-                <a:satMod val="137000"/>
-              </a:schemeClr>
-            </a:gs>
-          </a:gsLst>
-          <a:path path="rect">
-            <a:fillToRect l="50000" t="50000" r="50000" b="50000"/>
-          </a:path>
-        </a:gradFill>
-        <a:ln>
-          <a:noFill/>
-        </a:ln>
-        <a:effectLst>
-          <a:outerShdw blurRad="39000" dist="25400" dir="5400000" rotWithShape="0">
-            <a:srgbClr val="000000">
-              <a:alpha val="38000"/>
-            </a:srgbClr>
-          </a:outerShdw>
-        </a:effectLst>
-      </dsp:spPr>
-      <dsp:style>
-        <a:lnRef idx="0">
-          <a:scrgbClr r="0" g="0" b="0"/>
-        </a:lnRef>
-        <a:fillRef idx="3">
-          <a:scrgbClr r="0" g="0" b="0"/>
-        </a:fillRef>
-        <a:effectRef idx="2">
-          <a:scrgbClr r="0" g="0" b="0"/>
-        </a:effectRef>
-        <a:fontRef idx="minor">
-          <a:schemeClr val="lt1"/>
-        </a:fontRef>
-      </dsp:style>
-      <dsp:txBody>
-        <a:bodyPr spcFirstLastPara="0" vert="horz" wrap="square" lIns="0" tIns="0" rIns="0" bIns="0" numCol="1" spcCol="1270" anchor="ctr" anchorCtr="0">
-          <a:noAutofit/>
-        </a:bodyPr>
-        <a:lstStyle/>
-        <a:p>
-          <a:pPr marL="0" lvl="0" indent="0" algn="ctr" defTabSz="933450">
-            <a:lnSpc>
-              <a:spcPct val="90000"/>
-            </a:lnSpc>
-            <a:spcBef>
-              <a:spcPct val="0"/>
-            </a:spcBef>
-            <a:spcAft>
-              <a:spcPct val="35000"/>
-            </a:spcAft>
-            <a:buNone/>
-          </a:pPr>
-          <a:r>
-            <a:rPr lang="en-US" sz="2100" kern="1200" dirty="0"/>
-            <a:t>Step 2 Title</a:t>
-          </a:r>
-        </a:p>
-      </dsp:txBody>
-      <dsp:txXfrm>
-        <a:off x="2698170" y="195547"/>
-        <a:ext cx="719462" cy="719462"/>
-      </dsp:txXfrm>
-    </dsp:sp>
-    <dsp:sp modelId="{AD2806AC-6A03-4F05-9F4D-F72EA0E56FBF}">
-      <dsp:nvSpPr>
-        <dsp:cNvPr id="0" name=""/>
-        <dsp:cNvSpPr/>
-      </dsp:nvSpPr>
-      <dsp:spPr>
-        <a:xfrm>
-          <a:off x="5906825" y="453531"/>
-          <a:ext cx="1526209" cy="1017981"/>
-        </a:xfrm>
-        <a:prstGeom prst="rect">
-          <a:avLst/>
-        </a:prstGeom>
-        <a:solidFill>
-          <a:schemeClr val="accent1">
-            <a:alpha val="90000"/>
-            <a:tint val="40000"/>
-            <a:hueOff val="0"/>
-            <a:satOff val="0"/>
-            <a:lumOff val="0"/>
-            <a:alphaOff val="0"/>
-          </a:schemeClr>
-        </a:solidFill>
-        <a:ln w="6350" cap="rnd" cmpd="sng" algn="ctr">
-          <a:solidFill>
-            <a:schemeClr val="accent1">
-              <a:alpha val="90000"/>
-              <a:tint val="40000"/>
-              <a:hueOff val="0"/>
-              <a:satOff val="0"/>
-              <a:lumOff val="0"/>
-              <a:alphaOff val="0"/>
-            </a:schemeClr>
-          </a:solidFill>
-          <a:prstDash val="solid"/>
-        </a:ln>
-        <a:effectLst/>
-      </dsp:spPr>
-      <dsp:style>
-        <a:lnRef idx="1">
-          <a:scrgbClr r="0" g="0" b="0"/>
-        </a:lnRef>
-        <a:fillRef idx="1">
-          <a:scrgbClr r="0" g="0" b="0"/>
-        </a:fillRef>
-        <a:effectRef idx="0">
-          <a:scrgbClr r="0" g="0" b="0"/>
-        </a:effectRef>
-        <a:fontRef idx="minor"/>
-      </dsp:style>
-      <dsp:txBody>
-        <a:bodyPr spcFirstLastPara="0" vert="horz" wrap="square" lIns="0" tIns="128016" rIns="128016" bIns="128016" numCol="1" spcCol="1270" anchor="ctr" anchorCtr="0">
-          <a:noAutofit/>
-        </a:bodyPr>
-        <a:lstStyle/>
-        <a:p>
-          <a:pPr marL="0" lvl="0" indent="0" algn="l" defTabSz="800100">
-            <a:lnSpc>
-              <a:spcPct val="90000"/>
-            </a:lnSpc>
-            <a:spcBef>
-              <a:spcPct val="0"/>
-            </a:spcBef>
-            <a:spcAft>
-              <a:spcPct val="35000"/>
-            </a:spcAft>
-            <a:buNone/>
-          </a:pPr>
-          <a:r>
-            <a:rPr lang="en-US" sz="1800" kern="1200" dirty="0"/>
-            <a:t>Task description</a:t>
-          </a:r>
-        </a:p>
-      </dsp:txBody>
-      <dsp:txXfrm>
-        <a:off x="6151018" y="453531"/>
-        <a:ext cx="1282015" cy="1017981"/>
-      </dsp:txXfrm>
-    </dsp:sp>
-    <dsp:sp modelId="{5314AADB-0AD3-4BAE-9F15-B0FE4F44C802}">
-      <dsp:nvSpPr>
-        <dsp:cNvPr id="0" name=""/>
-        <dsp:cNvSpPr/>
-      </dsp:nvSpPr>
-      <dsp:spPr>
-        <a:xfrm>
-          <a:off x="5906825" y="1471513"/>
-          <a:ext cx="1526209" cy="1017981"/>
-        </a:xfrm>
-        <a:prstGeom prst="rect">
-          <a:avLst/>
-        </a:prstGeom>
-        <a:solidFill>
-          <a:schemeClr val="accent1">
-            <a:alpha val="90000"/>
-            <a:tint val="40000"/>
-            <a:hueOff val="0"/>
-            <a:satOff val="0"/>
-            <a:lumOff val="0"/>
-            <a:alphaOff val="0"/>
-          </a:schemeClr>
-        </a:solidFill>
-        <a:ln w="6350" cap="rnd" cmpd="sng" algn="ctr">
-          <a:solidFill>
-            <a:schemeClr val="accent1">
-              <a:alpha val="90000"/>
-              <a:tint val="40000"/>
-              <a:hueOff val="0"/>
-              <a:satOff val="0"/>
-              <a:lumOff val="0"/>
-              <a:alphaOff val="0"/>
-            </a:schemeClr>
-          </a:solidFill>
-          <a:prstDash val="solid"/>
-        </a:ln>
-        <a:effectLst/>
-      </dsp:spPr>
-      <dsp:style>
-        <a:lnRef idx="1">
-          <a:scrgbClr r="0" g="0" b="0"/>
-        </a:lnRef>
-        <a:fillRef idx="1">
-          <a:scrgbClr r="0" g="0" b="0"/>
-        </a:fillRef>
-        <a:effectRef idx="0">
-          <a:scrgbClr r="0" g="0" b="0"/>
-        </a:effectRef>
-        <a:fontRef idx="minor"/>
-      </dsp:style>
-      <dsp:txBody>
-        <a:bodyPr spcFirstLastPara="0" vert="horz" wrap="square" lIns="0" tIns="128016" rIns="128016" bIns="128016" numCol="1" spcCol="1270" anchor="ctr" anchorCtr="0">
-          <a:noAutofit/>
-        </a:bodyPr>
-        <a:lstStyle/>
-        <a:p>
-          <a:pPr marL="0" lvl="0" indent="0" algn="l" defTabSz="800100">
-            <a:lnSpc>
-              <a:spcPct val="90000"/>
-            </a:lnSpc>
-            <a:spcBef>
-              <a:spcPct val="0"/>
-            </a:spcBef>
-            <a:spcAft>
-              <a:spcPct val="35000"/>
-            </a:spcAft>
-            <a:buNone/>
-          </a:pPr>
-          <a:r>
-            <a:rPr lang="en-US" sz="1800" kern="1200" dirty="0"/>
-            <a:t>Task description</a:t>
-          </a:r>
-        </a:p>
-      </dsp:txBody>
-      <dsp:txXfrm>
-        <a:off x="6151018" y="1471513"/>
-        <a:ext cx="1282015" cy="1017981"/>
-      </dsp:txXfrm>
-    </dsp:sp>
-    <dsp:sp modelId="{89E6DA6E-7A23-44BD-8A99-378091FF741D}">
-      <dsp:nvSpPr>
-        <dsp:cNvPr id="0" name=""/>
-        <dsp:cNvSpPr/>
-      </dsp:nvSpPr>
-      <dsp:spPr>
-        <a:xfrm>
-          <a:off x="5092847" y="46542"/>
-          <a:ext cx="1017472" cy="1017472"/>
-        </a:xfrm>
-        <a:prstGeom prst="ellipse">
-          <a:avLst/>
-        </a:prstGeom>
-        <a:gradFill rotWithShape="0">
-          <a:gsLst>
-            <a:gs pos="0">
-              <a:schemeClr val="accent1">
-                <a:hueOff val="0"/>
-                <a:satOff val="0"/>
-                <a:lumOff val="0"/>
-                <a:alphaOff val="0"/>
-                <a:shade val="100000"/>
-                <a:satMod val="137000"/>
-              </a:schemeClr>
-            </a:gs>
-            <a:gs pos="71000">
-              <a:schemeClr val="accent1">
-                <a:hueOff val="0"/>
-                <a:satOff val="0"/>
-                <a:lumOff val="0"/>
-                <a:alphaOff val="0"/>
-                <a:shade val="98000"/>
-                <a:satMod val="137000"/>
-              </a:schemeClr>
-            </a:gs>
-            <a:gs pos="100000">
-              <a:schemeClr val="accent1">
-                <a:hueOff val="0"/>
-                <a:satOff val="0"/>
-                <a:lumOff val="0"/>
-                <a:alphaOff val="0"/>
-                <a:shade val="75000"/>
-                <a:satMod val="137000"/>
-              </a:schemeClr>
-            </a:gs>
-          </a:gsLst>
-          <a:path path="rect">
-            <a:fillToRect l="50000" t="50000" r="50000" b="50000"/>
-          </a:path>
-        </a:gradFill>
-        <a:ln>
-          <a:noFill/>
-        </a:ln>
-        <a:effectLst>
-          <a:outerShdw blurRad="39000" dist="25400" dir="5400000" rotWithShape="0">
-            <a:srgbClr val="000000">
-              <a:alpha val="38000"/>
-            </a:srgbClr>
-          </a:outerShdw>
-        </a:effectLst>
-      </dsp:spPr>
-      <dsp:style>
-        <a:lnRef idx="0">
-          <a:scrgbClr r="0" g="0" b="0"/>
-        </a:lnRef>
-        <a:fillRef idx="3">
-          <a:scrgbClr r="0" g="0" b="0"/>
-        </a:fillRef>
-        <a:effectRef idx="2">
-          <a:scrgbClr r="0" g="0" b="0"/>
-        </a:effectRef>
-        <a:fontRef idx="minor">
-          <a:schemeClr val="lt1"/>
-        </a:fontRef>
-      </dsp:style>
-      <dsp:txBody>
-        <a:bodyPr spcFirstLastPara="0" vert="horz" wrap="square" lIns="0" tIns="0" rIns="0" bIns="0" numCol="1" spcCol="1270" anchor="ctr" anchorCtr="0">
-          <a:noAutofit/>
-        </a:bodyPr>
-        <a:lstStyle/>
-        <a:p>
-          <a:pPr marL="0" lvl="0" indent="0" algn="ctr" defTabSz="933450">
-            <a:lnSpc>
-              <a:spcPct val="90000"/>
-            </a:lnSpc>
-            <a:spcBef>
-              <a:spcPct val="0"/>
-            </a:spcBef>
-            <a:spcAft>
-              <a:spcPct val="35000"/>
-            </a:spcAft>
-            <a:buNone/>
-          </a:pPr>
-          <a:r>
-            <a:rPr lang="en-US" sz="2100" kern="1200" dirty="0"/>
-            <a:t>Step 3 Title</a:t>
-          </a:r>
-        </a:p>
-      </dsp:txBody>
-      <dsp:txXfrm>
-        <a:off x="5241852" y="195547"/>
-        <a:ext cx="719462" cy="719462"/>
-      </dsp:txXfrm>
-    </dsp:sp>
-    <dsp:sp modelId="{402C2C77-A32C-4D99-9940-12535E1181F2}">
-      <dsp:nvSpPr>
-        <dsp:cNvPr id="0" name=""/>
-        <dsp:cNvSpPr/>
-      </dsp:nvSpPr>
-      <dsp:spPr>
-        <a:xfrm>
-          <a:off x="8450507" y="453531"/>
-          <a:ext cx="1526209" cy="1017981"/>
-        </a:xfrm>
-        <a:prstGeom prst="rect">
-          <a:avLst/>
-        </a:prstGeom>
-        <a:solidFill>
-          <a:schemeClr val="accent1">
-            <a:alpha val="90000"/>
-            <a:tint val="40000"/>
-            <a:hueOff val="0"/>
-            <a:satOff val="0"/>
-            <a:lumOff val="0"/>
-            <a:alphaOff val="0"/>
-          </a:schemeClr>
-        </a:solidFill>
-        <a:ln w="6350" cap="rnd" cmpd="sng" algn="ctr">
-          <a:solidFill>
-            <a:schemeClr val="accent1">
-              <a:alpha val="90000"/>
-              <a:tint val="40000"/>
-              <a:hueOff val="0"/>
-              <a:satOff val="0"/>
-              <a:lumOff val="0"/>
-              <a:alphaOff val="0"/>
-            </a:schemeClr>
-          </a:solidFill>
-          <a:prstDash val="solid"/>
-        </a:ln>
-        <a:effectLst/>
-      </dsp:spPr>
-      <dsp:style>
-        <a:lnRef idx="1">
-          <a:scrgbClr r="0" g="0" b="0"/>
-        </a:lnRef>
-        <a:fillRef idx="1">
-          <a:scrgbClr r="0" g="0" b="0"/>
-        </a:fillRef>
-        <a:effectRef idx="0">
-          <a:scrgbClr r="0" g="0" b="0"/>
-        </a:effectRef>
-        <a:fontRef idx="minor"/>
-      </dsp:style>
-      <dsp:txBody>
-        <a:bodyPr spcFirstLastPara="0" vert="horz" wrap="square" lIns="0" tIns="128016" rIns="128016" bIns="128016" numCol="1" spcCol="1270" anchor="ctr" anchorCtr="0">
-          <a:noAutofit/>
-        </a:bodyPr>
-        <a:lstStyle/>
-        <a:p>
-          <a:pPr marL="0" lvl="0" indent="0" algn="l" defTabSz="800100">
-            <a:lnSpc>
-              <a:spcPct val="90000"/>
-            </a:lnSpc>
-            <a:spcBef>
-              <a:spcPct val="0"/>
-            </a:spcBef>
-            <a:spcAft>
-              <a:spcPct val="35000"/>
-            </a:spcAft>
-            <a:buNone/>
-          </a:pPr>
-          <a:r>
-            <a:rPr lang="en-US" sz="1800" kern="1200" dirty="0"/>
-            <a:t>Task description</a:t>
-          </a:r>
-        </a:p>
-      </dsp:txBody>
-      <dsp:txXfrm>
-        <a:off x="8694700" y="453531"/>
-        <a:ext cx="1282015" cy="1017981"/>
-      </dsp:txXfrm>
-    </dsp:sp>
-    <dsp:sp modelId="{3086D0BF-AAD1-4310-88ED-4D81A687BD50}">
-      <dsp:nvSpPr>
-        <dsp:cNvPr id="0" name=""/>
-        <dsp:cNvSpPr/>
-      </dsp:nvSpPr>
-      <dsp:spPr>
-        <a:xfrm>
-          <a:off x="8450507" y="1471513"/>
-          <a:ext cx="1526209" cy="1017981"/>
-        </a:xfrm>
-        <a:prstGeom prst="rect">
-          <a:avLst/>
-        </a:prstGeom>
-        <a:solidFill>
-          <a:schemeClr val="accent1">
-            <a:alpha val="90000"/>
-            <a:tint val="40000"/>
-            <a:hueOff val="0"/>
-            <a:satOff val="0"/>
-            <a:lumOff val="0"/>
-            <a:alphaOff val="0"/>
-          </a:schemeClr>
-        </a:solidFill>
-        <a:ln w="6350" cap="rnd" cmpd="sng" algn="ctr">
-          <a:solidFill>
-            <a:schemeClr val="accent1">
-              <a:alpha val="90000"/>
-              <a:tint val="40000"/>
-              <a:hueOff val="0"/>
-              <a:satOff val="0"/>
-              <a:lumOff val="0"/>
-              <a:alphaOff val="0"/>
-            </a:schemeClr>
-          </a:solidFill>
-          <a:prstDash val="solid"/>
-        </a:ln>
-        <a:effectLst/>
-      </dsp:spPr>
-      <dsp:style>
-        <a:lnRef idx="1">
-          <a:scrgbClr r="0" g="0" b="0"/>
-        </a:lnRef>
-        <a:fillRef idx="1">
-          <a:scrgbClr r="0" g="0" b="0"/>
-        </a:fillRef>
-        <a:effectRef idx="0">
-          <a:scrgbClr r="0" g="0" b="0"/>
-        </a:effectRef>
-        <a:fontRef idx="minor"/>
-      </dsp:style>
-      <dsp:txBody>
-        <a:bodyPr spcFirstLastPara="0" vert="horz" wrap="square" lIns="0" tIns="128016" rIns="128016" bIns="128016" numCol="1" spcCol="1270" anchor="ctr" anchorCtr="0">
-          <a:noAutofit/>
-        </a:bodyPr>
-        <a:lstStyle/>
-        <a:p>
-          <a:pPr marL="0" lvl="0" indent="0" algn="l" defTabSz="800100">
-            <a:lnSpc>
-              <a:spcPct val="90000"/>
-            </a:lnSpc>
-            <a:spcBef>
-              <a:spcPct val="0"/>
-            </a:spcBef>
-            <a:spcAft>
-              <a:spcPct val="35000"/>
-            </a:spcAft>
-            <a:buNone/>
-          </a:pPr>
-          <a:r>
-            <a:rPr lang="en-US" sz="1800" kern="1200" dirty="0"/>
-            <a:t>Task description</a:t>
-          </a:r>
-        </a:p>
-      </dsp:txBody>
-      <dsp:txXfrm>
-        <a:off x="8694700" y="1471513"/>
-        <a:ext cx="1282015" cy="1017981"/>
-      </dsp:txXfrm>
-    </dsp:sp>
-    <dsp:sp modelId="{7453D9C8-CD6E-4AA4-8A19-7F6F667528F0}">
-      <dsp:nvSpPr>
-        <dsp:cNvPr id="0" name=""/>
-        <dsp:cNvSpPr/>
-      </dsp:nvSpPr>
-      <dsp:spPr>
-        <a:xfrm>
-          <a:off x="7636529" y="46542"/>
-          <a:ext cx="1017472" cy="1017472"/>
-        </a:xfrm>
-        <a:prstGeom prst="ellipse">
-          <a:avLst/>
-        </a:prstGeom>
-        <a:gradFill rotWithShape="0">
-          <a:gsLst>
-            <a:gs pos="0">
-              <a:schemeClr val="accent1">
-                <a:hueOff val="0"/>
-                <a:satOff val="0"/>
-                <a:lumOff val="0"/>
-                <a:alphaOff val="0"/>
-                <a:shade val="100000"/>
-                <a:satMod val="137000"/>
-              </a:schemeClr>
-            </a:gs>
-            <a:gs pos="71000">
-              <a:schemeClr val="accent1">
-                <a:hueOff val="0"/>
-                <a:satOff val="0"/>
-                <a:lumOff val="0"/>
-                <a:alphaOff val="0"/>
-                <a:shade val="98000"/>
-                <a:satMod val="137000"/>
-              </a:schemeClr>
-            </a:gs>
-            <a:gs pos="100000">
-              <a:schemeClr val="accent1">
-                <a:hueOff val="0"/>
-                <a:satOff val="0"/>
-                <a:lumOff val="0"/>
-                <a:alphaOff val="0"/>
-                <a:shade val="75000"/>
-                <a:satMod val="137000"/>
-              </a:schemeClr>
-            </a:gs>
-          </a:gsLst>
-          <a:path path="rect">
-            <a:fillToRect l="50000" t="50000" r="50000" b="50000"/>
-          </a:path>
-        </a:gradFill>
-        <a:ln>
-          <a:noFill/>
-        </a:ln>
-        <a:effectLst>
-          <a:outerShdw blurRad="39000" dist="25400" dir="5400000" rotWithShape="0">
-            <a:srgbClr val="000000">
-              <a:alpha val="38000"/>
-            </a:srgbClr>
-          </a:outerShdw>
-        </a:effectLst>
-      </dsp:spPr>
-      <dsp:style>
-        <a:lnRef idx="0">
-          <a:scrgbClr r="0" g="0" b="0"/>
-        </a:lnRef>
-        <a:fillRef idx="3">
-          <a:scrgbClr r="0" g="0" b="0"/>
-        </a:fillRef>
-        <a:effectRef idx="2">
-          <a:scrgbClr r="0" g="0" b="0"/>
-        </a:effectRef>
-        <a:fontRef idx="minor">
-          <a:schemeClr val="lt1"/>
-        </a:fontRef>
-      </dsp:style>
-      <dsp:txBody>
-        <a:bodyPr spcFirstLastPara="0" vert="horz" wrap="square" lIns="0" tIns="0" rIns="0" bIns="0" numCol="1" spcCol="1270" anchor="ctr" anchorCtr="0">
-          <a:noAutofit/>
-        </a:bodyPr>
-        <a:lstStyle/>
-        <a:p>
-          <a:pPr marL="0" lvl="0" indent="0" algn="ctr" defTabSz="933450">
-            <a:lnSpc>
-              <a:spcPct val="90000"/>
-            </a:lnSpc>
-            <a:spcBef>
-              <a:spcPct val="0"/>
-            </a:spcBef>
-            <a:spcAft>
-              <a:spcPct val="35000"/>
-            </a:spcAft>
-            <a:buNone/>
-          </a:pPr>
-          <a:r>
-            <a:rPr lang="en-US" sz="2100" kern="1200" dirty="0"/>
-            <a:t>Step 4 Title</a:t>
-          </a:r>
-        </a:p>
-      </dsp:txBody>
-      <dsp:txXfrm>
-        <a:off x="7785534" y="195547"/>
-        <a:ext cx="719462" cy="719462"/>
-      </dsp:txXfrm>
-    </dsp:sp>
-  </dsp:spTree>
-</dsp:drawing>
-</file>
-
-<file path=ppt/diagrams/layout1.xml><?xml version="1.0" encoding="utf-8"?>
-<dgm:layoutDef xmlns:dgm="http://schemas.openxmlformats.org/drawingml/2006/diagram" xmlns:a="http://schemas.openxmlformats.org/drawingml/2006/main" uniqueId="urn:microsoft.com/office/officeart/2005/8/layout/hList9">
-  <dgm:title val=""/>
-  <dgm:desc val=""/>
-  <dgm:catLst>
-    <dgm:cat type="list" pri="8000"/>
-  </dgm:catLst>
-  <dgm:sampData>
-    <dgm:dataModel>
-      <dgm:ptLst>
-        <dgm:pt modelId="0" type="doc"/>
-        <dgm:pt modelId="1">
-          <dgm:prSet phldr="1"/>
-        </dgm:pt>
-        <dgm:pt modelId="11">
-          <dgm:prSet phldr="1"/>
-        </dgm:pt>
-        <dgm:pt modelId="12">
-          <dgm:prSet phldr="1"/>
-        </dgm:pt>
-        <dgm:pt modelId="2">
-          <dgm:prSet phldr="1"/>
-        </dgm:pt>
-        <dgm:pt modelId="21">
-          <dgm:prSet phldr="1"/>
-        </dgm:pt>
-        <dgm:pt modelId="22">
-          <dgm:prSet phldr="1"/>
-        </dgm:pt>
-      </dgm:ptLst>
-      <dgm:cxnLst>
-        <dgm:cxn modelId="3" srcId="0" destId="1" srcOrd="0" destOrd="0"/>
-        <dgm:cxn modelId="4" srcId="0" destId="2" srcOrd="1" destOrd="0"/>
-        <dgm:cxn modelId="13" srcId="1" destId="11" srcOrd="0" destOrd="0"/>
-        <dgm:cxn modelId="14" srcId="1" destId="12" srcOrd="0" destOrd="0"/>
-        <dgm:cxn modelId="23" srcId="2" destId="21" srcOrd="0" destOrd="0"/>
-        <dgm:cxn modelId="24" srcId="2" destId="22" srcOrd="0" destOrd="0"/>
-      </dgm:cxnLst>
-      <dgm:bg/>
-      <dgm:whole/>
-    </dgm:dataModel>
-  </dgm:sampData>
-  <dgm:styleData>
-    <dgm:dataModel>
-      <dgm:ptLst>
-        <dgm:pt modelId="0" type="doc"/>
-        <dgm:pt modelId="1"/>
-        <dgm:pt modelId="2"/>
-      </dgm:ptLst>
-      <dgm:cxnLst>
-        <dgm:cxn modelId="3" srcId="0" destId="1" srcOrd="0" destOrd="0"/>
-        <dgm:cxn modelId="4" srcId="1" destId="2" srcOrd="0" destOrd="0"/>
-      </dgm:cxnLst>
-      <dgm:bg/>
-      <dgm:whole/>
-    </dgm:dataModel>
-  </dgm:styleData>
-  <dgm:clrData>
-    <dgm:dataModel>
-      <dgm:ptLst>
-        <dgm:pt modelId="0" type="doc"/>
-        <dgm:pt modelId="1"/>
-        <dgm:pt modelId="11"/>
-        <dgm:pt modelId="12"/>
-        <dgm:pt modelId="13"/>
-        <dgm:pt modelId="14"/>
-        <dgm:pt modelId="2"/>
-        <dgm:pt modelId="21"/>
-        <dgm:pt modelId="22"/>
-        <dgm:pt modelId="23"/>
-        <dgm:pt modelId="24"/>
-        <dgm:pt modelId="3"/>
-        <dgm:pt modelId="31"/>
-        <dgm:pt modelId="32"/>
-        <dgm:pt modelId="33"/>
-        <dgm:pt modelId="34"/>
-      </dgm:ptLst>
-      <dgm:cxnLst>
-        <dgm:cxn modelId="4" srcId="0" destId="1" srcOrd="0" destOrd="0"/>
-        <dgm:cxn modelId="5" srcId="0" destId="2" srcOrd="1" destOrd="0"/>
-        <dgm:cxn modelId="6" srcId="0" destId="3" srcOrd="1" destOrd="0"/>
-        <dgm:cxn modelId="15" srcId="1" destId="11" srcOrd="0" destOrd="0"/>
-        <dgm:cxn modelId="16" srcId="1" destId="12" srcOrd="0" destOrd="0"/>
-        <dgm:cxn modelId="17" srcId="1" destId="13" srcOrd="0" destOrd="0"/>
-        <dgm:cxn modelId="18" srcId="1" destId="14" srcOrd="0" destOrd="0"/>
-        <dgm:cxn modelId="25" srcId="2" destId="21" srcOrd="0" destOrd="0"/>
-        <dgm:cxn modelId="26" srcId="2" destId="22" srcOrd="0" destOrd="0"/>
-        <dgm:cxn modelId="27" srcId="2" destId="23" srcOrd="0" destOrd="0"/>
-        <dgm:cxn modelId="28" srcId="2" destId="24" srcOrd="0" destOrd="0"/>
-        <dgm:cxn modelId="35" srcId="3" destId="31" srcOrd="0" destOrd="0"/>
-        <dgm:cxn modelId="36" srcId="3" destId="32" srcOrd="0" destOrd="0"/>
-        <dgm:cxn modelId="37" srcId="3" destId="33" srcOrd="0" destOrd="0"/>
-        <dgm:cxn modelId="38" srcId="3" destId="34" srcOrd="0" destOrd="0"/>
-      </dgm:cxnLst>
-      <dgm:bg/>
-      <dgm:whole/>
-    </dgm:dataModel>
-  </dgm:clrData>
-  <dgm:layoutNode name="list">
-    <dgm:varLst>
-      <dgm:dir/>
-      <dgm:animLvl val="lvl"/>
-    </dgm:varLst>
-    <dgm:choose name="Name0">
-      <dgm:if name="Name1" func="var" arg="dir" op="equ" val="norm">
-        <dgm:alg type="lin">
-          <dgm:param type="linDir" val="fromL"/>
-          <dgm:param type="fallback" val="2D"/>
-          <dgm:param type="nodeVertAlign" val="t"/>
-        </dgm:alg>
-      </dgm:if>
-      <dgm:else name="Name2">
-        <dgm:alg type="lin">
-          <dgm:param type="linDir" val="fromR"/>
-          <dgm:param type="fallback" val="2D"/>
-          <dgm:param type="nodeVertAlign" val="t"/>
-        </dgm:alg>
-      </dgm:else>
-    </dgm:choose>
-    <dgm:shape xmlns:r="http://schemas.openxmlformats.org/officeDocument/2006/relationships" r:blip="">
-      <dgm:adjLst/>
-    </dgm:shape>
-    <dgm:presOf/>
-    <dgm:constrLst>
-      <dgm:constr type="w" for="ch" forName="circle" refType="w" fact="0.5"/>
-      <dgm:constr type="w" for="ch" forName="vertFlow" refType="w" fact="0.75"/>
-      <dgm:constr type="h" for="des" forName="firstComp" refType="w" refFor="ch" refForName="vertFlow" fact="0.667"/>
-      <dgm:constr type="h" for="des" forName="comp" refType="h" refFor="des" refForName="firstComp" op="equ"/>
-      <dgm:constr type="h" for="des" forName="topSpace" refType="w" refFor="ch" refForName="circle" op="equ" fact="0.4"/>
-      <dgm:constr type="w" for="ch" forName="posSpace" refType="w" fact="0.4"/>
-      <dgm:constr type="w" for="ch" forName="negSpace" refType="w" fact="-1.15"/>
-      <dgm:constr type="w" for="ch" forName="transSpace" refType="w" fact="0.75"/>
-      <dgm:constr type="primFontSz" for="ch" forName="circle" op="equ" val="65"/>
-      <dgm:constr type="primFontSz" for="des" forName="firstChildTx" val="65"/>
-      <dgm:constr type="primFontSz" for="des" forName="childTx" refType="primFontSz" refFor="des" refForName="firstChildTx" op="equ"/>
-    </dgm:constrLst>
-    <dgm:ruleLst/>
-    <dgm:forEach name="Name3" axis="ch" ptType="node">
-      <dgm:layoutNode name="posSpace">
-        <dgm:alg type="sp"/>
-        <dgm:shape xmlns:r="http://schemas.openxmlformats.org/officeDocument/2006/relationships" r:blip="">
-          <dgm:adjLst/>
-        </dgm:shape>
-        <dgm:presOf/>
-        <dgm:constrLst/>
-        <dgm:ruleLst/>
-      </dgm:layoutNode>
-      <dgm:layoutNode name="vertFlow">
-        <dgm:alg type="lin">
-          <dgm:param type="linDir" val="fromT"/>
-        </dgm:alg>
-        <dgm:shape xmlns:r="http://schemas.openxmlformats.org/officeDocument/2006/relationships" r:blip="">
-          <dgm:adjLst/>
-        </dgm:shape>
-        <dgm:presOf/>
-        <dgm:constrLst>
-          <dgm:constr type="w" for="ch" forName="firstComp" refType="w"/>
-          <dgm:constr type="w" for="ch" forName="comp" refType="w"/>
-        </dgm:constrLst>
-        <dgm:ruleLst/>
-        <dgm:layoutNode name="topSpace">
-          <dgm:alg type="sp"/>
-          <dgm:shape xmlns:r="http://schemas.openxmlformats.org/officeDocument/2006/relationships" r:blip="">
-            <dgm:adjLst/>
-          </dgm:shape>
-          <dgm:presOf/>
-          <dgm:constrLst/>
-          <dgm:ruleLst/>
-        </dgm:layoutNode>
-        <dgm:layoutNode name="firstComp">
-          <dgm:alg type="composite"/>
-          <dgm:shape xmlns:r="http://schemas.openxmlformats.org/officeDocument/2006/relationships" r:blip="">
-            <dgm:adjLst/>
-          </dgm:shape>
-          <dgm:presOf/>
-          <dgm:choose name="Name4">
-            <dgm:if name="Name5" func="var" arg="dir" op="equ" val="norm">
-              <dgm:constrLst>
-                <dgm:constr type="l" for="ch" forName="firstChild"/>
-                <dgm:constr type="t" for="ch" forName="firstChild"/>
-                <dgm:constr type="w" for="ch" forName="firstChild" refType="w"/>
-                <dgm:constr type="h" for="ch" forName="firstChild" refType="h"/>
-                <dgm:constr type="l" for="ch" forName="firstChildTx" refType="w" fact="0.16"/>
-                <dgm:constr type="r" for="ch" forName="firstChildTx" refType="w"/>
-                <dgm:constr type="h" for="ch" forName="firstChildTx" refFor="ch" refForName="firstChild" op="equ"/>
-              </dgm:constrLst>
-            </dgm:if>
-            <dgm:else name="Name6">
-              <dgm:constrLst>
-                <dgm:constr type="l" for="ch" forName="firstChild"/>
-                <dgm:constr type="t" for="ch" forName="firstChild"/>
-                <dgm:constr type="w" for="ch" forName="firstChild" refType="w"/>
-                <dgm:constr type="h" for="ch" forName="firstChild" refType="h"/>
-                <dgm:constr type="l" for="ch" forName="firstChildTx"/>
-                <dgm:constr type="r" for="ch" forName="firstChildTx" refType="w" fact="0.825"/>
-                <dgm:constr type="h" for="ch" forName="firstChildTx" refFor="ch" refForName="firstChild" op="equ"/>
-              </dgm:constrLst>
-            </dgm:else>
-          </dgm:choose>
-          <dgm:ruleLst/>
-          <dgm:layoutNode name="firstChild" styleLbl="bgAccFollowNode1">
-            <dgm:alg type="sp"/>
-            <dgm:shape xmlns:r="http://schemas.openxmlformats.org/officeDocument/2006/relationships" type="rect" r:blip="">
-              <dgm:adjLst/>
-            </dgm:shape>
-            <dgm:presOf axis="ch desOrSelf" ptType="node node" cnt="1 0"/>
-            <dgm:constrLst/>
-            <dgm:ruleLst/>
-          </dgm:layoutNode>
-          <dgm:layoutNode name="firstChildTx" styleLbl="bgAccFollowNode1">
-            <dgm:varLst>
-              <dgm:bulletEnabled val="1"/>
-            </dgm:varLst>
-            <dgm:alg type="tx">
-              <dgm:param type="parTxLTRAlign" val="l"/>
-            </dgm:alg>
-            <dgm:shape xmlns:r="http://schemas.openxmlformats.org/officeDocument/2006/relationships" type="rect" r:blip="" hideGeom="1">
-              <dgm:adjLst/>
-            </dgm:shape>
-            <dgm:presOf axis="ch desOrSelf" ptType="node node" cnt="1 0"/>
-            <dgm:choose name="Name7">
-              <dgm:if name="Name8" func="var" arg="dir" op="equ" val="norm">
-                <dgm:constrLst>
-                  <dgm:constr type="primFontSz" val="65"/>
-                  <dgm:constr type="lMarg"/>
-                </dgm:constrLst>
-              </dgm:if>
-              <dgm:else name="Name9">
-                <dgm:constrLst>
-                  <dgm:constr type="primFontSz" val="65"/>
-                  <dgm:constr type="rMarg"/>
-                </dgm:constrLst>
-              </dgm:else>
-            </dgm:choose>
-            <dgm:ruleLst>
-              <dgm:rule type="primFontSz" val="5" fact="NaN" max="NaN"/>
-            </dgm:ruleLst>
-          </dgm:layoutNode>
-        </dgm:layoutNode>
-        <dgm:forEach name="Name10" axis="ch" ptType="node" st="2">
-          <dgm:layoutNode name="comp">
-            <dgm:alg type="composite"/>
-            <dgm:shape xmlns:r="http://schemas.openxmlformats.org/officeDocument/2006/relationships" r:blip="">
-              <dgm:adjLst/>
-            </dgm:shape>
-            <dgm:presOf/>
-            <dgm:choose name="Name11">
-              <dgm:if name="Name12" func="var" arg="dir" op="equ" val="norm">
-                <dgm:constrLst>
-                  <dgm:constr type="l" for="ch" forName="child"/>
-                  <dgm:constr type="t" for="ch" forName="child"/>
-                  <dgm:constr type="w" for="ch" forName="child" refType="w"/>
-                  <dgm:constr type="h" for="ch" forName="child" refType="h"/>
-                  <dgm:constr type="l" for="ch" forName="childTx" refType="w" fact="0.16"/>
-                  <dgm:constr type="r" for="ch" forName="childTx" refType="w"/>
-                  <dgm:constr type="h" for="ch" forName="childTx" refFor="ch" refForName="child" op="equ"/>
-                </dgm:constrLst>
-              </dgm:if>
-              <dgm:else name="Name13">
-                <dgm:constrLst>
-                  <dgm:constr type="l" for="ch" forName="child"/>
-                  <dgm:constr type="t" for="ch" forName="child"/>
-                  <dgm:constr type="w" for="ch" forName="child" refType="w"/>
-                  <dgm:constr type="h" for="ch" forName="child" refType="h"/>
-                  <dgm:constr type="l" for="ch" forName="childTx"/>
-                  <dgm:constr type="r" for="ch" forName="childTx" refType="w" fact="0.825"/>
-                  <dgm:constr type="h" for="ch" forName="childTx" refFor="ch" refForName="child" op="equ"/>
-                </dgm:constrLst>
-              </dgm:else>
-            </dgm:choose>
-            <dgm:ruleLst/>
-            <dgm:layoutNode name="child" styleLbl="bgAccFollowNode1">
-              <dgm:alg type="sp"/>
-              <dgm:shape xmlns:r="http://schemas.openxmlformats.org/officeDocument/2006/relationships" type="rect" r:blip="">
-                <dgm:adjLst/>
-              </dgm:shape>
-              <dgm:presOf axis="desOrSelf" ptType="node"/>
-              <dgm:constrLst/>
-              <dgm:ruleLst/>
-            </dgm:layoutNode>
-            <dgm:layoutNode name="childTx" styleLbl="bgAccFollowNode1">
-              <dgm:varLst>
-                <dgm:bulletEnabled val="1"/>
-              </dgm:varLst>
-              <dgm:alg type="tx">
-                <dgm:param type="parTxLTRAlign" val="l"/>
-              </dgm:alg>
-              <dgm:shape xmlns:r="http://schemas.openxmlformats.org/officeDocument/2006/relationships" type="rect" r:blip="" hideGeom="1">
-                <dgm:adjLst/>
-              </dgm:shape>
-              <dgm:presOf axis="desOrSelf" ptType="node"/>
-              <dgm:choose name="Name14">
-                <dgm:if name="Name15" func="var" arg="dir" op="equ" val="norm">
-                  <dgm:constrLst>
-                    <dgm:constr type="primFontSz" val="65"/>
-                    <dgm:constr type="lMarg"/>
-                  </dgm:constrLst>
-                </dgm:if>
-                <dgm:else name="Name16">
-                  <dgm:constrLst>
-                    <dgm:constr type="primFontSz" val="65"/>
-                    <dgm:constr type="rMarg"/>
-                  </dgm:constrLst>
-                </dgm:else>
-              </dgm:choose>
-              <dgm:ruleLst>
-                <dgm:rule type="primFontSz" val="5" fact="NaN" max="NaN"/>
-              </dgm:ruleLst>
-            </dgm:layoutNode>
-          </dgm:layoutNode>
-        </dgm:forEach>
-      </dgm:layoutNode>
-      <dgm:layoutNode name="negSpace">
-        <dgm:alg type="sp"/>
-        <dgm:shape xmlns:r="http://schemas.openxmlformats.org/officeDocument/2006/relationships" r:blip="">
-          <dgm:adjLst/>
-        </dgm:shape>
-        <dgm:presOf/>
-        <dgm:constrLst/>
-        <dgm:ruleLst/>
-      </dgm:layoutNode>
-      <dgm:layoutNode name="circle" styleLbl="node1">
-        <dgm:alg type="tx"/>
-        <dgm:shape xmlns:r="http://schemas.openxmlformats.org/officeDocument/2006/relationships" type="ellipse" r:blip="">
-          <dgm:adjLst/>
-        </dgm:shape>
-        <dgm:presOf axis="self"/>
-        <dgm:constrLst>
-          <dgm:constr type="lMarg"/>
-          <dgm:constr type="rMarg"/>
-          <dgm:constr type="tMarg"/>
-          <dgm:constr type="bMarg"/>
-          <dgm:constr type="h" refType="w"/>
-        </dgm:constrLst>
-        <dgm:ruleLst>
-          <dgm:rule type="primFontSz" val="5" fact="NaN" max="NaN"/>
-        </dgm:ruleLst>
-      </dgm:layoutNode>
-      <dgm:forEach name="Name17" axis="followSib" ptType="sibTrans" cnt="1">
-        <dgm:layoutNode name="transSpace">
-          <dgm:alg type="sp"/>
-          <dgm:shape xmlns:r="http://schemas.openxmlformats.org/officeDocument/2006/relationships" r:blip="">
-            <dgm:adjLst/>
-          </dgm:shape>
-          <dgm:presOf/>
-          <dgm:constrLst/>
-          <dgm:ruleLst/>
-        </dgm:layoutNode>
-      </dgm:forEach>
-    </dgm:forEach>
-  </dgm:layoutNode>
-</dgm:layoutDef>
-</file>
-
-<file path=ppt/diagrams/quickStyle1.xml><?xml version="1.0" encoding="utf-8"?>
-<dgm:styleDef xmlns:dgm="http://schemas.openxmlformats.org/drawingml/2006/diagram" xmlns:a="http://schemas.openxmlformats.org/drawingml/2006/main" uniqueId="urn:microsoft.com/office/officeart/2005/8/quickstyle/simple4">
-  <dgm:title val=""/>
-  <dgm:desc val=""/>
-  <dgm:catLst>
-    <dgm:cat type="simple" pri="10400"/>
-  </dgm:catLst>
-  <dgm:scene3d>
-    <a:camera prst="orthographicFront"/>
-    <a:lightRig rig="threePt" dir="t"/>
-  </dgm:scene3d>
-  <dgm:styleLbl name="node0">
-    <dgm:scene3d>
-      <a:camera prst="orthographicFront"/>
-      <a:lightRig rig="threePt" dir="t"/>
-    </dgm:scene3d>
-    <dgm:sp3d/>
-    <dgm:txPr/>
-    <dgm:style>
-      <a:lnRef idx="0">
-        <a:scrgbClr r="0" g="0" b="0"/>
-      </a:lnRef>
-      <a:fillRef idx="3">
-        <a:scrgbClr r="0" g="0" b="0"/>
-      </a:fillRef>
-      <a:effectRef idx="2">
-        <a:scrgbClr r="0" g="0" b="0"/>
-      </a:effectRef>
-      <a:fontRef idx="minor">
-        <a:schemeClr val="lt1"/>
-      </a:fontRef>
-    </dgm:style>
-  </dgm:styleLbl>
-  <dgm:styleLbl name="lnNode1">
-    <dgm:scene3d>
-      <a:camera prst="orthographicFront"/>
-      <a:lightRig rig="threePt" dir="t"/>
-    </dgm:scene3d>
-    <dgm:sp3d/>
-    <dgm:txPr/>
-    <dgm:style>
-      <a:lnRef idx="1">
-        <a:scrgbClr r="0" g="0" b="0"/>
-      </a:lnRef>
-      <a:fillRef idx="3">
-        <a:scrgbClr r="0" g="0" b="0"/>
-      </a:fillRef>
-      <a:effectRef idx="2">
-        <a:scrgbClr r="0" g="0" b="0"/>
-      </a:effectRef>
-      <a:fontRef idx="minor">
-        <a:schemeClr val="lt1"/>
-      </a:fontRef>
-    </dgm:style>
-  </dgm:styleLbl>
-  <dgm:styleLbl name="vennNode1">
-    <dgm:scene3d>
-      <a:camera prst="orthographicFront"/>
-      <a:lightRig rig="threePt" dir="t"/>
-    </dgm:scene3d>
-    <dgm:sp3d/>
-    <dgm:txPr/>
-    <dgm:style>
-      <a:lnRef idx="0">
-        <a:scrgbClr r="0" g="0" b="0"/>
-      </a:lnRef>
-      <a:fillRef idx="3">
-        <a:scrgbClr r="0" g="0" b="0"/>
-      </a:fillRef>
-      <a:effectRef idx="0">
-        <a:scrgbClr r="0" g="0" b="0"/>
-      </a:effectRef>
-      <a:fontRef idx="minor">
-        <a:schemeClr val="tx1"/>
-      </a:fontRef>
-    </dgm:style>
-  </dgm:styleLbl>
-  <dgm:styleLbl name="alignNode1">
-    <dgm:scene3d>
-      <a:camera prst="orthographicFront"/>
-      <a:lightRig rig="threePt" dir="t"/>
-    </dgm:scene3d>
-    <dgm:sp3d/>
-    <dgm:txPr/>
-    <dgm:style>
-      <a:lnRef idx="1">
-        <a:scrgbClr r="0" g="0" b="0"/>
-      </a:lnRef>
-      <a:fillRef idx="3">
-        <a:scrgbClr r="0" g="0" b="0"/>
-      </a:fillRef>
-      <a:effectRef idx="2">
-        <a:scrgbClr r="0" g="0" b="0"/>
-      </a:effectRef>
-      <a:fontRef idx="minor">
-        <a:schemeClr val="lt1"/>
-      </a:fontRef>
-    </dgm:style>
-  </dgm:styleLbl>
-  <dgm:styleLbl name="node1">
-    <dgm:scene3d>
-      <a:camera prst="orthographicFront"/>
-      <a:lightRig rig="threePt" dir="t"/>
-    </dgm:scene3d>
-    <dgm:sp3d/>
-    <dgm:txPr/>
-    <dgm:style>
-      <a:lnRef idx="0">
-        <a:scrgbClr r="0" g="0" b="0"/>
-      </a:lnRef>
-      <a:fillRef idx="3">
-        <a:scrgbClr r="0" g="0" b="0"/>
-      </a:fillRef>
-      <a:effectRef idx="2">
-        <a:scrgbClr r="0" g="0" b="0"/>
-      </a:effectRef>
-      <a:fontRef idx="minor">
-        <a:schemeClr val="lt1"/>
-      </a:fontRef>
-    </dgm:style>
-  </dgm:styleLbl>
-  <dgm:styleLbl name="node2">
-    <dgm:scene3d>
-      <a:camera prst="orthographicFront"/>
-      <a:lightRig rig="threePt" dir="t"/>
-    </dgm:scene3d>
-    <dgm:sp3d/>
-    <dgm:txPr/>
-    <dgm:style>
-      <a:lnRef idx="0">
-        <a:scrgbClr r="0" g="0" b="0"/>
-      </a:lnRef>
-      <a:fillRef idx="3">
-        <a:scrgbClr r="0" g="0" b="0"/>
-      </a:fillRef>
-      <a:effectRef idx="2">
-        <a:scrgbClr r="0" g="0" b="0"/>
-      </a:effectRef>
-      <a:fontRef idx="minor">
-        <a:schemeClr val="lt1"/>
-      </a:fontRef>
-    </dgm:style>
-  </dgm:styleLbl>
-  <dgm:styleLbl name="node3">
-    <dgm:scene3d>
-      <a:camera prst="orthographicFront"/>
-      <a:lightRig rig="threePt" dir="t"/>
-    </dgm:scene3d>
-    <dgm:sp3d/>
-    <dgm:txPr/>
-    <dgm:style>
-      <a:lnRef idx="0">
-        <a:scrgbClr r="0" g="0" b="0"/>
-      </a:lnRef>
-      <a:fillRef idx="3">
-        <a:scrgbClr r="0" g="0" b="0"/>
-      </a:fillRef>
-      <a:effectRef idx="2">
-        <a:scrgbClr r="0" g="0" b="0"/>
-      </a:effectRef>
-      <a:fontRef idx="minor">
-        <a:schemeClr val="lt1"/>
-      </a:fontRef>
-    </dgm:style>
-  </dgm:styleLbl>
-  <dgm:styleLbl name="node4">
-    <dgm:scene3d>
-      <a:camera prst="orthographicFront"/>
-      <a:lightRig rig="threePt" dir="t"/>
-    </dgm:scene3d>
-    <dgm:sp3d/>
-    <dgm:txPr/>
-    <dgm:style>
-      <a:lnRef idx="0">
-        <a:scrgbClr r="0" g="0" b="0"/>
-      </a:lnRef>
-      <a:fillRef idx="3">
-        <a:scrgbClr r="0" g="0" b="0"/>
-      </a:fillRef>
-      <a:effectRef idx="2">
-        <a:scrgbClr r="0" g="0" b="0"/>
-      </a:effectRef>
-      <a:fontRef idx="minor">
-        <a:schemeClr val="lt1"/>
-      </a:fontRef>
-    </dgm:style>
-  </dgm:styleLbl>
-  <dgm:styleLbl name="fgImgPlace1">
-    <dgm:scene3d>
-      <a:camera prst="orthographicFront"/>
-      <a:lightRig rig="threePt" dir="t"/>
-    </dgm:scene3d>
-    <dgm:sp3d/>
-    <dgm:txPr/>
-    <dgm:style>
-      <a:lnRef idx="0">
-        <a:scrgbClr r="0" g="0" b="0"/>
-      </a:lnRef>
-      <a:fillRef idx="1">
-        <a:scrgbClr r="0" g="0" b="0"/>
-      </a:fillRef>
-      <a:effectRef idx="2">
-        <a:scrgbClr r="0" g="0" b="0"/>
-      </a:effectRef>
-      <a:fontRef idx="minor"/>
-    </dgm:style>
-  </dgm:styleLbl>
-  <dgm:styleLbl name="alignImgPlace1">
-    <dgm:scene3d>
-      <a:camera prst="orthographicFront"/>
-      <a:lightRig rig="threePt" dir="t"/>
-    </dgm:scene3d>
-    <dgm:sp3d/>
-    <dgm:txPr/>
-    <dgm:style>
-      <a:lnRef idx="0">
-        <a:scrgbClr r="0" g="0" b="0"/>
-      </a:lnRef>
-      <a:fillRef idx="1">
-        <a:scrgbClr r="0" g="0" b="0"/>
-      </a:fillRef>
-      <a:effectRef idx="2">
-        <a:scrgbClr r="0" g="0" b="0"/>
-      </a:effectRef>
-      <a:fontRef idx="minor"/>
-    </dgm:style>
-  </dgm:styleLbl>
-  <dgm:styleLbl name="bgImgPlace1">
-    <dgm:scene3d>
-      <a:camera prst="orthographicFront"/>
-      <a:lightRig rig="threePt" dir="t"/>
-    </dgm:scene3d>
-    <dgm:sp3d/>
-    <dgm:txPr/>
-    <dgm:style>
-      <a:lnRef idx="0">
-        <a:scrgbClr r="0" g="0" b="0"/>
-      </a:lnRef>
-      <a:fillRef idx="1">
-        <a:scrgbClr r="0" g="0" b="0"/>
-      </a:fillRef>
-      <a:effectRef idx="2">
-        <a:scrgbClr r="0" g="0" b="0"/>
-      </a:effectRef>
-      <a:fontRef idx="minor"/>
-    </dgm:style>
-  </dgm:styleLbl>
-  <dgm:styleLbl name="sibTrans2D1">
-    <dgm:scene3d>
-      <a:camera prst="orthographicFront"/>
-      <a:lightRig rig="threePt" dir="t"/>
-    </dgm:scene3d>
-    <dgm:sp3d/>
-    <dgm:txPr/>
-    <dgm:style>
-      <a:lnRef idx="0">
-        <a:scrgbClr r="0" g="0" b="0"/>
-      </a:lnRef>
-      <a:fillRef idx="3">
-        <a:scrgbClr r="0" g="0" b="0"/>
-      </a:fillRef>
-      <a:effectRef idx="2">
-        <a:scrgbClr r="0" g="0" b="0"/>
-      </a:effectRef>
-      <a:fontRef idx="minor">
-        <a:schemeClr val="lt1"/>
-      </a:fontRef>
-    </dgm:style>
-  </dgm:styleLbl>
-  <dgm:styleLbl name="fgSibTrans2D1">
-    <dgm:scene3d>
-      <a:camera prst="orthographicFront"/>
-      <a:lightRig rig="threePt" dir="t"/>
-    </dgm:scene3d>
-    <dgm:sp3d/>
-    <dgm:txPr/>
-    <dgm:style>
-      <a:lnRef idx="0">
-        <a:scrgbClr r="0" g="0" b="0"/>
-      </a:lnRef>
-      <a:fillRef idx="3">
-        <a:scrgbClr r="0" g="0" b="0"/>
-      </a:fillRef>
-      <a:effectRef idx="2">
-        <a:scrgbClr r="0" g="0" b="0"/>
-      </a:effectRef>
-      <a:fontRef idx="minor">
-        <a:schemeClr val="lt1"/>
-      </a:fontRef>
-    </dgm:style>
-  </dgm:styleLbl>
-  <dgm:styleLbl name="bgSibTrans2D1">
-    <dgm:scene3d>
-      <a:camera prst="orthographicFront"/>
-      <a:lightRig rig="threePt" dir="t"/>
-    </dgm:scene3d>
-    <dgm:sp3d/>
-    <dgm:txPr/>
-    <dgm:style>
-      <a:lnRef idx="0">
-        <a:scrgbClr r="0" g="0" b="0"/>
-      </a:lnRef>
-      <a:fillRef idx="3">
-        <a:scrgbClr r="0" g="0" b="0"/>
-      </a:fillRef>
-      <a:effectRef idx="2">
-        <a:scrgbClr r="0" g="0" b="0"/>
-      </a:effectRef>
-      <a:fontRef idx="minor">
-        <a:schemeClr val="lt1"/>
-      </a:fontRef>
-    </dgm:style>
-  </dgm:styleLbl>
-  <dgm:styleLbl name="sibTrans1D1">
-    <dgm:scene3d>
-      <a:camera prst="orthographicFront"/>
-      <a:lightRig rig="threePt" dir="t"/>
-    </dgm:scene3d>
-    <dgm:sp3d/>
-    <dgm:txPr/>
-    <dgm:style>
-      <a:lnRef idx="1">
-        <a:scrgbClr r="0" g="0" b="0"/>
-      </a:lnRef>
-      <a:fillRef idx="0">
-        <a:scrgbClr r="0" g="0" b="0"/>
-      </a:fillRef>
-      <a:effectRef idx="0">
-        <a:scrgbClr r="0" g="0" b="0"/>
-      </a:effectRef>
-      <a:fontRef idx="minor"/>
-    </dgm:style>
-  </dgm:styleLbl>
-  <dgm:styleLbl name="callout">
-    <dgm:scene3d>
-      <a:camera prst="orthographicFront"/>
-      <a:lightRig rig="threePt" dir="t"/>
-    </dgm:scene3d>
-    <dgm:sp3d/>
-    <dgm:txPr/>
-    <dgm:style>
-      <a:lnRef idx="2">
-        <a:scrgbClr r="0" g="0" b="0"/>
-      </a:lnRef>
-      <a:fillRef idx="1">
-        <a:scrgbClr r="0" g="0" b="0"/>
-      </a:fillRef>
-      <a:effectRef idx="1">
-        <a:scrgbClr r="0" g="0" b="0"/>
-      </a:effectRef>
-      <a:fontRef idx="minor"/>
-    </dgm:style>
-  </dgm:styleLbl>
-  <dgm:styleLbl name="asst0">
-    <dgm:scene3d>
-      <a:camera prst="orthographicFront"/>
-      <a:lightRig rig="threePt" dir="t"/>
-    </dgm:scene3d>
-    <dgm:sp3d/>
-    <dgm:txPr/>
-    <dgm:style>
-      <a:lnRef idx="0">
-        <a:scrgbClr r="0" g="0" b="0"/>
-      </a:lnRef>
-      <a:fillRef idx="3">
-        <a:scrgbClr r="0" g="0" b="0"/>
-      </a:fillRef>
-      <a:effectRef idx="2">
-        <a:scrgbClr r="0" g="0" b="0"/>
-      </a:effectRef>
-      <a:fontRef idx="minor">
-        <a:schemeClr val="lt1"/>
-      </a:fontRef>
-    </dgm:style>
-  </dgm:styleLbl>
-  <dgm:styleLbl name="asst1">
-    <dgm:scene3d>
-      <a:camera prst="orthographicFront"/>
-      <a:lightRig rig="threePt" dir="t"/>
-    </dgm:scene3d>
-    <dgm:sp3d/>
-    <dgm:txPr/>
-    <dgm:style>
-      <a:lnRef idx="0">
-        <a:scrgbClr r="0" g="0" b="0"/>
-      </a:lnRef>
-      <a:fillRef idx="3">
-        <a:scrgbClr r="0" g="0" b="0"/>
-      </a:fillRef>
-      <a:effectRef idx="2">
-        <a:scrgbClr r="0" g="0" b="0"/>
-      </a:effectRef>
-      <a:fontRef idx="minor">
-        <a:schemeClr val="lt1"/>
-      </a:fontRef>
-    </dgm:style>
-  </dgm:styleLbl>
-  <dgm:styleLbl name="asst2">
-    <dgm:scene3d>
-      <a:camera prst="orthographicFront"/>
-      <a:lightRig rig="threePt" dir="t"/>
-    </dgm:scene3d>
-    <dgm:sp3d/>
-    <dgm:txPr/>
-    <dgm:style>
-      <a:lnRef idx="0">
-        <a:scrgbClr r="0" g="0" b="0"/>
-      </a:lnRef>
-      <a:fillRef idx="3">
-        <a:scrgbClr r="0" g="0" b="0"/>
-      </a:fillRef>
-      <a:effectRef idx="2">
-        <a:scrgbClr r="0" g="0" b="0"/>
-      </a:effectRef>
-      <a:fontRef idx="minor">
-        <a:schemeClr val="lt1"/>
-      </a:fontRef>
-    </dgm:style>
-  </dgm:styleLbl>
-  <dgm:styleLbl name="asst3">
-    <dgm:scene3d>
-      <a:camera prst="orthographicFront"/>
-      <a:lightRig rig="threePt" dir="t"/>
-    </dgm:scene3d>
-    <dgm:sp3d/>
-    <dgm:txPr/>
-    <dgm:style>
-      <a:lnRef idx="0">
-        <a:scrgbClr r="0" g="0" b="0"/>
-      </a:lnRef>
-      <a:fillRef idx="3">
-        <a:scrgbClr r="0" g="0" b="0"/>
-      </a:fillRef>
-      <a:effectRef idx="2">
-        <a:scrgbClr r="0" g="0" b="0"/>
-      </a:effectRef>
-      <a:fontRef idx="minor">
-        <a:schemeClr val="lt1"/>
-      </a:fontRef>
-    </dgm:style>
-  </dgm:styleLbl>
-  <dgm:styleLbl name="asst4">
-    <dgm:scene3d>
-      <a:camera prst="orthographicFront"/>
-      <a:lightRig rig="threePt" dir="t"/>
-    </dgm:scene3d>
-    <dgm:sp3d/>
-    <dgm:txPr/>
-    <dgm:style>
-      <a:lnRef idx="0">
-        <a:scrgbClr r="0" g="0" b="0"/>
-      </a:lnRef>
-      <a:fillRef idx="3">
-        <a:scrgbClr r="0" g="0" b="0"/>
-      </a:fillRef>
-      <a:effectRef idx="2">
-        <a:scrgbClr r="0" g="0" b="0"/>
-      </a:effectRef>
-      <a:fontRef idx="minor">
-        <a:schemeClr val="lt1"/>
-      </a:fontRef>
-    </dgm:style>
-  </dgm:styleLbl>
-  <dgm:styleLbl name="parChTrans2D1">
-    <dgm:scene3d>
-      <a:camera prst="orthographicFront"/>
-      <a:lightRig rig="threePt" dir="t"/>
-    </dgm:scene3d>
-    <dgm:sp3d/>
-    <dgm:txPr/>
-    <dgm:style>
-      <a:lnRef idx="0">
-        <a:scrgbClr r="0" g="0" b="0"/>
-      </a:lnRef>
-      <a:fillRef idx="3">
-        <a:scrgbClr r="0" g="0" b="0"/>
-      </a:fillRef>
-      <a:effectRef idx="2">
-        <a:scrgbClr r="0" g="0" b="0"/>
-      </a:effectRef>
-      <a:fontRef idx="minor">
-        <a:schemeClr val="lt1"/>
-      </a:fontRef>
-    </dgm:style>
-  </dgm:styleLbl>
-  <dgm:styleLbl name="parChTrans2D2">
-    <dgm:scene3d>
-      <a:camera prst="orthographicFront"/>
-      <a:lightRig rig="threePt" dir="t"/>
-    </dgm:scene3d>
-    <dgm:sp3d/>
-    <dgm:txPr/>
-    <dgm:style>
-      <a:lnRef idx="0">
-        <a:scrgbClr r="0" g="0" b="0"/>
-      </a:lnRef>
-      <a:fillRef idx="3">
-        <a:scrgbClr r="0" g="0" b="0"/>
-      </a:fillRef>
-      <a:effectRef idx="2">
-        <a:scrgbClr r="0" g="0" b="0"/>
-      </a:effectRef>
-      <a:fontRef idx="minor">
-        <a:schemeClr val="lt1"/>
-      </a:fontRef>
-    </dgm:style>
-  </dgm:styleLbl>
-  <dgm:styleLbl name="parChTrans2D3">
-    <dgm:scene3d>
-      <a:camera prst="orthographicFront"/>
-      <a:lightRig rig="threePt" dir="t"/>
-    </dgm:scene3d>
-    <dgm:sp3d/>
-    <dgm:txPr/>
-    <dgm:style>
-      <a:lnRef idx="1">
-        <a:scrgbClr r="0" g="0" b="0"/>
-      </a:lnRef>
-      <a:fillRef idx="3">
-        <a:scrgbClr r="0" g="0" b="0"/>
-      </a:fillRef>
-      <a:effectRef idx="2">
-        <a:scrgbClr r="0" g="0" b="0"/>
-      </a:effectRef>
-      <a:fontRef idx="minor">
-        <a:schemeClr val="lt1"/>
-      </a:fontRef>
-    </dgm:style>
-  </dgm:styleLbl>
-  <dgm:styleLbl name="parChTrans2D4">
-    <dgm:scene3d>
-      <a:camera prst="orthographicFront"/>
-      <a:lightRig rig="threePt" dir="t"/>
-    </dgm:scene3d>
-    <dgm:sp3d/>
-    <dgm:txPr/>
-    <dgm:style>
-      <a:lnRef idx="1">
-        <a:scrgbClr r="0" g="0" b="0"/>
-      </a:lnRef>
-      <a:fillRef idx="3">
-        <a:scrgbClr r="0" g="0" b="0"/>
-      </a:fillRef>
-      <a:effectRef idx="2">
-        <a:scrgbClr r="0" g="0" b="0"/>
-      </a:effectRef>
-      <a:fontRef idx="minor">
-        <a:schemeClr val="lt1"/>
-      </a:fontRef>
-    </dgm:style>
-  </dgm:styleLbl>
-  <dgm:styleLbl name="parChTrans1D1">
-    <dgm:scene3d>
-      <a:camera prst="orthographicFront"/>
-      <a:lightRig rig="threePt" dir="t"/>
-    </dgm:scene3d>
-    <dgm:sp3d/>
-    <dgm:txPr/>
-    <dgm:style>
-      <a:lnRef idx="1">
-        <a:scrgbClr r="0" g="0" b="0"/>
-      </a:lnRef>
-      <a:fillRef idx="0">
-        <a:scrgbClr r="0" g="0" b="0"/>
-      </a:fillRef>
-      <a:effectRef idx="0">
-        <a:scrgbClr r="0" g="0" b="0"/>
-      </a:effectRef>
-      <a:fontRef idx="minor"/>
-    </dgm:style>
-  </dgm:styleLbl>
-  <dgm:styleLbl name="parChTrans1D2">
-    <dgm:scene3d>
-      <a:camera prst="orthographicFront"/>
-      <a:lightRig rig="threePt" dir="t"/>
-    </dgm:scene3d>
-    <dgm:sp3d/>
-    <dgm:txPr/>
-    <dgm:style>
-      <a:lnRef idx="1">
-        <a:scrgbClr r="0" g="0" b="0"/>
-      </a:lnRef>
-      <a:fillRef idx="0">
-        <a:scrgbClr r="0" g="0" b="0"/>
-      </a:fillRef>
-      <a:effectRef idx="0">
-        <a:scrgbClr r="0" g="0" b="0"/>
-      </a:effectRef>
-      <a:fontRef idx="minor"/>
-    </dgm:style>
-  </dgm:styleLbl>
-  <dgm:styleLbl name="parChTrans1D3">
-    <dgm:scene3d>
-      <a:camera prst="orthographicFront"/>
-      <a:lightRig rig="threePt" dir="t"/>
-    </dgm:scene3d>
-    <dgm:sp3d/>
-    <dgm:txPr/>
-    <dgm:style>
-      <a:lnRef idx="1">
-        <a:scrgbClr r="0" g="0" b="0"/>
-      </a:lnRef>
-      <a:fillRef idx="0">
-        <a:scrgbClr r="0" g="0" b="0"/>
-      </a:fillRef>
-      <a:effectRef idx="0">
-        <a:scrgbClr r="0" g="0" b="0"/>
-      </a:effectRef>
-      <a:fontRef idx="minor"/>
-    </dgm:style>
-  </dgm:styleLbl>
-  <dgm:styleLbl name="parChTrans1D4">
-    <dgm:scene3d>
-      <a:camera prst="orthographicFront"/>
-      <a:lightRig rig="threePt" dir="t"/>
-    </dgm:scene3d>
-    <dgm:sp3d/>
-    <dgm:txPr/>
-    <dgm:style>
-      <a:lnRef idx="1">
-        <a:scrgbClr r="0" g="0" b="0"/>
-      </a:lnRef>
-      <a:fillRef idx="0">
-        <a:scrgbClr r="0" g="0" b="0"/>
-      </a:fillRef>
-      <a:effectRef idx="0">
-        <a:scrgbClr r="0" g="0" b="0"/>
-      </a:effectRef>
-      <a:fontRef idx="minor"/>
-    </dgm:style>
-  </dgm:styleLbl>
-  <dgm:styleLbl name="fgAcc1">
-    <dgm:scene3d>
-      <a:camera prst="orthographicFront"/>
-      <a:lightRig rig="threePt" dir="t"/>
-    </dgm:scene3d>
-    <dgm:sp3d/>
-    <dgm:txPr/>
-    <dgm:style>
-      <a:lnRef idx="1">
-        <a:scrgbClr r="0" g="0" b="0"/>
-      </a:lnRef>
-      <a:fillRef idx="1">
-        <a:scrgbClr r="0" g="0" b="0"/>
-      </a:fillRef>
-      <a:effectRef idx="0">
-        <a:scrgbClr r="0" g="0" b="0"/>
-      </a:effectRef>
-      <a:fontRef idx="minor"/>
-    </dgm:style>
-  </dgm:styleLbl>
-  <dgm:styleLbl name="conFgAcc1">
-    <dgm:scene3d>
-      <a:camera prst="orthographicFront"/>
-      <a:lightRig rig="threePt" dir="t"/>
-    </dgm:scene3d>
-    <dgm:sp3d/>
-    <dgm:txPr/>
-    <dgm:style>
-      <a:lnRef idx="1">
-        <a:scrgbClr r="0" g="0" b="0"/>
-      </a:lnRef>
-      <a:fillRef idx="1">
-        <a:scrgbClr r="0" g="0" b="0"/>
-      </a:fillRef>
-      <a:effectRef idx="0">
-        <a:scrgbClr r="0" g="0" b="0"/>
-      </a:effectRef>
-      <a:fontRef idx="minor"/>
-    </dgm:style>
-  </dgm:styleLbl>
-  <dgm:styleLbl name="alignAcc1">
-    <dgm:scene3d>
-      <a:camera prst="orthographicFront"/>
-      <a:lightRig rig="threePt" dir="t"/>
-    </dgm:scene3d>
-    <dgm:sp3d/>
-    <dgm:txPr/>
-    <dgm:style>
-      <a:lnRef idx="1">
-        <a:scrgbClr r="0" g="0" b="0"/>
-      </a:lnRef>
-      <a:fillRef idx="1">
-        <a:scrgbClr r="0" g="0" b="0"/>
-      </a:fillRef>
-      <a:effectRef idx="0">
-        <a:scrgbClr r="0" g="0" b="0"/>
-      </a:effectRef>
-      <a:fontRef idx="minor"/>
-    </dgm:style>
-  </dgm:styleLbl>
-  <dgm:styleLbl name="trAlignAcc1">
-    <dgm:scene3d>
-      <a:camera prst="orthographicFront"/>
-      <a:lightRig rig="threePt" dir="t"/>
-    </dgm:scene3d>
-    <dgm:sp3d/>
-    <dgm:txPr/>
-    <dgm:style>
-      <a:lnRef idx="1">
-        <a:scrgbClr r="0" g="0" b="0"/>
-      </a:lnRef>
-      <a:fillRef idx="1">
-        <a:scrgbClr r="0" g="0" b="0"/>
-      </a:fillRef>
-      <a:effectRef idx="0">
-        <a:scrgbClr r="0" g="0" b="0"/>
-      </a:effectRef>
-      <a:fontRef idx="minor"/>
-    </dgm:style>
-  </dgm:styleLbl>
-  <dgm:styleLbl name="bgAcc1">
-    <dgm:scene3d>
-      <a:camera prst="orthographicFront"/>
-      <a:lightRig rig="threePt" dir="t"/>
-    </dgm:scene3d>
-    <dgm:sp3d/>
-    <dgm:txPr/>
-    <dgm:style>
-      <a:lnRef idx="1">
-        <a:scrgbClr r="0" g="0" b="0"/>
-      </a:lnRef>
-      <a:fillRef idx="1">
-        <a:scrgbClr r="0" g="0" b="0"/>
-      </a:fillRef>
-      <a:effectRef idx="0">
-        <a:scrgbClr r="0" g="0" b="0"/>
-      </a:effectRef>
-      <a:fontRef idx="minor"/>
-    </dgm:style>
-  </dgm:styleLbl>
-  <dgm:styleLbl name="solidFgAcc1">
-    <dgm:scene3d>
-      <a:camera prst="orthographicFront"/>
-      <a:lightRig rig="threePt" dir="t"/>
-    </dgm:scene3d>
-    <dgm:sp3d/>
-    <dgm:txPr/>
-    <dgm:style>
-      <a:lnRef idx="1">
-        <a:scrgbClr r="0" g="0" b="0"/>
-      </a:lnRef>
-      <a:fillRef idx="1">
-        <a:scrgbClr r="0" g="0" b="0"/>
-      </a:fillRef>
-      <a:effectRef idx="0">
-        <a:scrgbClr r="0" g="0" b="0"/>
-      </a:effectRef>
-      <a:fontRef idx="minor"/>
-    </dgm:style>
-  </dgm:styleLbl>
-  <dgm:styleLbl name="solidAlignAcc1">
-    <dgm:scene3d>
-      <a:camera prst="orthographicFront"/>
-      <a:lightRig rig="threePt" dir="t"/>
-    </dgm:scene3d>
-    <dgm:sp3d/>
-    <dgm:txPr/>
-    <dgm:style>
-      <a:lnRef idx="1">
-        <a:scrgbClr r="0" g="0" b="0"/>
-      </a:lnRef>
-      <a:fillRef idx="1">
-        <a:scrgbClr r="0" g="0" b="0"/>
-      </a:fillRef>
-      <a:effectRef idx="0">
-        <a:scrgbClr r="0" g="0" b="0"/>
-      </a:effectRef>
-      <a:fontRef idx="minor"/>
-    </dgm:style>
-  </dgm:styleLbl>
-  <dgm:styleLbl name="solidBgAcc1">
-    <dgm:scene3d>
-      <a:camera prst="orthographicFront"/>
-      <a:lightRig rig="threePt" dir="t"/>
-    </dgm:scene3d>
-    <dgm:sp3d/>
-    <dgm:txPr/>
-    <dgm:style>
-      <a:lnRef idx="1">
-        <a:scrgbClr r="0" g="0" b="0"/>
-      </a:lnRef>
-      <a:fillRef idx="1">
-        <a:scrgbClr r="0" g="0" b="0"/>
-      </a:fillRef>
-      <a:effectRef idx="0">
-        <a:scrgbClr r="0" g="0" b="0"/>
-      </a:effectRef>
-      <a:fontRef idx="minor"/>
-    </dgm:style>
-  </dgm:styleLbl>
-  <dgm:styleLbl name="fgAccFollowNode1">
-    <dgm:scene3d>
-      <a:camera prst="orthographicFront"/>
-      <a:lightRig rig="threePt" dir="t"/>
-    </dgm:scene3d>
-    <dgm:sp3d/>
-    <dgm:txPr/>
-    <dgm:style>
-      <a:lnRef idx="1">
-        <a:scrgbClr r="0" g="0" b="0"/>
-      </a:lnRef>
-      <a:fillRef idx="1">
-        <a:scrgbClr r="0" g="0" b="0"/>
-      </a:fillRef>
-      <a:effectRef idx="0">
-        <a:scrgbClr r="0" g="0" b="0"/>
-      </a:effectRef>
-      <a:fontRef idx="minor"/>
-    </dgm:style>
-  </dgm:styleLbl>
-  <dgm:styleLbl name="alignAccFollowNode1">
-    <dgm:scene3d>
-      <a:camera prst="orthographicFront"/>
-      <a:lightRig rig="threePt" dir="t"/>
-    </dgm:scene3d>
-    <dgm:sp3d/>
-    <dgm:txPr/>
-    <dgm:style>
-      <a:lnRef idx="1">
-        <a:scrgbClr r="0" g="0" b="0"/>
-      </a:lnRef>
-      <a:fillRef idx="1">
-        <a:scrgbClr r="0" g="0" b="0"/>
-      </a:fillRef>
-      <a:effectRef idx="0">
-        <a:scrgbClr r="0" g="0" b="0"/>
-      </a:effectRef>
-      <a:fontRef idx="minor"/>
-    </dgm:style>
-  </dgm:styleLbl>
-  <dgm:styleLbl name="bgAccFollowNode1">
-    <dgm:scene3d>
-      <a:camera prst="orthographicFront"/>
-      <a:lightRig rig="threePt" dir="t"/>
-    </dgm:scene3d>
-    <dgm:sp3d/>
-    <dgm:txPr/>
-    <dgm:style>
-      <a:lnRef idx="1">
-        <a:scrgbClr r="0" g="0" b="0"/>
-      </a:lnRef>
-      <a:fillRef idx="1">
-        <a:scrgbClr r="0" g="0" b="0"/>
-      </a:fillRef>
-      <a:effectRef idx="0">
-        <a:scrgbClr r="0" g="0" b="0"/>
-      </a:effectRef>
-      <a:fontRef idx="minor"/>
-    </dgm:style>
-  </dgm:styleLbl>
-  <dgm:styleLbl name="fgAcc0">
-    <dgm:scene3d>
-      <a:camera prst="orthographicFront"/>
-      <a:lightRig rig="threePt" dir="t"/>
-    </dgm:scene3d>
-    <dgm:sp3d/>
-    <dgm:txPr/>
-    <dgm:style>
-      <a:lnRef idx="1">
-        <a:scrgbClr r="0" g="0" b="0"/>
-      </a:lnRef>
-      <a:fillRef idx="1">
-        <a:scrgbClr r="0" g="0" b="0"/>
-      </a:fillRef>
-      <a:effectRef idx="0">
-        <a:scrgbClr r="0" g="0" b="0"/>
-      </a:effectRef>
-      <a:fontRef idx="minor"/>
-    </dgm:style>
-  </dgm:styleLbl>
-  <dgm:styleLbl name="fgAcc2">
-    <dgm:scene3d>
-      <a:camera prst="orthographicFront"/>
-      <a:lightRig rig="threePt" dir="t"/>
-    </dgm:scene3d>
-    <dgm:sp3d/>
-    <dgm:txPr/>
-    <dgm:style>
-      <a:lnRef idx="1">
-        <a:scrgbClr r="0" g="0" b="0"/>
-      </a:lnRef>
-      <a:fillRef idx="1">
-        <a:scrgbClr r="0" g="0" b="0"/>
-      </a:fillRef>
-      <a:effectRef idx="0">
-        <a:scrgbClr r="0" g="0" b="0"/>
-      </a:effectRef>
-      <a:fontRef idx="minor"/>
-    </dgm:style>
-  </dgm:styleLbl>
-  <dgm:styleLbl name="fgAcc3">
-    <dgm:scene3d>
-      <a:camera prst="orthographicFront"/>
-      <a:lightRig rig="threePt" dir="t"/>
-    </dgm:scene3d>
-    <dgm:sp3d/>
-    <dgm:txPr/>
-    <dgm:style>
-      <a:lnRef idx="1">
-        <a:scrgbClr r="0" g="0" b="0"/>
-      </a:lnRef>
-      <a:fillRef idx="1">
-        <a:scrgbClr r="0" g="0" b="0"/>
-      </a:fillRef>
-      <a:effectRef idx="0">
-        <a:scrgbClr r="0" g="0" b="0"/>
-      </a:effectRef>
-      <a:fontRef idx="minor"/>
-    </dgm:style>
-  </dgm:styleLbl>
-  <dgm:styleLbl name="fgAcc4">
-    <dgm:scene3d>
-      <a:camera prst="orthographicFront"/>
-      <a:lightRig rig="threePt" dir="t"/>
-    </dgm:scene3d>
-    <dgm:sp3d/>
-    <dgm:txPr/>
-    <dgm:style>
-      <a:lnRef idx="1">
-        <a:scrgbClr r="0" g="0" b="0"/>
-      </a:lnRef>
-      <a:fillRef idx="1">
-        <a:scrgbClr r="0" g="0" b="0"/>
-      </a:fillRef>
-      <a:effectRef idx="0">
-        <a:scrgbClr r="0" g="0" b="0"/>
-      </a:effectRef>
-      <a:fontRef idx="minor"/>
-    </dgm:style>
-  </dgm:styleLbl>
-  <dgm:styleLbl name="bgShp">
-    <dgm:scene3d>
-      <a:camera prst="orthographicFront"/>
-      <a:lightRig rig="threePt" dir="t"/>
-    </dgm:scene3d>
-    <dgm:sp3d/>
-    <dgm:txPr/>
-    <dgm:style>
-      <a:lnRef idx="0">
-        <a:scrgbClr r="0" g="0" b="0"/>
-      </a:lnRef>
-      <a:fillRef idx="1">
-        <a:scrgbClr r="0" g="0" b="0"/>
-      </a:fillRef>
-      <a:effectRef idx="2">
-        <a:scrgbClr r="0" g="0" b="0"/>
-      </a:effectRef>
-      <a:fontRef idx="minor"/>
-    </dgm:style>
-  </dgm:styleLbl>
-  <dgm:styleLbl name="dkBgShp">
-    <dgm:scene3d>
-      <a:camera prst="orthographicFront"/>
-      <a:lightRig rig="threePt" dir="t"/>
-    </dgm:scene3d>
-    <dgm:sp3d/>
-    <dgm:txPr/>
-    <dgm:style>
-      <a:lnRef idx="0">
-        <a:scrgbClr r="0" g="0" b="0"/>
-      </a:lnRef>
-      <a:fillRef idx="1">
-        <a:scrgbClr r="0" g="0" b="0"/>
-      </a:fillRef>
-      <a:effectRef idx="2">
-        <a:scrgbClr r="0" g="0" b="0"/>
-      </a:effectRef>
-      <a:fontRef idx="minor"/>
-    </dgm:style>
-  </dgm:styleLbl>
-  <dgm:styleLbl name="trBgShp">
-    <dgm:scene3d>
-      <a:camera prst="orthographicFront"/>
-      <a:lightRig rig="threePt" dir="t"/>
-    </dgm:scene3d>
-    <dgm:sp3d/>
-    <dgm:txPr/>
-    <dgm:style>
-      <a:lnRef idx="0">
-        <a:scrgbClr r="0" g="0" b="0"/>
-      </a:lnRef>
-      <a:fillRef idx="1">
-        <a:scrgbClr r="0" g="0" b="0"/>
-      </a:fillRef>
-      <a:effectRef idx="0">
-        <a:scrgbClr r="0" g="0" b="0"/>
-      </a:effectRef>
-      <a:fontRef idx="minor"/>
-    </dgm:style>
-  </dgm:styleLbl>
-  <dgm:styleLbl name="fgShp">
-    <dgm:scene3d>
-      <a:camera prst="orthographicFront"/>
-      <a:lightRig rig="threePt" dir="t"/>
-    </dgm:scene3d>
-    <dgm:sp3d/>
-    <dgm:txPr/>
-    <dgm:style>
-      <a:lnRef idx="0">
-        <a:scrgbClr r="0" g="0" b="0"/>
-      </a:lnRef>
-      <a:fillRef idx="3">
-        <a:scrgbClr r="0" g="0" b="0"/>
-      </a:fillRef>
-      <a:effectRef idx="2">
-        <a:scrgbClr r="0" g="0" b="0"/>
-      </a:effectRef>
-      <a:fontRef idx="minor"/>
-    </dgm:style>
-  </dgm:styleLbl>
-  <dgm:styleLbl name="revTx">
-    <dgm:scene3d>
-      <a:camera prst="orthographicFront"/>
-      <a:lightRig rig="threePt" dir="t"/>
-    </dgm:scene3d>
-    <dgm:sp3d/>
-    <dgm:txPr/>
-    <dgm:style>
-      <a:lnRef idx="0">
-        <a:scrgbClr r="0" g="0" b="0"/>
-      </a:lnRef>
-      <a:fillRef idx="0">
-        <a:scrgbClr r="0" g="0" b="0"/>
-      </a:fillRef>
-      <a:effectRef idx="0">
-        <a:scrgbClr r="0" g="0" b="0"/>
-      </a:effectRef>
-      <a:fontRef idx="minor"/>
-    </dgm:style>
-  </dgm:styleLbl>
-</dgm:styleDef>
-</file>
-
 <file path=ppt/handoutMasters/handoutMaster1.xml><?xml version="1.0" encoding="utf-8"?>
 <p:handoutMaster xmlns:a="http://schemas.openxmlformats.org/drawingml/2006/main" xmlns:r="http://schemas.openxmlformats.org/officeDocument/2006/relationships" xmlns:p="http://schemas.openxmlformats.org/presentationml/2006/main">
   <p:cSld>
@@ -4601,7 +228,7 @@
           <a:p>
             <a:fld id="{23CEAAF3-9831-450B-8D59-2C09DB96C8FC}" type="datetimeFigureOut">
               <a:rPr lang="en-US"/>
-              <a:t>4/27/2021</a:t>
+              <a:t>6/13/2021</a:t>
             </a:fld>
             <a:endParaRPr/>
           </a:p>
@@ -4766,7 +393,7 @@
           <a:p>
             <a:fld id="{2D50CD79-FC16-4410-AB61-17F26E6D3BC8}" type="datetimeFigureOut">
               <a:rPr lang="en-US"/>
-              <a:t>4/27/2021</a:t>
+              <a:t>6/13/2021</a:t>
             </a:fld>
             <a:endParaRPr/>
           </a:p>
@@ -5408,7 +1035,7 @@
             <a:fld id="{402B9795-92DC-40DC-A1CA-9A4B349D7824}" type="datetimeFigureOut">
               <a:rPr lang="en-US" smtClean="0"/>
               <a:pPr/>
-              <a:t>4/27/2021</a:t>
+              <a:t>6/13/2021</a:t>
             </a:fld>
             <a:endParaRPr lang="en-US" dirty="0"/>
           </a:p>
@@ -5702,7 +1329,7 @@
           <a:p>
             <a:fld id="{402B9795-92DC-40DC-A1CA-9A4B349D7824}" type="datetimeFigureOut">
               <a:rPr lang="en-US"/>
-              <a:t>4/27/2021</a:t>
+              <a:t>6/13/2021</a:t>
             </a:fld>
             <a:endParaRPr/>
           </a:p>
@@ -5884,7 +1511,7 @@
           <a:p>
             <a:fld id="{402B9795-92DC-40DC-A1CA-9A4B349D7824}" type="datetimeFigureOut">
               <a:rPr lang="en-US"/>
-              <a:t>4/27/2021</a:t>
+              <a:t>6/13/2021</a:t>
             </a:fld>
             <a:endParaRPr/>
           </a:p>
@@ -6076,7 +1703,7 @@
           <a:p>
             <a:fld id="{402B9795-92DC-40DC-A1CA-9A4B349D7824}" type="datetimeFigureOut">
               <a:rPr lang="en-US"/>
-              <a:t>4/27/2021</a:t>
+              <a:t>6/13/2021</a:t>
             </a:fld>
             <a:endParaRPr/>
           </a:p>
@@ -6345,7 +1972,7 @@
           <a:p>
             <a:fld id="{402B9795-92DC-40DC-A1CA-9A4B349D7824}" type="datetimeFigureOut">
               <a:rPr lang="en-US"/>
-              <a:t>4/27/2021</a:t>
+              <a:t>6/13/2021</a:t>
             </a:fld>
             <a:endParaRPr/>
           </a:p>
@@ -7374,7 +3001,7 @@
           <a:p>
             <a:fld id="{402B9795-92DC-40DC-A1CA-9A4B349D7824}" type="datetimeFigureOut">
               <a:rPr lang="en-US"/>
-              <a:t>4/27/2021</a:t>
+              <a:t>6/13/2021</a:t>
             </a:fld>
             <a:endParaRPr/>
           </a:p>
@@ -7647,7 +3274,7 @@
           <a:p>
             <a:fld id="{402B9795-92DC-40DC-A1CA-9A4B349D7824}" type="datetimeFigureOut">
               <a:rPr lang="en-US"/>
-              <a:t>4/27/2021</a:t>
+              <a:t>6/13/2021</a:t>
             </a:fld>
             <a:endParaRPr/>
           </a:p>
@@ -8027,7 +3654,7 @@
           <a:p>
             <a:fld id="{402B9795-92DC-40DC-A1CA-9A4B349D7824}" type="datetimeFigureOut">
               <a:rPr lang="en-US"/>
-              <a:t>4/27/2021</a:t>
+              <a:t>6/13/2021</a:t>
             </a:fld>
             <a:endParaRPr/>
           </a:p>
@@ -8157,7 +3784,7 @@
           <a:p>
             <a:fld id="{402B9795-92DC-40DC-A1CA-9A4B349D7824}" type="datetimeFigureOut">
               <a:rPr lang="en-US"/>
-              <a:t>4/27/2021</a:t>
+              <a:t>6/13/2021</a:t>
             </a:fld>
             <a:endParaRPr/>
           </a:p>
@@ -8264,7 +3891,7 @@
           <a:p>
             <a:fld id="{402B9795-92DC-40DC-A1CA-9A4B349D7824}" type="datetimeFigureOut">
               <a:rPr lang="en-US"/>
-              <a:t>4/27/2021</a:t>
+              <a:t>6/13/2021</a:t>
             </a:fld>
             <a:endParaRPr/>
           </a:p>
@@ -8555,7 +4182,7 @@
           <a:p>
             <a:fld id="{402B9795-92DC-40DC-A1CA-9A4B349D7824}" type="datetimeFigureOut">
               <a:rPr lang="en-US"/>
-              <a:t>4/27/2021</a:t>
+              <a:t>6/13/2021</a:t>
             </a:fld>
             <a:endParaRPr/>
           </a:p>
@@ -8781,7 +4408,7 @@
             <a:fld id="{402B9795-92DC-40DC-A1CA-9A4B349D7824}" type="datetimeFigureOut">
               <a:rPr lang="en-US" smtClean="0"/>
               <a:pPr/>
-              <a:t>4/27/2021</a:t>
+              <a:t>6/13/2021</a:t>
             </a:fld>
             <a:endParaRPr lang="en-US"/>
           </a:p>
@@ -9330,12 +4957,14 @@
           </a:xfrm>
         </p:spPr>
         <p:txBody>
-          <a:bodyPr anchor="ctr"/>
+          <a:bodyPr anchor="ctr">
+            <a:normAutofit fontScale="90000"/>
+          </a:bodyPr>
           <a:lstStyle/>
           <a:p>
             <a:r>
               <a:rPr lang="en-US" dirty="0"/>
-              <a:t>Union density and income inequality</a:t>
+              <a:t>Union density and OTHER ECONOMIC INDICATORS</a:t>
             </a:r>
           </a:p>
         </p:txBody>
@@ -9414,6 +5043,312 @@
             <a:spLocks noGrp="1"/>
           </p:cNvSpPr>
           <p:nvPr>
+            <p:ph type="ctrTitle"/>
+          </p:nvPr>
+        </p:nvSpPr>
+        <p:spPr/>
+        <p:txBody>
+          <a:bodyPr/>
+          <a:lstStyle/>
+          <a:p>
+            <a:r>
+              <a:rPr lang="en-US" dirty="0"/>
+              <a:t>Add a Slide Title - 1</a:t>
+            </a:r>
+          </a:p>
+        </p:txBody>
+      </p:sp>
+      <p:sp>
+        <p:nvSpPr>
+          <p:cNvPr id="3" name="Subtitle 2"/>
+          <p:cNvSpPr>
+            <a:spLocks noGrp="1"/>
+          </p:cNvSpPr>
+          <p:nvPr>
+            <p:ph type="subTitle" idx="1"/>
+          </p:nvPr>
+        </p:nvSpPr>
+        <p:spPr/>
+        <p:txBody>
+          <a:bodyPr/>
+          <a:lstStyle/>
+          <a:p>
+            <a:endParaRPr lang="en-US"/>
+          </a:p>
+        </p:txBody>
+      </p:sp>
+    </p:spTree>
+    <p:extLst>
+      <p:ext uri="{BB962C8B-B14F-4D97-AF65-F5344CB8AC3E}">
+        <p14:creationId xmlns:p14="http://schemas.microsoft.com/office/powerpoint/2010/main" val="1315647518"/>
+      </p:ext>
+    </p:extLst>
+  </p:cSld>
+  <p:clrMapOvr>
+    <a:masterClrMapping/>
+  </p:clrMapOvr>
+  <mc:AlternateContent xmlns:mc="http://schemas.openxmlformats.org/markup-compatibility/2006" xmlns:p14="http://schemas.microsoft.com/office/powerpoint/2010/main">
+    <mc:Choice Requires="p14">
+      <p:transition spd="med" p14:dur="700">
+        <p:fade/>
+      </p:transition>
+    </mc:Choice>
+    <mc:Fallback xmlns="">
+      <p:transition spd="med">
+        <p:fade/>
+      </p:transition>
+    </mc:Fallback>
+  </mc:AlternateContent>
+</p:sld>
+</file>
+
+<file path=ppt/slides/slide11.xml><?xml version="1.0" encoding="utf-8"?>
+<p:sld xmlns:a="http://schemas.openxmlformats.org/drawingml/2006/main" xmlns:r="http://schemas.openxmlformats.org/officeDocument/2006/relationships" xmlns:p="http://schemas.openxmlformats.org/presentationml/2006/main">
+  <p:cSld>
+    <p:spTree>
+      <p:nvGrpSpPr>
+        <p:cNvPr id="1" name=""/>
+        <p:cNvGrpSpPr/>
+        <p:nvPr/>
+      </p:nvGrpSpPr>
+      <p:grpSpPr>
+        <a:xfrm>
+          <a:off x="0" y="0"/>
+          <a:ext cx="0" cy="0"/>
+          <a:chOff x="0" y="0"/>
+          <a:chExt cx="0" cy="0"/>
+        </a:xfrm>
+      </p:grpSpPr>
+      <p:sp>
+        <p:nvSpPr>
+          <p:cNvPr id="2" name="Title 1"/>
+          <p:cNvSpPr>
+            <a:spLocks noGrp="1"/>
+          </p:cNvSpPr>
+          <p:nvPr>
+            <p:ph type="title"/>
+          </p:nvPr>
+        </p:nvSpPr>
+        <p:spPr/>
+        <p:txBody>
+          <a:bodyPr/>
+          <a:lstStyle/>
+          <a:p>
+            <a:r>
+              <a:rPr lang="en-US" dirty="0"/>
+              <a:t>Add a Slide Title - 2</a:t>
+            </a:r>
+          </a:p>
+        </p:txBody>
+      </p:sp>
+      <p:sp>
+        <p:nvSpPr>
+          <p:cNvPr id="3" name="Text Placeholder 2"/>
+          <p:cNvSpPr>
+            <a:spLocks noGrp="1"/>
+          </p:cNvSpPr>
+          <p:nvPr>
+            <p:ph type="body" idx="1"/>
+          </p:nvPr>
+        </p:nvSpPr>
+        <p:spPr/>
+        <p:txBody>
+          <a:bodyPr/>
+          <a:lstStyle/>
+          <a:p>
+            <a:endParaRPr lang="en-US"/>
+          </a:p>
+        </p:txBody>
+      </p:sp>
+    </p:spTree>
+    <p:extLst>
+      <p:ext uri="{BB962C8B-B14F-4D97-AF65-F5344CB8AC3E}">
+        <p14:creationId xmlns:p14="http://schemas.microsoft.com/office/powerpoint/2010/main" val="132884364"/>
+      </p:ext>
+    </p:extLst>
+  </p:cSld>
+  <p:clrMapOvr>
+    <a:masterClrMapping/>
+  </p:clrMapOvr>
+  <mc:AlternateContent xmlns:mc="http://schemas.openxmlformats.org/markup-compatibility/2006" xmlns:p14="http://schemas.microsoft.com/office/powerpoint/2010/main">
+    <mc:Choice Requires="p14">
+      <p:transition spd="med" p14:dur="700">
+        <p:fade/>
+      </p:transition>
+    </mc:Choice>
+    <mc:Fallback xmlns="">
+      <p:transition spd="med">
+        <p:fade/>
+      </p:transition>
+    </mc:Fallback>
+  </mc:AlternateContent>
+</p:sld>
+</file>
+
+<file path=ppt/slides/slide12.xml><?xml version="1.0" encoding="utf-8"?>
+<p:sld xmlns:a="http://schemas.openxmlformats.org/drawingml/2006/main" xmlns:r="http://schemas.openxmlformats.org/officeDocument/2006/relationships" xmlns:p="http://schemas.openxmlformats.org/presentationml/2006/main">
+  <p:cSld>
+    <p:spTree>
+      <p:nvGrpSpPr>
+        <p:cNvPr id="1" name=""/>
+        <p:cNvGrpSpPr/>
+        <p:nvPr/>
+      </p:nvGrpSpPr>
+      <p:grpSpPr>
+        <a:xfrm>
+          <a:off x="0" y="0"/>
+          <a:ext cx="0" cy="0"/>
+          <a:chOff x="0" y="0"/>
+          <a:chExt cx="0" cy="0"/>
+        </a:xfrm>
+      </p:grpSpPr>
+      <p:sp>
+        <p:nvSpPr>
+          <p:cNvPr id="2" name="Title 1"/>
+          <p:cNvSpPr>
+            <a:spLocks noGrp="1"/>
+          </p:cNvSpPr>
+          <p:nvPr>
+            <p:ph type="title"/>
+          </p:nvPr>
+        </p:nvSpPr>
+        <p:spPr/>
+        <p:txBody>
+          <a:bodyPr/>
+          <a:lstStyle/>
+          <a:p>
+            <a:r>
+              <a:rPr lang="en-US" dirty="0"/>
+              <a:t>Add a Slide Title - 3</a:t>
+            </a:r>
+          </a:p>
+        </p:txBody>
+      </p:sp>
+      <p:sp>
+        <p:nvSpPr>
+          <p:cNvPr id="3" name="Text Placeholder 2"/>
+          <p:cNvSpPr>
+            <a:spLocks noGrp="1"/>
+          </p:cNvSpPr>
+          <p:nvPr>
+            <p:ph type="body" idx="1"/>
+          </p:nvPr>
+        </p:nvSpPr>
+        <p:spPr/>
+        <p:txBody>
+          <a:bodyPr/>
+          <a:lstStyle/>
+          <a:p>
+            <a:endParaRPr lang="en-US"/>
+          </a:p>
+        </p:txBody>
+      </p:sp>
+      <p:sp>
+        <p:nvSpPr>
+          <p:cNvPr id="4" name="Content Placeholder 3"/>
+          <p:cNvSpPr>
+            <a:spLocks noGrp="1"/>
+          </p:cNvSpPr>
+          <p:nvPr>
+            <p:ph sz="half" idx="2"/>
+          </p:nvPr>
+        </p:nvSpPr>
+        <p:spPr/>
+        <p:txBody>
+          <a:bodyPr/>
+          <a:lstStyle/>
+          <a:p>
+            <a:endParaRPr lang="en-US"/>
+          </a:p>
+        </p:txBody>
+      </p:sp>
+      <p:sp>
+        <p:nvSpPr>
+          <p:cNvPr id="5" name="Text Placeholder 4"/>
+          <p:cNvSpPr>
+            <a:spLocks noGrp="1"/>
+          </p:cNvSpPr>
+          <p:nvPr>
+            <p:ph type="body" sz="quarter" idx="3"/>
+          </p:nvPr>
+        </p:nvSpPr>
+        <p:spPr/>
+        <p:txBody>
+          <a:bodyPr/>
+          <a:lstStyle/>
+          <a:p>
+            <a:endParaRPr lang="en-US"/>
+          </a:p>
+        </p:txBody>
+      </p:sp>
+      <p:sp>
+        <p:nvSpPr>
+          <p:cNvPr id="6" name="Content Placeholder 5"/>
+          <p:cNvSpPr>
+            <a:spLocks noGrp="1"/>
+          </p:cNvSpPr>
+          <p:nvPr>
+            <p:ph sz="quarter" idx="4"/>
+          </p:nvPr>
+        </p:nvSpPr>
+        <p:spPr/>
+        <p:txBody>
+          <a:bodyPr/>
+          <a:lstStyle/>
+          <a:p>
+            <a:endParaRPr lang="en-US"/>
+          </a:p>
+        </p:txBody>
+      </p:sp>
+    </p:spTree>
+    <p:extLst>
+      <p:ext uri="{BB962C8B-B14F-4D97-AF65-F5344CB8AC3E}">
+        <p14:creationId xmlns:p14="http://schemas.microsoft.com/office/powerpoint/2010/main" val="2224495804"/>
+      </p:ext>
+    </p:extLst>
+  </p:cSld>
+  <p:clrMapOvr>
+    <a:masterClrMapping/>
+  </p:clrMapOvr>
+  <mc:AlternateContent xmlns:mc="http://schemas.openxmlformats.org/markup-compatibility/2006" xmlns:p14="http://schemas.microsoft.com/office/powerpoint/2010/main">
+    <mc:Choice Requires="p14">
+      <p:transition spd="med" p14:dur="700">
+        <p:fade/>
+      </p:transition>
+    </mc:Choice>
+    <mc:Fallback xmlns="">
+      <p:transition spd="med">
+        <p:fade/>
+      </p:transition>
+    </mc:Fallback>
+  </mc:AlternateContent>
+</p:sld>
+</file>
+
+<file path=ppt/slides/slide13.xml><?xml version="1.0" encoding="utf-8"?>
+<p:sld xmlns:a="http://schemas.openxmlformats.org/drawingml/2006/main" xmlns:r="http://schemas.openxmlformats.org/officeDocument/2006/relationships" xmlns:p="http://schemas.openxmlformats.org/presentationml/2006/main">
+  <p:cSld>
+    <p:spTree>
+      <p:nvGrpSpPr>
+        <p:cNvPr id="1" name=""/>
+        <p:cNvGrpSpPr/>
+        <p:nvPr/>
+      </p:nvGrpSpPr>
+      <p:grpSpPr>
+        <a:xfrm>
+          <a:off x="0" y="0"/>
+          <a:ext cx="0" cy="0"/>
+          <a:chOff x="0" y="0"/>
+          <a:chExt cx="0" cy="0"/>
+        </a:xfrm>
+      </p:grpSpPr>
+      <p:sp>
+        <p:nvSpPr>
+          <p:cNvPr id="2" name="Title 1"/>
+          <p:cNvSpPr>
+            <a:spLocks noGrp="1"/>
+          </p:cNvSpPr>
+          <p:nvPr>
             <p:ph type="title"/>
           </p:nvPr>
         </p:nvSpPr>
@@ -9454,7 +5389,7 @@
 </p:sld>
 </file>
 
-<file path=ppt/slides/slide11.xml><?xml version="1.0" encoding="utf-8"?>
+<file path=ppt/slides/slide14.xml><?xml version="1.0" encoding="utf-8"?>
 <p:sld xmlns:a="http://schemas.openxmlformats.org/drawingml/2006/main" xmlns:r="http://schemas.openxmlformats.org/officeDocument/2006/relationships" xmlns:p="http://schemas.openxmlformats.org/presentationml/2006/main">
   <p:cSld>
     <p:spTree>
@@ -9496,7 +5431,7 @@
 </p:sld>
 </file>
 
-<file path=ppt/slides/slide12.xml><?xml version="1.0" encoding="utf-8"?>
+<file path=ppt/slides/slide15.xml><?xml version="1.0" encoding="utf-8"?>
 <p:sld xmlns:a="http://schemas.openxmlformats.org/drawingml/2006/main" xmlns:r="http://schemas.openxmlformats.org/officeDocument/2006/relationships" xmlns:p="http://schemas.openxmlformats.org/presentationml/2006/main">
   <p:cSld>
     <p:spTree>
@@ -9631,10 +5566,9 @@
           <a:lstStyle/>
           <a:p>
             <a:r>
-              <a:rPr lang="en-US"/>
-              <a:t>Title and Content Layout with List</a:t>
-            </a:r>
-            <a:endParaRPr lang="en-US" dirty="0"/>
+              <a:rPr lang="en-US" dirty="0"/>
+              <a:t>QUESTIONS</a:t>
+            </a:r>
           </a:p>
         </p:txBody>
       </p:sp>
@@ -9650,36 +5584,32 @@
         </p:nvSpPr>
         <p:spPr/>
         <p:txBody>
-          <a:bodyPr/>
+          <a:bodyPr>
+            <a:normAutofit/>
+          </a:bodyPr>
           <a:lstStyle/>
           <a:p>
             <a:r>
               <a:rPr lang="en-US" dirty="0"/>
-              <a:t>Over the last forty years the legal and political climate in the United States has become very hostile to labor unions. ● </a:t>
+              <a:t>Over the last forty years, the legal and political climate in the United States has become very hostile to labor unions. </a:t>
             </a:r>
           </a:p>
           <a:p>
             <a:r>
               <a:rPr lang="en-US" dirty="0"/>
-              <a:t>The driving theory behind this trend is the belief among many policy makers that unions hinder economic growth. ● </a:t>
+              <a:t>The 2016 Republican Party platform declared: "[w]e support the right of states to enact Right-to-Work laws and call for a national law to protect the economic liberty of the modern workforce."</a:t>
             </a:r>
           </a:p>
           <a:p>
             <a:r>
               <a:rPr lang="en-US" dirty="0"/>
-              <a:t>The primary motivation behind this project is to analyze what sort of effects union density has on various economic indicators. Add your first bullet point here</a:t>
+              <a:t>The primary motivation behind this project is to analyze what sort of effects union density has on income inequality and gross domestic product</a:t>
             </a:r>
           </a:p>
           <a:p>
             <a:r>
               <a:rPr lang="en-US" dirty="0"/>
-              <a:t>What impact does union membership have on income inequality in the countries of the OECD?</a:t>
-            </a:r>
-          </a:p>
-          <a:p>
-            <a:r>
-              <a:rPr lang="en-US" dirty="0"/>
-              <a:t>How does the political and legal environment within each country affect income inequality?</a:t>
+              <a:t>During the research, the question: “how does the political and legal environment within a country affect income inequality and gross domestic product?”</a:t>
             </a:r>
           </a:p>
         </p:txBody>
@@ -9785,7 +5715,7 @@
             <a:pPr lvl="2"/>
             <a:r>
               <a:rPr lang="en-US" dirty="0"/>
-              <a:t>“Trade union density” expresses union membership as a proportion of the eligible workforce</a:t>
+              <a:t>“Trade Union Density” expresses union membership as a proportion of the eligible workforce</a:t>
             </a:r>
           </a:p>
           <a:p>
@@ -9799,7 +5729,7 @@
             <a:pPr lvl="2"/>
             <a:r>
               <a:rPr lang="en-US" dirty="0"/>
-              <a:t>The Gini coefficient measures the extent to which the distribution of income among individuals or households within an economy deviates from a perfectly equal distribution </a:t>
+              <a:t>The Gini Coefficient measures the extent to which the distribution of income among individuals or households within an economy deviates from a perfectly equal distribution </a:t>
             </a:r>
           </a:p>
           <a:p>
@@ -9820,12 +5750,6 @@
             <a:r>
               <a:rPr lang="en-US" dirty="0"/>
               <a:t>Gini Coefficient Data Source: OECD (2021), Income Distribution (database), stats.oecd.org </a:t>
-            </a:r>
-          </a:p>
-          <a:p>
-            <a:r>
-              <a:rPr lang="en-US" dirty="0"/>
-              <a:t>Analysis: When all the countries of the OECD are included in the analysis there is a moderate negative correlation between union density and income inequality. </a:t>
             </a:r>
           </a:p>
         </p:txBody>
@@ -9882,302 +5806,109 @@
             <p:ph type="title"/>
           </p:nvPr>
         </p:nvSpPr>
-        <p:spPr/>
-        <p:txBody>
-          <a:bodyPr/>
+        <p:spPr>
+          <a:xfrm>
+            <a:off x="1104900" y="76200"/>
+            <a:ext cx="9980682" cy="1096962"/>
+          </a:xfrm>
+        </p:spPr>
+        <p:txBody>
+          <a:bodyPr vert="horz" lIns="0" tIns="45720" rIns="0" bIns="45720" rtlCol="0" anchor="b">
+            <a:normAutofit/>
+          </a:bodyPr>
           <a:lstStyle/>
           <a:p>
             <a:r>
-              <a:rPr lang="en-US"/>
-              <a:t>Two Content Layout with Table</a:t>
-            </a:r>
-          </a:p>
-        </p:txBody>
-      </p:sp>
-      <p:sp>
-        <p:nvSpPr>
-          <p:cNvPr id="3" name="Content Placeholder 2"/>
-          <p:cNvSpPr>
-            <a:spLocks noGrp="1"/>
-          </p:cNvSpPr>
-          <p:nvPr>
-            <p:ph sz="half" idx="1"/>
-          </p:nvPr>
-        </p:nvSpPr>
-        <p:spPr/>
-        <p:txBody>
-          <a:bodyPr/>
+              <a:rPr lang="en-US" dirty="0"/>
+              <a:t>Analysis</a:t>
+            </a:r>
+          </a:p>
+        </p:txBody>
+      </p:sp>
+      <p:sp>
+        <p:nvSpPr>
+          <p:cNvPr id="8" name="TextBox 7">
+            <a:extLst>
+              <a:ext uri="{FF2B5EF4-FFF2-40B4-BE49-F238E27FC236}">
+                <a16:creationId xmlns:a16="http://schemas.microsoft.com/office/drawing/2014/main" id="{598D689D-C59E-4DF2-8E34-9FE93D27522B}"/>
+              </a:ext>
+            </a:extLst>
+          </p:cNvPr>
+          <p:cNvSpPr txBox="1"/>
+          <p:nvPr/>
+        </p:nvSpPr>
+        <p:spPr>
+          <a:xfrm>
+            <a:off x="1104900" y="1506172"/>
+            <a:ext cx="9980682" cy="700134"/>
+          </a:xfrm>
+          <a:prstGeom prst="rect">
+            <a:avLst/>
+          </a:prstGeom>
+        </p:spPr>
+        <p:txBody>
+          <a:bodyPr vert="horz" lIns="0" tIns="45720" rIns="0" bIns="45720" rtlCol="0">
+            <a:normAutofit/>
+          </a:bodyPr>
           <a:lstStyle/>
           <a:p>
-            <a:r>
-              <a:rPr lang="en-US" dirty="0"/>
-              <a:t>First bullet point here</a:t>
-            </a:r>
-          </a:p>
-          <a:p>
-            <a:r>
-              <a:rPr lang="en-US" dirty="0"/>
-              <a:t>Second bullet point here</a:t>
-            </a:r>
-          </a:p>
-          <a:p>
-            <a:r>
-              <a:rPr lang="en-US" dirty="0"/>
-              <a:t>Third bullet point here</a:t>
-            </a:r>
-          </a:p>
-        </p:txBody>
-      </p:sp>
-      <p:graphicFrame>
-        <p:nvGraphicFramePr>
-          <p:cNvPr id="16" name="Content Placeholder 15"/>
-          <p:cNvGraphicFramePr>
-            <a:graphicFrameLocks noGrp="1"/>
-          </p:cNvGraphicFramePr>
-          <p:nvPr>
-            <p:ph sz="half" idx="2"/>
-            <p:extLst>
-              <p:ext uri="{D42A27DB-BD31-4B8C-83A1-F6EECF244321}">
-                <p14:modId xmlns:p14="http://schemas.microsoft.com/office/powerpoint/2010/main" val="1139291616"/>
-              </p:ext>
-            </p:extLst>
-          </p:nvPr>
-        </p:nvGraphicFramePr>
-        <p:xfrm>
-          <a:off x="6172200" y="1600200"/>
-          <a:ext cx="4914900" cy="1828800"/>
-        </p:xfrm>
-        <a:graphic>
-          <a:graphicData uri="http://schemas.openxmlformats.org/drawingml/2006/table">
-            <a:tbl>
-              <a:tblPr firstRow="1" bandRow="1">
-                <a:tableStyleId>{5C22544A-7EE6-4342-B048-85BDC9FD1C3A}</a:tableStyleId>
-              </a:tblPr>
-              <a:tblGrid>
-                <a:gridCol w="1638300">
-                  <a:extLst>
-                    <a:ext uri="{9D8B030D-6E8A-4147-A177-3AD203B41FA5}">
-                      <a16:colId xmlns:a16="http://schemas.microsoft.com/office/drawing/2014/main" val="20000"/>
-                    </a:ext>
-                  </a:extLst>
-                </a:gridCol>
-                <a:gridCol w="1638300">
-                  <a:extLst>
-                    <a:ext uri="{9D8B030D-6E8A-4147-A177-3AD203B41FA5}">
-                      <a16:colId xmlns:a16="http://schemas.microsoft.com/office/drawing/2014/main" val="20001"/>
-                    </a:ext>
-                  </a:extLst>
-                </a:gridCol>
-                <a:gridCol w="1638300">
-                  <a:extLst>
-                    <a:ext uri="{9D8B030D-6E8A-4147-A177-3AD203B41FA5}">
-                      <a16:colId xmlns:a16="http://schemas.microsoft.com/office/drawing/2014/main" val="20002"/>
-                    </a:ext>
-                  </a:extLst>
-                </a:gridCol>
-              </a:tblGrid>
-              <a:tr h="457200">
-                <a:tc>
-                  <a:txBody>
-                    <a:bodyPr/>
-                    <a:lstStyle/>
-                    <a:p>
-                      <a:r>
-                        <a:rPr lang="en-US" dirty="0"/>
-                        <a:t>Class</a:t>
-                      </a:r>
-                      <a:endParaRPr dirty="0"/>
-                    </a:p>
-                  </a:txBody>
-                  <a:tcPr anchor="ctr"/>
-                </a:tc>
-                <a:tc>
-                  <a:txBody>
-                    <a:bodyPr/>
-                    <a:lstStyle/>
-                    <a:p>
-                      <a:pPr algn="ctr"/>
-                      <a:r>
-                        <a:rPr dirty="0"/>
-                        <a:t>Group 1</a:t>
-                      </a:r>
-                    </a:p>
-                  </a:txBody>
-                  <a:tcPr anchor="ctr"/>
-                </a:tc>
-                <a:tc>
-                  <a:txBody>
-                    <a:bodyPr/>
-                    <a:lstStyle/>
-                    <a:p>
-                      <a:pPr algn="ctr"/>
-                      <a:r>
-                        <a:rPr dirty="0"/>
-                        <a:t>Group 2</a:t>
-                      </a:r>
-                    </a:p>
-                  </a:txBody>
-                  <a:tcPr anchor="ctr"/>
-                </a:tc>
-                <a:extLst>
-                  <a:ext uri="{0D108BD9-81ED-4DB2-BD59-A6C34878D82A}">
-                    <a16:rowId xmlns:a16="http://schemas.microsoft.com/office/drawing/2014/main" val="10000"/>
-                  </a:ext>
-                </a:extLst>
-              </a:tr>
-              <a:tr h="457200">
-                <a:tc>
-                  <a:txBody>
-                    <a:bodyPr/>
-                    <a:lstStyle/>
-                    <a:p>
-                      <a:r>
-                        <a:rPr dirty="0"/>
-                        <a:t>Class 1</a:t>
-                      </a:r>
-                    </a:p>
-                  </a:txBody>
-                  <a:tcPr anchor="ctr"/>
-                </a:tc>
-                <a:tc>
-                  <a:txBody>
-                    <a:bodyPr/>
-                    <a:lstStyle/>
-                    <a:p>
-                      <a:pPr algn="ctr"/>
-                      <a:r>
-                        <a:rPr dirty="0"/>
-                        <a:t>82</a:t>
-                      </a:r>
-                    </a:p>
-                  </a:txBody>
-                  <a:tcPr anchor="ctr"/>
-                </a:tc>
-                <a:tc>
-                  <a:txBody>
-                    <a:bodyPr/>
-                    <a:lstStyle/>
-                    <a:p>
-                      <a:pPr algn="ctr"/>
-                      <a:r>
-                        <a:t>95</a:t>
-                      </a:r>
-                    </a:p>
-                  </a:txBody>
-                  <a:tcPr anchor="ctr"/>
-                </a:tc>
-                <a:extLst>
-                  <a:ext uri="{0D108BD9-81ED-4DB2-BD59-A6C34878D82A}">
-                    <a16:rowId xmlns:a16="http://schemas.microsoft.com/office/drawing/2014/main" val="10001"/>
-                  </a:ext>
-                </a:extLst>
-              </a:tr>
-              <a:tr h="457200">
-                <a:tc>
-                  <a:txBody>
-                    <a:bodyPr/>
-                    <a:lstStyle/>
-                    <a:p>
-                      <a:r>
-                        <a:t>Class</a:t>
-                      </a:r>
-                      <a:r>
-                        <a:rPr baseline="0"/>
-                        <a:t> 2</a:t>
-                      </a:r>
-                      <a:endParaRPr/>
-                    </a:p>
-                  </a:txBody>
-                  <a:tcPr anchor="ctr"/>
-                </a:tc>
-                <a:tc>
-                  <a:txBody>
-                    <a:bodyPr/>
-                    <a:lstStyle/>
-                    <a:p>
-                      <a:pPr algn="ctr"/>
-                      <a:r>
-                        <a:rPr dirty="0"/>
-                        <a:t>76</a:t>
-                      </a:r>
-                    </a:p>
-                  </a:txBody>
-                  <a:tcPr anchor="ctr"/>
-                </a:tc>
-                <a:tc>
-                  <a:txBody>
-                    <a:bodyPr/>
-                    <a:lstStyle/>
-                    <a:p>
-                      <a:pPr algn="ctr"/>
-                      <a:r>
-                        <a:rPr dirty="0"/>
-                        <a:t>88</a:t>
-                      </a:r>
-                    </a:p>
-                  </a:txBody>
-                  <a:tcPr anchor="ctr"/>
-                </a:tc>
-                <a:extLst>
-                  <a:ext uri="{0D108BD9-81ED-4DB2-BD59-A6C34878D82A}">
-                    <a16:rowId xmlns:a16="http://schemas.microsoft.com/office/drawing/2014/main" val="10002"/>
-                  </a:ext>
-                </a:extLst>
-              </a:tr>
-              <a:tr h="457200">
-                <a:tc>
-                  <a:txBody>
-                    <a:bodyPr/>
-                    <a:lstStyle/>
-                    <a:p>
-                      <a:r>
-                        <a:t>Class 3</a:t>
-                      </a:r>
-                    </a:p>
-                  </a:txBody>
-                  <a:tcPr anchor="ctr"/>
-                </a:tc>
-                <a:tc>
-                  <a:txBody>
-                    <a:bodyPr/>
-                    <a:lstStyle/>
-                    <a:p>
-                      <a:pPr algn="ctr"/>
-                      <a:r>
-                        <a:t>84</a:t>
-                      </a:r>
-                    </a:p>
-                  </a:txBody>
-                  <a:tcPr anchor="ctr"/>
-                </a:tc>
-                <a:tc>
-                  <a:txBody>
-                    <a:bodyPr/>
-                    <a:lstStyle/>
-                    <a:p>
-                      <a:pPr algn="ctr"/>
-                      <a:r>
-                        <a:rPr dirty="0"/>
-                        <a:t>90</a:t>
-                      </a:r>
-                    </a:p>
-                  </a:txBody>
-                  <a:tcPr anchor="ctr"/>
-                </a:tc>
-                <a:extLst>
-                  <a:ext uri="{0D108BD9-81ED-4DB2-BD59-A6C34878D82A}">
-                    <a16:rowId xmlns:a16="http://schemas.microsoft.com/office/drawing/2014/main" val="10003"/>
-                  </a:ext>
-                </a:extLst>
-              </a:tr>
-            </a:tbl>
-          </a:graphicData>
-        </a:graphic>
-      </p:graphicFrame>
+            <a:pPr>
+              <a:lnSpc>
+                <a:spcPct val="90000"/>
+              </a:lnSpc>
+              <a:spcBef>
+                <a:spcPts val="1200"/>
+              </a:spcBef>
+            </a:pPr>
+            <a:r>
+              <a:rPr lang="en-US" kern="1200" dirty="0">
+                <a:latin typeface="+mn-lt"/>
+                <a:ea typeface="+mn-ea"/>
+                <a:cs typeface="+mn-cs"/>
+              </a:rPr>
+              <a:t>A linear regression analysis of data between 2009 and 2019 indicates there is a weak correlation between Union Density and Income Inequality in the OECD countries.</a:t>
+            </a:r>
+          </a:p>
+        </p:txBody>
+      </p:sp>
+      <p:pic>
+        <p:nvPicPr>
+          <p:cNvPr id="7" name="Content Placeholder 6" descr="Chart, scatter chart&#10;&#10;Description automatically generated">
+            <a:extLst>
+              <a:ext uri="{FF2B5EF4-FFF2-40B4-BE49-F238E27FC236}">
+                <a16:creationId xmlns:a16="http://schemas.microsoft.com/office/drawing/2014/main" id="{F58D0EAA-30CE-42BF-B981-54FA28F57920}"/>
+              </a:ext>
+            </a:extLst>
+          </p:cNvPr>
+          <p:cNvPicPr>
+            <a:picLocks noGrp="1" noChangeAspect="1"/>
+          </p:cNvPicPr>
+          <p:nvPr>
+            <p:ph type="pic" idx="1"/>
+          </p:nvPr>
+        </p:nvPicPr>
+        <p:blipFill rotWithShape="1">
+          <a:blip r:embed="rId2">
+            <a:extLst>
+              <a:ext uri="{28A0092B-C50C-407E-A947-70E740481C1C}">
+                <a14:useLocalDpi xmlns:a14="http://schemas.microsoft.com/office/drawing/2010/main" val="0"/>
+              </a:ext>
+            </a:extLst>
+          </a:blip>
+          <a:stretch/>
+        </p:blipFill>
+        <p:spPr>
+          <a:xfrm>
+            <a:off x="1198927" y="2055303"/>
+            <a:ext cx="9794146" cy="3917657"/>
+          </a:xfrm>
+          <a:noFill/>
+        </p:spPr>
+      </p:pic>
     </p:spTree>
     <p:extLst>
       <p:ext uri="{BB962C8B-B14F-4D97-AF65-F5344CB8AC3E}">
-        <p14:creationId xmlns:p14="http://schemas.microsoft.com/office/powerpoint/2010/main" val="2853788422"/>
+        <p14:creationId xmlns:p14="http://schemas.microsoft.com/office/powerpoint/2010/main" val="4224509479"/>
       </p:ext>
     </p:extLst>
   </p:cSld>
@@ -10226,61 +5957,133 @@
             <p:ph type="title"/>
           </p:nvPr>
         </p:nvSpPr>
-        <p:spPr/>
-        <p:txBody>
-          <a:bodyPr/>
+        <p:spPr>
+          <a:xfrm>
+            <a:off x="1104900" y="76200"/>
+            <a:ext cx="9980682" cy="1096962"/>
+          </a:xfrm>
+        </p:spPr>
+        <p:txBody>
+          <a:bodyPr vert="horz" lIns="0" tIns="45720" rIns="0" bIns="45720" rtlCol="0" anchor="b">
+            <a:normAutofit/>
+          </a:bodyPr>
           <a:lstStyle/>
           <a:p>
             <a:r>
-              <a:rPr lang="en-US"/>
-              <a:t>Title and Content Layout with SmartArt</a:t>
-            </a:r>
-            <a:endParaRPr lang="en-US" dirty="0"/>
-          </a:p>
-        </p:txBody>
-      </p:sp>
-      <p:graphicFrame>
-        <p:nvGraphicFramePr>
-          <p:cNvPr id="4" name="Content Placeholder 3" descr="Stacked List showing 4 groups arranged from left to right with task descriptions under each group"/>
-          <p:cNvGraphicFramePr>
-            <a:graphicFrameLocks noGrp="1"/>
-          </p:cNvGraphicFramePr>
-          <p:nvPr>
-            <p:ph idx="1"/>
-            <p:extLst>
-              <p:ext uri="{D42A27DB-BD31-4B8C-83A1-F6EECF244321}">
-                <p14:modId xmlns:p14="http://schemas.microsoft.com/office/powerpoint/2010/main" val="1992573085"/>
-              </p:ext>
-            </p:extLst>
-          </p:nvPr>
-        </p:nvGraphicFramePr>
-        <p:xfrm>
-          <a:off x="1104900" y="1600200"/>
-          <a:ext cx="9982200" cy="4572000"/>
-        </p:xfrm>
-        <a:graphic>
-          <a:graphicData uri="http://schemas.openxmlformats.org/drawingml/2006/diagram">
-            <dgm:relIds xmlns:dgm="http://schemas.openxmlformats.org/drawingml/2006/diagram" xmlns:r="http://schemas.openxmlformats.org/officeDocument/2006/relationships" r:dm="rId2" r:lo="rId3" r:qs="rId4" r:cs="rId5"/>
-          </a:graphicData>
-        </a:graphic>
-      </p:graphicFrame>
+              <a:rPr lang="en-US" dirty="0"/>
+              <a:t>Analysis</a:t>
+            </a:r>
+          </a:p>
+        </p:txBody>
+      </p:sp>
+      <p:sp>
+        <p:nvSpPr>
+          <p:cNvPr id="8" name="TextBox 7">
+            <a:extLst>
+              <a:ext uri="{FF2B5EF4-FFF2-40B4-BE49-F238E27FC236}">
+                <a16:creationId xmlns:a16="http://schemas.microsoft.com/office/drawing/2014/main" id="{598D689D-C59E-4DF2-8E34-9FE93D27522B}"/>
+              </a:ext>
+            </a:extLst>
+          </p:cNvPr>
+          <p:cNvSpPr txBox="1"/>
+          <p:nvPr/>
+        </p:nvSpPr>
+        <p:spPr>
+          <a:xfrm>
+            <a:off x="1104900" y="1506172"/>
+            <a:ext cx="9980682" cy="700134"/>
+          </a:xfrm>
+          <a:prstGeom prst="rect">
+            <a:avLst/>
+          </a:prstGeom>
+        </p:spPr>
+        <p:txBody>
+          <a:bodyPr vert="horz" lIns="0" tIns="45720" rIns="0" bIns="45720" rtlCol="0">
+            <a:normAutofit/>
+          </a:bodyPr>
+          <a:lstStyle/>
+          <a:p>
+            <a:pPr>
+              <a:lnSpc>
+                <a:spcPct val="90000"/>
+              </a:lnSpc>
+              <a:spcBef>
+                <a:spcPts val="1200"/>
+              </a:spcBef>
+            </a:pPr>
+            <a:r>
+              <a:rPr lang="en-US" kern="1200" dirty="0">
+                <a:latin typeface="+mn-lt"/>
+                <a:ea typeface="+mn-ea"/>
+                <a:cs typeface="+mn-cs"/>
+              </a:rPr>
+              <a:t>The same analysis with the countries of the OECD grouped by region indicates the data from the Latin American countries </a:t>
+            </a:r>
+            <a:r>
+              <a:rPr lang="en-US" dirty="0"/>
+              <a:t>are outliers. </a:t>
+            </a:r>
+            <a:endParaRPr lang="en-US" kern="1200" dirty="0">
+              <a:latin typeface="+mn-lt"/>
+              <a:ea typeface="+mn-ea"/>
+              <a:cs typeface="+mn-cs"/>
+            </a:endParaRPr>
+          </a:p>
+        </p:txBody>
+      </p:sp>
+      <p:pic>
+        <p:nvPicPr>
+          <p:cNvPr id="6" name="Picture 5" descr="Chart, scatter chart&#10;&#10;Description automatically generated">
+            <a:extLst>
+              <a:ext uri="{FF2B5EF4-FFF2-40B4-BE49-F238E27FC236}">
+                <a16:creationId xmlns:a16="http://schemas.microsoft.com/office/drawing/2014/main" id="{3F451B70-EA03-4042-801D-50AC4271B53C}"/>
+              </a:ext>
+            </a:extLst>
+          </p:cNvPr>
+          <p:cNvPicPr>
+            <a:picLocks noChangeAspect="1"/>
+          </p:cNvPicPr>
+          <p:nvPr/>
+        </p:nvPicPr>
+        <p:blipFill>
+          <a:blip r:embed="rId2">
+            <a:extLst>
+              <a:ext uri="{28A0092B-C50C-407E-A947-70E740481C1C}">
+                <a14:useLocalDpi xmlns:a14="http://schemas.microsoft.com/office/drawing/2010/main" val="0"/>
+              </a:ext>
+            </a:extLst>
+          </a:blip>
+          <a:stretch>
+            <a:fillRect/>
+          </a:stretch>
+        </p:blipFill>
+        <p:spPr>
+          <a:xfrm>
+            <a:off x="1633057" y="2014056"/>
+            <a:ext cx="8925886" cy="4462943"/>
+          </a:xfrm>
+          <a:prstGeom prst="rect">
+            <a:avLst/>
+          </a:prstGeom>
+        </p:spPr>
+      </p:pic>
     </p:spTree>
     <p:extLst>
       <p:ext uri="{BB962C8B-B14F-4D97-AF65-F5344CB8AC3E}">
-        <p14:creationId xmlns:p14="http://schemas.microsoft.com/office/powerpoint/2010/main" val="4224509479"/>
+        <p14:creationId xmlns:p14="http://schemas.microsoft.com/office/powerpoint/2010/main" val="3925350380"/>
       </p:ext>
     </p:extLst>
   </p:cSld>
   <p:clrMapOvr>
     <a:masterClrMapping/>
   </p:clrMapOvr>
-  <mc:AlternateContent xmlns:mc="http://schemas.openxmlformats.org/markup-compatibility/2006" xmlns:p14="http://schemas.microsoft.com/office/powerpoint/2010/main">
-    <mc:Choice Requires="p14">
+  <mc:AlternateContent xmlns:mc="http://schemas.openxmlformats.org/markup-compatibility/2006">
+    <mc:Choice xmlns:p14="http://schemas.microsoft.com/office/powerpoint/2010/main" Requires="p14">
       <p:transition spd="med" p14:dur="700">
         <p:fade/>
       </p:transition>
     </mc:Choice>
-    <mc:Fallback xmlns="">
+    <mc:Fallback>
       <p:transition spd="med">
         <p:fade/>
       </p:transition>
@@ -10316,82 +6119,140 @@
             <p:ph type="title"/>
           </p:nvPr>
         </p:nvSpPr>
-        <p:spPr/>
-        <p:txBody>
-          <a:bodyPr/>
+        <p:spPr>
+          <a:xfrm>
+            <a:off x="1104900" y="76200"/>
+            <a:ext cx="9980682" cy="1096962"/>
+          </a:xfrm>
+        </p:spPr>
+        <p:txBody>
+          <a:bodyPr vert="horz" lIns="0" tIns="45720" rIns="0" bIns="45720" rtlCol="0" anchor="b">
+            <a:normAutofit/>
+          </a:bodyPr>
           <a:lstStyle/>
           <a:p>
             <a:r>
               <a:rPr lang="en-US" dirty="0"/>
-              <a:t>Picture with Caption Layout</a:t>
-            </a:r>
-          </a:p>
-        </p:txBody>
-      </p:sp>
-      <p:sp>
-        <p:nvSpPr>
-          <p:cNvPr id="4" name="Text Placeholder 3"/>
-          <p:cNvSpPr>
-            <a:spLocks noGrp="1"/>
-          </p:cNvSpPr>
-          <p:nvPr>
-            <p:ph type="body" sz="half" idx="2"/>
-          </p:nvPr>
-        </p:nvSpPr>
-        <p:spPr/>
-        <p:txBody>
-          <a:bodyPr/>
+              <a:t>Analysis</a:t>
+            </a:r>
+          </a:p>
+        </p:txBody>
+      </p:sp>
+      <p:sp>
+        <p:nvSpPr>
+          <p:cNvPr id="8" name="TextBox 7">
+            <a:extLst>
+              <a:ext uri="{FF2B5EF4-FFF2-40B4-BE49-F238E27FC236}">
+                <a16:creationId xmlns:a16="http://schemas.microsoft.com/office/drawing/2014/main" id="{598D689D-C59E-4DF2-8E34-9FE93D27522B}"/>
+              </a:ext>
+            </a:extLst>
+          </p:cNvPr>
+          <p:cNvSpPr txBox="1"/>
+          <p:nvPr/>
+        </p:nvSpPr>
+        <p:spPr>
+          <a:xfrm>
+            <a:off x="1104900" y="1506172"/>
+            <a:ext cx="9980682" cy="700134"/>
+          </a:xfrm>
+          <a:prstGeom prst="rect">
+            <a:avLst/>
+          </a:prstGeom>
+        </p:spPr>
+        <p:txBody>
+          <a:bodyPr vert="horz" lIns="0" tIns="45720" rIns="0" bIns="45720" rtlCol="0">
+            <a:normAutofit/>
+          </a:bodyPr>
           <a:lstStyle/>
           <a:p>
-            <a:r>
-              <a:rPr lang="en-US" dirty="0"/>
-              <a:t>Caption</a:t>
+            <a:pPr>
+              <a:lnSpc>
+                <a:spcPct val="90000"/>
+              </a:lnSpc>
+              <a:spcBef>
+                <a:spcPts val="1200"/>
+              </a:spcBef>
+            </a:pPr>
+            <a:r>
+              <a:rPr lang="en-US" kern="1200" dirty="0">
+                <a:latin typeface="+mn-lt"/>
+                <a:ea typeface="+mn-ea"/>
+                <a:cs typeface="+mn-cs"/>
+              </a:rPr>
+              <a:t>When the Latin American countries are removed from the analysis the correlation is stronger. The “</a:t>
+            </a:r>
+            <a:r>
+              <a:rPr lang="en-US" kern="1200" dirty="0" err="1">
+                <a:latin typeface="+mn-lt"/>
+                <a:ea typeface="+mn-ea"/>
+                <a:cs typeface="+mn-cs"/>
+              </a:rPr>
+              <a:t>r-value</a:t>
+            </a:r>
+            <a:r>
+              <a:rPr lang="en-US" kern="1200" dirty="0">
+                <a:latin typeface="+mn-lt"/>
+                <a:ea typeface="+mn-ea"/>
+                <a:cs typeface="+mn-cs"/>
+              </a:rPr>
+              <a:t>” increases to -0.52.</a:t>
             </a:r>
           </a:p>
         </p:txBody>
       </p:sp>
       <p:pic>
         <p:nvPicPr>
-          <p:cNvPr id="5" name="Picture Placeholder 4" descr="Close-up of books on shelves with more books blurred in foreground and background"/>
+          <p:cNvPr id="4" name="Picture 3" descr="Chart, scatter chart&#10;&#10;Description automatically generated">
+            <a:extLst>
+              <a:ext uri="{FF2B5EF4-FFF2-40B4-BE49-F238E27FC236}">
+                <a16:creationId xmlns:a16="http://schemas.microsoft.com/office/drawing/2014/main" id="{B9FAB5E2-D084-4C7A-B52E-37D3B9CEC59F}"/>
+              </a:ext>
+            </a:extLst>
+          </p:cNvPr>
           <p:cNvPicPr>
-            <a:picLocks noGrp="1" noChangeAspect="1"/>
+            <a:picLocks noChangeAspect="1"/>
           </p:cNvPicPr>
-          <p:nvPr>
-            <p:ph type="pic" idx="1"/>
-          </p:nvPr>
+          <p:nvPr/>
         </p:nvPicPr>
         <p:blipFill>
-          <a:blip r:embed="rId2" cstate="print">
+          <a:blip r:embed="rId2">
             <a:extLst>
               <a:ext uri="{28A0092B-C50C-407E-A947-70E740481C1C}">
                 <a14:useLocalDpi xmlns:a14="http://schemas.microsoft.com/office/drawing/2010/main" val="0"/>
               </a:ext>
             </a:extLst>
           </a:blip>
-          <a:srcRect l="3155" r="3155"/>
           <a:stretch>
             <a:fillRect/>
           </a:stretch>
         </p:blipFill>
-        <p:spPr/>
+        <p:spPr>
+          <a:xfrm>
+            <a:off x="0" y="1905000"/>
+            <a:ext cx="12192000" cy="4876800"/>
+          </a:xfrm>
+          <a:prstGeom prst="rect">
+            <a:avLst/>
+          </a:prstGeom>
+        </p:spPr>
       </p:pic>
     </p:spTree>
     <p:extLst>
       <p:ext uri="{BB962C8B-B14F-4D97-AF65-F5344CB8AC3E}">
-        <p14:creationId xmlns:p14="http://schemas.microsoft.com/office/powerpoint/2010/main" val="3683544629"/>
+        <p14:creationId xmlns:p14="http://schemas.microsoft.com/office/powerpoint/2010/main" val="1696449683"/>
       </p:ext>
     </p:extLst>
   </p:cSld>
   <p:clrMapOvr>
     <a:masterClrMapping/>
   </p:clrMapOvr>
-  <mc:AlternateContent xmlns:mc="http://schemas.openxmlformats.org/markup-compatibility/2006" xmlns:p14="http://schemas.microsoft.com/office/powerpoint/2010/main">
-    <mc:Choice Requires="p14">
+  <mc:AlternateContent xmlns:mc="http://schemas.openxmlformats.org/markup-compatibility/2006">
+    <mc:Choice xmlns:p14="http://schemas.microsoft.com/office/powerpoint/2010/main" Requires="p14">
       <p:transition spd="med" p14:dur="700">
         <p:fade/>
       </p:transition>
     </mc:Choice>
-    <mc:Fallback xmlns="">
+    <mc:Fallback>
       <p:transition spd="med">
         <p:fade/>
       </p:transition>
@@ -10424,57 +6285,127 @@
             <a:spLocks noGrp="1"/>
           </p:cNvSpPr>
           <p:nvPr>
-            <p:ph type="ctrTitle"/>
-          </p:nvPr>
-        </p:nvSpPr>
-        <p:spPr/>
-        <p:txBody>
-          <a:bodyPr/>
+            <p:ph type="title"/>
+          </p:nvPr>
+        </p:nvSpPr>
+        <p:spPr>
+          <a:xfrm>
+            <a:off x="1104900" y="76200"/>
+            <a:ext cx="9980682" cy="1096962"/>
+          </a:xfrm>
+        </p:spPr>
+        <p:txBody>
+          <a:bodyPr vert="horz" lIns="0" tIns="45720" rIns="0" bIns="45720" rtlCol="0" anchor="b">
+            <a:normAutofit/>
+          </a:bodyPr>
           <a:lstStyle/>
           <a:p>
             <a:r>
               <a:rPr lang="en-US" dirty="0"/>
-              <a:t>Add a Slide Title - 1</a:t>
-            </a:r>
-          </a:p>
-        </p:txBody>
-      </p:sp>
-      <p:sp>
-        <p:nvSpPr>
-          <p:cNvPr id="3" name="Subtitle 2"/>
-          <p:cNvSpPr>
-            <a:spLocks noGrp="1"/>
-          </p:cNvSpPr>
-          <p:nvPr>
-            <p:ph type="subTitle" idx="1"/>
-          </p:nvPr>
-        </p:nvSpPr>
-        <p:spPr/>
-        <p:txBody>
-          <a:bodyPr/>
+              <a:t>Analysis</a:t>
+            </a:r>
+          </a:p>
+        </p:txBody>
+      </p:sp>
+      <p:sp>
+        <p:nvSpPr>
+          <p:cNvPr id="8" name="TextBox 7">
+            <a:extLst>
+              <a:ext uri="{FF2B5EF4-FFF2-40B4-BE49-F238E27FC236}">
+                <a16:creationId xmlns:a16="http://schemas.microsoft.com/office/drawing/2014/main" id="{598D689D-C59E-4DF2-8E34-9FE93D27522B}"/>
+              </a:ext>
+            </a:extLst>
+          </p:cNvPr>
+          <p:cNvSpPr txBox="1"/>
+          <p:nvPr/>
+        </p:nvSpPr>
+        <p:spPr>
+          <a:xfrm>
+            <a:off x="1104900" y="1362269"/>
+            <a:ext cx="9980682" cy="844037"/>
+          </a:xfrm>
+          <a:prstGeom prst="rect">
+            <a:avLst/>
+          </a:prstGeom>
+        </p:spPr>
+        <p:txBody>
+          <a:bodyPr vert="horz" lIns="0" tIns="45720" rIns="0" bIns="45720" rtlCol="0">
+            <a:normAutofit/>
+          </a:bodyPr>
           <a:lstStyle/>
           <a:p>
-            <a:endParaRPr lang="en-US"/>
-          </a:p>
-        </p:txBody>
-      </p:sp>
+            <a:pPr>
+              <a:lnSpc>
+                <a:spcPct val="90000"/>
+              </a:lnSpc>
+              <a:spcBef>
+                <a:spcPts val="1200"/>
+              </a:spcBef>
+            </a:pPr>
+            <a:r>
+              <a:rPr lang="en-US" kern="1200" dirty="0">
+                <a:latin typeface="+mn-lt"/>
+                <a:ea typeface="+mn-ea"/>
+                <a:cs typeface="+mn-cs"/>
+              </a:rPr>
+              <a:t>An analysis by region indicates the correlation is strongest in the United States and Eastern Europe and weakest in Latin America and the “Western” countries (i.e., Western Europe, Israel, Australia, New Zealand, and Canada, but excluding the Scandinavian countries).</a:t>
+            </a:r>
+          </a:p>
+        </p:txBody>
+      </p:sp>
+      <p:pic>
+        <p:nvPicPr>
+          <p:cNvPr id="5" name="Picture 4" descr="A picture containing text, shoji, crossword puzzle, station&#10;&#10;Description automatically generated">
+            <a:extLst>
+              <a:ext uri="{FF2B5EF4-FFF2-40B4-BE49-F238E27FC236}">
+                <a16:creationId xmlns:a16="http://schemas.microsoft.com/office/drawing/2014/main" id="{886545F4-75C4-4794-AB3B-484F6D60DEAB}"/>
+              </a:ext>
+            </a:extLst>
+          </p:cNvPr>
+          <p:cNvPicPr>
+            <a:picLocks noChangeAspect="1"/>
+          </p:cNvPicPr>
+          <p:nvPr/>
+        </p:nvPicPr>
+        <p:blipFill>
+          <a:blip r:embed="rId2">
+            <a:extLst>
+              <a:ext uri="{28A0092B-C50C-407E-A947-70E740481C1C}">
+                <a14:useLocalDpi xmlns:a14="http://schemas.microsoft.com/office/drawing/2010/main" val="0"/>
+              </a:ext>
+            </a:extLst>
+          </a:blip>
+          <a:stretch>
+            <a:fillRect/>
+          </a:stretch>
+        </p:blipFill>
+        <p:spPr>
+          <a:xfrm>
+            <a:off x="0" y="1996751"/>
+            <a:ext cx="12192000" cy="4785049"/>
+          </a:xfrm>
+          <a:prstGeom prst="rect">
+            <a:avLst/>
+          </a:prstGeom>
+        </p:spPr>
+      </p:pic>
     </p:spTree>
     <p:extLst>
       <p:ext uri="{BB962C8B-B14F-4D97-AF65-F5344CB8AC3E}">
-        <p14:creationId xmlns:p14="http://schemas.microsoft.com/office/powerpoint/2010/main" val="1315647518"/>
+        <p14:creationId xmlns:p14="http://schemas.microsoft.com/office/powerpoint/2010/main" val="1702023988"/>
       </p:ext>
     </p:extLst>
   </p:cSld>
   <p:clrMapOvr>
     <a:masterClrMapping/>
   </p:clrMapOvr>
-  <mc:AlternateContent xmlns:mc="http://schemas.openxmlformats.org/markup-compatibility/2006" xmlns:p14="http://schemas.microsoft.com/office/powerpoint/2010/main">
-    <mc:Choice Requires="p14">
+  <mc:AlternateContent xmlns:mc="http://schemas.openxmlformats.org/markup-compatibility/2006">
+    <mc:Choice xmlns:p14="http://schemas.microsoft.com/office/powerpoint/2010/main" Requires="p14">
       <p:transition spd="med" p14:dur="700">
         <p:fade/>
       </p:transition>
     </mc:Choice>
-    <mc:Fallback xmlns="">
+    <mc:Fallback>
       <p:transition spd="med">
         <p:fade/>
       </p:transition>
@@ -10510,54 +6441,88 @@
             <p:ph type="title"/>
           </p:nvPr>
         </p:nvSpPr>
-        <p:spPr/>
-        <p:txBody>
-          <a:bodyPr/>
+        <p:spPr>
+          <a:xfrm>
+            <a:off x="1104900" y="76200"/>
+            <a:ext cx="9980682" cy="1096962"/>
+          </a:xfrm>
+        </p:spPr>
+        <p:txBody>
+          <a:bodyPr vert="horz" lIns="0" tIns="45720" rIns="0" bIns="45720" rtlCol="0" anchor="b">
+            <a:normAutofit/>
+          </a:bodyPr>
           <a:lstStyle/>
           <a:p>
             <a:r>
               <a:rPr lang="en-US" dirty="0"/>
-              <a:t>Add a Slide Title - 2</a:t>
-            </a:r>
-          </a:p>
-        </p:txBody>
-      </p:sp>
-      <p:sp>
-        <p:nvSpPr>
-          <p:cNvPr id="3" name="Text Placeholder 2"/>
-          <p:cNvSpPr>
-            <a:spLocks noGrp="1"/>
-          </p:cNvSpPr>
-          <p:nvPr>
-            <p:ph type="body" idx="1"/>
-          </p:nvPr>
-        </p:nvSpPr>
-        <p:spPr/>
-        <p:txBody>
-          <a:bodyPr/>
+              <a:t>Analysis</a:t>
+            </a:r>
+          </a:p>
+        </p:txBody>
+      </p:sp>
+      <p:sp>
+        <p:nvSpPr>
+          <p:cNvPr id="8" name="TextBox 7">
+            <a:extLst>
+              <a:ext uri="{FF2B5EF4-FFF2-40B4-BE49-F238E27FC236}">
+                <a16:creationId xmlns:a16="http://schemas.microsoft.com/office/drawing/2014/main" id="{598D689D-C59E-4DF2-8E34-9FE93D27522B}"/>
+              </a:ext>
+            </a:extLst>
+          </p:cNvPr>
+          <p:cNvSpPr txBox="1"/>
+          <p:nvPr/>
+        </p:nvSpPr>
+        <p:spPr>
+          <a:xfrm>
+            <a:off x="1104900" y="1362269"/>
+            <a:ext cx="9980682" cy="844037"/>
+          </a:xfrm>
+          <a:prstGeom prst="rect">
+            <a:avLst/>
+          </a:prstGeom>
+        </p:spPr>
+        <p:txBody>
+          <a:bodyPr vert="horz" lIns="0" tIns="45720" rIns="0" bIns="45720" rtlCol="0">
+            <a:normAutofit/>
+          </a:bodyPr>
           <a:lstStyle/>
           <a:p>
-            <a:endParaRPr lang="en-US"/>
+            <a:pPr>
+              <a:lnSpc>
+                <a:spcPct val="90000"/>
+              </a:lnSpc>
+              <a:spcBef>
+                <a:spcPts val="1200"/>
+              </a:spcBef>
+            </a:pPr>
+            <a:r>
+              <a:rPr lang="en-US" kern="1200" dirty="0">
+                <a:latin typeface="+mn-lt"/>
+                <a:ea typeface="+mn-ea"/>
+                <a:cs typeface="+mn-cs"/>
+              </a:rPr>
+              <a:t>An analysis by region indicates the correlation is strongest in the United States and Eastern Europe and weakest in Latin America and the “Western” countries (i.e., Western Europe, Israel, Australia, New Zealand, and Canada, but excluding the Scandinavian countries).</a:t>
+            </a:r>
           </a:p>
         </p:txBody>
       </p:sp>
     </p:spTree>
     <p:extLst>
       <p:ext uri="{BB962C8B-B14F-4D97-AF65-F5344CB8AC3E}">
-        <p14:creationId xmlns:p14="http://schemas.microsoft.com/office/powerpoint/2010/main" val="132884364"/>
+        <p14:creationId xmlns:p14="http://schemas.microsoft.com/office/powerpoint/2010/main" val="3882789794"/>
       </p:ext>
     </p:extLst>
   </p:cSld>
   <p:clrMapOvr>
     <a:masterClrMapping/>
   </p:clrMapOvr>
-  <mc:AlternateContent xmlns:mc="http://schemas.openxmlformats.org/markup-compatibility/2006" xmlns:p14="http://schemas.microsoft.com/office/powerpoint/2010/main">
-    <mc:Choice Requires="p14">
+  <mc:AlternateContent xmlns:mc="http://schemas.openxmlformats.org/markup-compatibility/2006">
+    <mc:Choice xmlns:p14="http://schemas.microsoft.com/office/powerpoint/2010/main" Requires="p14">
       <p:transition spd="med" p14:dur="700">
         <p:fade/>
       </p:transition>
     </mc:Choice>
-    <mc:Fallback xmlns="">
+    <mc:Fallback>
       <p:transition spd="med">
         <p:fade/>
       </p:transition>
@@ -10600,19 +6565,19 @@
           <a:p>
             <a:r>
               <a:rPr lang="en-US" dirty="0"/>
-              <a:t>Add a Slide Title - 3</a:t>
-            </a:r>
-          </a:p>
-        </p:txBody>
-      </p:sp>
-      <p:sp>
-        <p:nvSpPr>
-          <p:cNvPr id="3" name="Text Placeholder 2"/>
-          <p:cNvSpPr>
-            <a:spLocks noGrp="1"/>
-          </p:cNvSpPr>
-          <p:nvPr>
-            <p:ph type="body" idx="1"/>
+              <a:t>Picture with Caption Layout</a:t>
+            </a:r>
+          </a:p>
+        </p:txBody>
+      </p:sp>
+      <p:sp>
+        <p:nvSpPr>
+          <p:cNvPr id="4" name="Text Placeholder 3"/>
+          <p:cNvSpPr>
+            <a:spLocks noGrp="1"/>
+          </p:cNvSpPr>
+          <p:nvPr>
+            <p:ph type="body" sz="half" idx="2"/>
           </p:nvPr>
         </p:nvSpPr>
         <p:spPr/>
@@ -10620,71 +6585,42 @@
           <a:bodyPr/>
           <a:lstStyle/>
           <a:p>
-            <a:endParaRPr lang="en-US"/>
-          </a:p>
-        </p:txBody>
-      </p:sp>
-      <p:sp>
-        <p:nvSpPr>
-          <p:cNvPr id="4" name="Content Placeholder 3"/>
-          <p:cNvSpPr>
-            <a:spLocks noGrp="1"/>
-          </p:cNvSpPr>
-          <p:nvPr>
-            <p:ph sz="half" idx="2"/>
-          </p:nvPr>
-        </p:nvSpPr>
+            <a:r>
+              <a:rPr lang="en-US" dirty="0"/>
+              <a:t>Caption</a:t>
+            </a:r>
+          </a:p>
+        </p:txBody>
+      </p:sp>
+      <p:pic>
+        <p:nvPicPr>
+          <p:cNvPr id="5" name="Picture Placeholder 4" descr="Close-up of books on shelves with more books blurred in foreground and background"/>
+          <p:cNvPicPr>
+            <a:picLocks noGrp="1" noChangeAspect="1"/>
+          </p:cNvPicPr>
+          <p:nvPr>
+            <p:ph type="pic" idx="1"/>
+          </p:nvPr>
+        </p:nvPicPr>
+        <p:blipFill>
+          <a:blip r:embed="rId2" cstate="print">
+            <a:extLst>
+              <a:ext uri="{28A0092B-C50C-407E-A947-70E740481C1C}">
+                <a14:useLocalDpi xmlns:a14="http://schemas.microsoft.com/office/drawing/2010/main" val="0"/>
+              </a:ext>
+            </a:extLst>
+          </a:blip>
+          <a:srcRect l="3155" r="3155"/>
+          <a:stretch>
+            <a:fillRect/>
+          </a:stretch>
+        </p:blipFill>
         <p:spPr/>
-        <p:txBody>
-          <a:bodyPr/>
-          <a:lstStyle/>
-          <a:p>
-            <a:endParaRPr lang="en-US"/>
-          </a:p>
-        </p:txBody>
-      </p:sp>
-      <p:sp>
-        <p:nvSpPr>
-          <p:cNvPr id="5" name="Text Placeholder 4"/>
-          <p:cNvSpPr>
-            <a:spLocks noGrp="1"/>
-          </p:cNvSpPr>
-          <p:nvPr>
-            <p:ph type="body" sz="quarter" idx="3"/>
-          </p:nvPr>
-        </p:nvSpPr>
-        <p:spPr/>
-        <p:txBody>
-          <a:bodyPr/>
-          <a:lstStyle/>
-          <a:p>
-            <a:endParaRPr lang="en-US"/>
-          </a:p>
-        </p:txBody>
-      </p:sp>
-      <p:sp>
-        <p:nvSpPr>
-          <p:cNvPr id="6" name="Content Placeholder 5"/>
-          <p:cNvSpPr>
-            <a:spLocks noGrp="1"/>
-          </p:cNvSpPr>
-          <p:nvPr>
-            <p:ph sz="quarter" idx="4"/>
-          </p:nvPr>
-        </p:nvSpPr>
-        <p:spPr/>
-        <p:txBody>
-          <a:bodyPr/>
-          <a:lstStyle/>
-          <a:p>
-            <a:endParaRPr lang="en-US"/>
-          </a:p>
-        </p:txBody>
-      </p:sp>
+      </p:pic>
     </p:spTree>
     <p:extLst>
       <p:ext uri="{BB962C8B-B14F-4D97-AF65-F5344CB8AC3E}">
-        <p14:creationId xmlns:p14="http://schemas.microsoft.com/office/powerpoint/2010/main" val="2224495804"/>
+        <p14:creationId xmlns:p14="http://schemas.microsoft.com/office/powerpoint/2010/main" val="3683544629"/>
       </p:ext>
     </p:extLst>
   </p:cSld>
@@ -11454,12 +7390,129 @@
 </file>
 
 <file path=customXml/item1.xml><?xml version="1.0" encoding="utf-8"?>
-<?mso-contentType ?>
-<FormTemplates xmlns="http://schemas.microsoft.com/sharepoint/v3/contenttype/forms">
-  <Display>DocumentLibraryForm</Display>
-  <Edit>AssetEditForm</Edit>
-  <New>DocumentLibraryForm</New>
-</FormTemplates>
+<p:properties xmlns:p="http://schemas.microsoft.com/office/2006/metadata/properties" xmlns:xsi="http://www.w3.org/2001/XMLSchema-instance" xmlns:pc="http://schemas.microsoft.com/office/infopath/2007/PartnerControls">
+  <documentManagement>
+    <APDescription xmlns="4873beb7-5857-4685-be1f-d57550cc96cc" xsi:nil="true"/>
+    <AssetExpire xmlns="4873beb7-5857-4685-be1f-d57550cc96cc">2029-01-01T08:00:00+00:00</AssetExpire>
+    <CampaignTagsTaxHTField0 xmlns="4873beb7-5857-4685-be1f-d57550cc96cc">
+      <Terms xmlns="http://schemas.microsoft.com/office/infopath/2007/PartnerControls"/>
+    </CampaignTagsTaxHTField0>
+    <IntlLangReviewDate xmlns="4873beb7-5857-4685-be1f-d57550cc96cc" xsi:nil="true"/>
+    <TPFriendlyName xmlns="4873beb7-5857-4685-be1f-d57550cc96cc" xsi:nil="true"/>
+    <IntlLangReview xmlns="4873beb7-5857-4685-be1f-d57550cc96cc">false</IntlLangReview>
+    <LocLastLocAttemptVersionLookup xmlns="4873beb7-5857-4685-be1f-d57550cc96cc">855024</LocLastLocAttemptVersionLookup>
+    <PolicheckWords xmlns="4873beb7-5857-4685-be1f-d57550cc96cc" xsi:nil="true"/>
+    <SubmitterId xmlns="4873beb7-5857-4685-be1f-d57550cc96cc" xsi:nil="true"/>
+    <AcquiredFrom xmlns="4873beb7-5857-4685-be1f-d57550cc96cc">Internal MS</AcquiredFrom>
+    <EditorialStatus xmlns="4873beb7-5857-4685-be1f-d57550cc96cc">Complete</EditorialStatus>
+    <Markets xmlns="4873beb7-5857-4685-be1f-d57550cc96cc"/>
+    <OriginAsset xmlns="4873beb7-5857-4685-be1f-d57550cc96cc" xsi:nil="true"/>
+    <AssetStart xmlns="4873beb7-5857-4685-be1f-d57550cc96cc">2012-08-31T08:50:00+00:00</AssetStart>
+    <FriendlyTitle xmlns="4873beb7-5857-4685-be1f-d57550cc96cc" xsi:nil="true"/>
+    <MarketSpecific xmlns="4873beb7-5857-4685-be1f-d57550cc96cc">false</MarketSpecific>
+    <TPNamespace xmlns="4873beb7-5857-4685-be1f-d57550cc96cc" xsi:nil="true"/>
+    <PublishStatusLookup xmlns="4873beb7-5857-4685-be1f-d57550cc96cc">
+      <Value>1616423</Value>
+    </PublishStatusLookup>
+    <APAuthor xmlns="4873beb7-5857-4685-be1f-d57550cc96cc">
+      <UserInfo>
+        <DisplayName>REDMOND\kristaa</DisplayName>
+        <AccountId>136</AccountId>
+        <AccountType/>
+      </UserInfo>
+    </APAuthor>
+    <TPCommandLine xmlns="4873beb7-5857-4685-be1f-d57550cc96cc" xsi:nil="true"/>
+    <IntlLangReviewer xmlns="4873beb7-5857-4685-be1f-d57550cc96cc" xsi:nil="true"/>
+    <OpenTemplate xmlns="4873beb7-5857-4685-be1f-d57550cc96cc">true</OpenTemplate>
+    <CSXSubmissionDate xmlns="4873beb7-5857-4685-be1f-d57550cc96cc" xsi:nil="true"/>
+    <TaxCatchAll xmlns="4873beb7-5857-4685-be1f-d57550cc96cc"/>
+    <Manager xmlns="4873beb7-5857-4685-be1f-d57550cc96cc" xsi:nil="true"/>
+    <NumericId xmlns="4873beb7-5857-4685-be1f-d57550cc96cc" xsi:nil="true"/>
+    <ParentAssetId xmlns="4873beb7-5857-4685-be1f-d57550cc96cc" xsi:nil="true"/>
+    <OriginalSourceMarket xmlns="4873beb7-5857-4685-be1f-d57550cc96cc" xsi:nil="true"/>
+    <ApprovalStatus xmlns="4873beb7-5857-4685-be1f-d57550cc96cc">InProgress</ApprovalStatus>
+    <TPComponent xmlns="4873beb7-5857-4685-be1f-d57550cc96cc" xsi:nil="true"/>
+    <EditorialTags xmlns="4873beb7-5857-4685-be1f-d57550cc96cc" xsi:nil="true"/>
+    <TPExecutable xmlns="4873beb7-5857-4685-be1f-d57550cc96cc" xsi:nil="true"/>
+    <TPLaunchHelpLink xmlns="4873beb7-5857-4685-be1f-d57550cc96cc" xsi:nil="true"/>
+    <LocComments xmlns="4873beb7-5857-4685-be1f-d57550cc96cc" xsi:nil="true"/>
+    <LocRecommendedHandoff xmlns="4873beb7-5857-4685-be1f-d57550cc96cc" xsi:nil="true"/>
+    <SourceTitle xmlns="4873beb7-5857-4685-be1f-d57550cc96cc" xsi:nil="true"/>
+    <CSXUpdate xmlns="4873beb7-5857-4685-be1f-d57550cc96cc">false</CSXUpdate>
+    <IntlLocPriority xmlns="4873beb7-5857-4685-be1f-d57550cc96cc" xsi:nil="true"/>
+    <UAProjectedTotalWords xmlns="4873beb7-5857-4685-be1f-d57550cc96cc" xsi:nil="true"/>
+    <AssetType xmlns="4873beb7-5857-4685-be1f-d57550cc96cc">TP</AssetType>
+    <MachineTranslated xmlns="4873beb7-5857-4685-be1f-d57550cc96cc">false</MachineTranslated>
+    <OutputCachingOn xmlns="4873beb7-5857-4685-be1f-d57550cc96cc">false</OutputCachingOn>
+    <TemplateStatus xmlns="4873beb7-5857-4685-be1f-d57550cc96cc">Complete</TemplateStatus>
+    <IsSearchable xmlns="4873beb7-5857-4685-be1f-d57550cc96cc">true</IsSearchable>
+    <ContentItem xmlns="4873beb7-5857-4685-be1f-d57550cc96cc" xsi:nil="true"/>
+    <HandoffToMSDN xmlns="4873beb7-5857-4685-be1f-d57550cc96cc" xsi:nil="true"/>
+    <ShowIn xmlns="4873beb7-5857-4685-be1f-d57550cc96cc">Show everywhere</ShowIn>
+    <ThumbnailAssetId xmlns="4873beb7-5857-4685-be1f-d57550cc96cc" xsi:nil="true"/>
+    <UALocComments xmlns="4873beb7-5857-4685-be1f-d57550cc96cc" xsi:nil="true"/>
+    <UALocRecommendation xmlns="4873beb7-5857-4685-be1f-d57550cc96cc">Localize</UALocRecommendation>
+    <LastModifiedDateTime xmlns="4873beb7-5857-4685-be1f-d57550cc96cc" xsi:nil="true"/>
+    <LegacyData xmlns="4873beb7-5857-4685-be1f-d57550cc96cc" xsi:nil="true"/>
+    <LocManualTestRequired xmlns="4873beb7-5857-4685-be1f-d57550cc96cc">false</LocManualTestRequired>
+    <LocMarketGroupTiers2 xmlns="4873beb7-5857-4685-be1f-d57550cc96cc" xsi:nil="true"/>
+    <ClipArtFilename xmlns="4873beb7-5857-4685-be1f-d57550cc96cc" xsi:nil="true"/>
+    <TPApplication xmlns="4873beb7-5857-4685-be1f-d57550cc96cc" xsi:nil="true"/>
+    <CSXHash xmlns="4873beb7-5857-4685-be1f-d57550cc96cc" xsi:nil="true"/>
+    <DirectSourceMarket xmlns="4873beb7-5857-4685-be1f-d57550cc96cc" xsi:nil="true"/>
+    <PrimaryImageGen xmlns="4873beb7-5857-4685-be1f-d57550cc96cc">true</PrimaryImageGen>
+    <PlannedPubDate xmlns="4873beb7-5857-4685-be1f-d57550cc96cc" xsi:nil="true"/>
+    <CSXSubmissionMarket xmlns="4873beb7-5857-4685-be1f-d57550cc96cc" xsi:nil="true"/>
+    <Downloads xmlns="4873beb7-5857-4685-be1f-d57550cc96cc">0</Downloads>
+    <ArtSampleDocs xmlns="4873beb7-5857-4685-be1f-d57550cc96cc" xsi:nil="true"/>
+    <TrustLevel xmlns="4873beb7-5857-4685-be1f-d57550cc96cc">1 Microsoft Managed Content</TrustLevel>
+    <BlockPublish xmlns="4873beb7-5857-4685-be1f-d57550cc96cc">false</BlockPublish>
+    <TPLaunchHelpLinkType xmlns="4873beb7-5857-4685-be1f-d57550cc96cc">Template</TPLaunchHelpLinkType>
+    <LocalizationTagsTaxHTField0 xmlns="4873beb7-5857-4685-be1f-d57550cc96cc">
+      <Terms xmlns="http://schemas.microsoft.com/office/infopath/2007/PartnerControls"/>
+    </LocalizationTagsTaxHTField0>
+    <BusinessGroup xmlns="4873beb7-5857-4685-be1f-d57550cc96cc" xsi:nil="true"/>
+    <Providers xmlns="4873beb7-5857-4685-be1f-d57550cc96cc" xsi:nil="true"/>
+    <TemplateTemplateType xmlns="4873beb7-5857-4685-be1f-d57550cc96cc">PowerPoint Presentation Template</TemplateTemplateType>
+    <TimesCloned xmlns="4873beb7-5857-4685-be1f-d57550cc96cc" xsi:nil="true"/>
+    <TPAppVersion xmlns="4873beb7-5857-4685-be1f-d57550cc96cc" xsi:nil="true"/>
+    <VoteCount xmlns="4873beb7-5857-4685-be1f-d57550cc96cc" xsi:nil="true"/>
+    <AverageRating xmlns="4873beb7-5857-4685-be1f-d57550cc96cc" xsi:nil="true"/>
+    <FeatureTagsTaxHTField0 xmlns="4873beb7-5857-4685-be1f-d57550cc96cc">
+      <Terms xmlns="http://schemas.microsoft.com/office/infopath/2007/PartnerControls"/>
+    </FeatureTagsTaxHTField0>
+    <Provider xmlns="4873beb7-5857-4685-be1f-d57550cc96cc" xsi:nil="true"/>
+    <UACurrentWords xmlns="4873beb7-5857-4685-be1f-d57550cc96cc" xsi:nil="true"/>
+    <AssetId xmlns="4873beb7-5857-4685-be1f-d57550cc96cc">TP103431361</AssetId>
+    <TPClientViewer xmlns="4873beb7-5857-4685-be1f-d57550cc96cc" xsi:nil="true"/>
+    <DSATActionTaken xmlns="4873beb7-5857-4685-be1f-d57550cc96cc" xsi:nil="true"/>
+    <APEditor xmlns="4873beb7-5857-4685-be1f-d57550cc96cc">
+      <UserInfo>
+        <DisplayName/>
+        <AccountId xsi:nil="true"/>
+        <AccountType/>
+      </UserInfo>
+    </APEditor>
+    <TPInstallLocation xmlns="4873beb7-5857-4685-be1f-d57550cc96cc" xsi:nil="true"/>
+    <OOCacheId xmlns="4873beb7-5857-4685-be1f-d57550cc96cc" xsi:nil="true"/>
+    <IsDeleted xmlns="4873beb7-5857-4685-be1f-d57550cc96cc">false</IsDeleted>
+    <PublishTargets xmlns="4873beb7-5857-4685-be1f-d57550cc96cc">OfficeOnlineVNext</PublishTargets>
+    <ApprovalLog xmlns="4873beb7-5857-4685-be1f-d57550cc96cc" xsi:nil="true"/>
+    <BugNumber xmlns="4873beb7-5857-4685-be1f-d57550cc96cc" xsi:nil="true"/>
+    <CrawlForDependencies xmlns="4873beb7-5857-4685-be1f-d57550cc96cc">false</CrawlForDependencies>
+    <InternalTagsTaxHTField0 xmlns="4873beb7-5857-4685-be1f-d57550cc96cc">
+      <Terms xmlns="http://schemas.microsoft.com/office/infopath/2007/PartnerControls"/>
+    </InternalTagsTaxHTField0>
+    <LastHandOff xmlns="4873beb7-5857-4685-be1f-d57550cc96cc" xsi:nil="true"/>
+    <Milestone xmlns="4873beb7-5857-4685-be1f-d57550cc96cc" xsi:nil="true"/>
+    <OriginalRelease xmlns="4873beb7-5857-4685-be1f-d57550cc96cc">15</OriginalRelease>
+    <RecommendationsModifier xmlns="4873beb7-5857-4685-be1f-d57550cc96cc" xsi:nil="true"/>
+    <ScenarioTagsTaxHTField0 xmlns="4873beb7-5857-4685-be1f-d57550cc96cc">
+      <Terms xmlns="http://schemas.microsoft.com/office/infopath/2007/PartnerControls"/>
+    </ScenarioTagsTaxHTField0>
+    <UANotes xmlns="4873beb7-5857-4685-be1f-d57550cc96cc" xsi:nil="true"/>
+  </documentManagement>
+</p:properties>
 </file>
 
 <file path=customXml/item2.xml><?xml version="1.0" encoding="utf-8"?>
@@ -12503,135 +8556,26 @@
 </file>
 
 <file path=customXml/item3.xml><?xml version="1.0" encoding="utf-8"?>
-<p:properties xmlns:p="http://schemas.microsoft.com/office/2006/metadata/properties" xmlns:xsi="http://www.w3.org/2001/XMLSchema-instance" xmlns:pc="http://schemas.microsoft.com/office/infopath/2007/PartnerControls">
-  <documentManagement>
-    <APDescription xmlns="4873beb7-5857-4685-be1f-d57550cc96cc" xsi:nil="true"/>
-    <AssetExpire xmlns="4873beb7-5857-4685-be1f-d57550cc96cc">2029-01-01T08:00:00+00:00</AssetExpire>
-    <CampaignTagsTaxHTField0 xmlns="4873beb7-5857-4685-be1f-d57550cc96cc">
-      <Terms xmlns="http://schemas.microsoft.com/office/infopath/2007/PartnerControls"/>
-    </CampaignTagsTaxHTField0>
-    <IntlLangReviewDate xmlns="4873beb7-5857-4685-be1f-d57550cc96cc" xsi:nil="true"/>
-    <TPFriendlyName xmlns="4873beb7-5857-4685-be1f-d57550cc96cc" xsi:nil="true"/>
-    <IntlLangReview xmlns="4873beb7-5857-4685-be1f-d57550cc96cc">false</IntlLangReview>
-    <LocLastLocAttemptVersionLookup xmlns="4873beb7-5857-4685-be1f-d57550cc96cc">855024</LocLastLocAttemptVersionLookup>
-    <PolicheckWords xmlns="4873beb7-5857-4685-be1f-d57550cc96cc" xsi:nil="true"/>
-    <SubmitterId xmlns="4873beb7-5857-4685-be1f-d57550cc96cc" xsi:nil="true"/>
-    <AcquiredFrom xmlns="4873beb7-5857-4685-be1f-d57550cc96cc">Internal MS</AcquiredFrom>
-    <EditorialStatus xmlns="4873beb7-5857-4685-be1f-d57550cc96cc">Complete</EditorialStatus>
-    <Markets xmlns="4873beb7-5857-4685-be1f-d57550cc96cc"/>
-    <OriginAsset xmlns="4873beb7-5857-4685-be1f-d57550cc96cc" xsi:nil="true"/>
-    <AssetStart xmlns="4873beb7-5857-4685-be1f-d57550cc96cc">2012-08-31T08:50:00+00:00</AssetStart>
-    <FriendlyTitle xmlns="4873beb7-5857-4685-be1f-d57550cc96cc" xsi:nil="true"/>
-    <MarketSpecific xmlns="4873beb7-5857-4685-be1f-d57550cc96cc">false</MarketSpecific>
-    <TPNamespace xmlns="4873beb7-5857-4685-be1f-d57550cc96cc" xsi:nil="true"/>
-    <PublishStatusLookup xmlns="4873beb7-5857-4685-be1f-d57550cc96cc">
-      <Value>1616423</Value>
-    </PublishStatusLookup>
-    <APAuthor xmlns="4873beb7-5857-4685-be1f-d57550cc96cc">
-      <UserInfo>
-        <DisplayName>REDMOND\kristaa</DisplayName>
-        <AccountId>136</AccountId>
-        <AccountType/>
-      </UserInfo>
-    </APAuthor>
-    <TPCommandLine xmlns="4873beb7-5857-4685-be1f-d57550cc96cc" xsi:nil="true"/>
-    <IntlLangReviewer xmlns="4873beb7-5857-4685-be1f-d57550cc96cc" xsi:nil="true"/>
-    <OpenTemplate xmlns="4873beb7-5857-4685-be1f-d57550cc96cc">true</OpenTemplate>
-    <CSXSubmissionDate xmlns="4873beb7-5857-4685-be1f-d57550cc96cc" xsi:nil="true"/>
-    <TaxCatchAll xmlns="4873beb7-5857-4685-be1f-d57550cc96cc"/>
-    <Manager xmlns="4873beb7-5857-4685-be1f-d57550cc96cc" xsi:nil="true"/>
-    <NumericId xmlns="4873beb7-5857-4685-be1f-d57550cc96cc" xsi:nil="true"/>
-    <ParentAssetId xmlns="4873beb7-5857-4685-be1f-d57550cc96cc" xsi:nil="true"/>
-    <OriginalSourceMarket xmlns="4873beb7-5857-4685-be1f-d57550cc96cc" xsi:nil="true"/>
-    <ApprovalStatus xmlns="4873beb7-5857-4685-be1f-d57550cc96cc">InProgress</ApprovalStatus>
-    <TPComponent xmlns="4873beb7-5857-4685-be1f-d57550cc96cc" xsi:nil="true"/>
-    <EditorialTags xmlns="4873beb7-5857-4685-be1f-d57550cc96cc" xsi:nil="true"/>
-    <TPExecutable xmlns="4873beb7-5857-4685-be1f-d57550cc96cc" xsi:nil="true"/>
-    <TPLaunchHelpLink xmlns="4873beb7-5857-4685-be1f-d57550cc96cc" xsi:nil="true"/>
-    <LocComments xmlns="4873beb7-5857-4685-be1f-d57550cc96cc" xsi:nil="true"/>
-    <LocRecommendedHandoff xmlns="4873beb7-5857-4685-be1f-d57550cc96cc" xsi:nil="true"/>
-    <SourceTitle xmlns="4873beb7-5857-4685-be1f-d57550cc96cc" xsi:nil="true"/>
-    <CSXUpdate xmlns="4873beb7-5857-4685-be1f-d57550cc96cc">false</CSXUpdate>
-    <IntlLocPriority xmlns="4873beb7-5857-4685-be1f-d57550cc96cc" xsi:nil="true"/>
-    <UAProjectedTotalWords xmlns="4873beb7-5857-4685-be1f-d57550cc96cc" xsi:nil="true"/>
-    <AssetType xmlns="4873beb7-5857-4685-be1f-d57550cc96cc">TP</AssetType>
-    <MachineTranslated xmlns="4873beb7-5857-4685-be1f-d57550cc96cc">false</MachineTranslated>
-    <OutputCachingOn xmlns="4873beb7-5857-4685-be1f-d57550cc96cc">false</OutputCachingOn>
-    <TemplateStatus xmlns="4873beb7-5857-4685-be1f-d57550cc96cc">Complete</TemplateStatus>
-    <IsSearchable xmlns="4873beb7-5857-4685-be1f-d57550cc96cc">true</IsSearchable>
-    <ContentItem xmlns="4873beb7-5857-4685-be1f-d57550cc96cc" xsi:nil="true"/>
-    <HandoffToMSDN xmlns="4873beb7-5857-4685-be1f-d57550cc96cc" xsi:nil="true"/>
-    <ShowIn xmlns="4873beb7-5857-4685-be1f-d57550cc96cc">Show everywhere</ShowIn>
-    <ThumbnailAssetId xmlns="4873beb7-5857-4685-be1f-d57550cc96cc" xsi:nil="true"/>
-    <UALocComments xmlns="4873beb7-5857-4685-be1f-d57550cc96cc" xsi:nil="true"/>
-    <UALocRecommendation xmlns="4873beb7-5857-4685-be1f-d57550cc96cc">Localize</UALocRecommendation>
-    <LastModifiedDateTime xmlns="4873beb7-5857-4685-be1f-d57550cc96cc" xsi:nil="true"/>
-    <LegacyData xmlns="4873beb7-5857-4685-be1f-d57550cc96cc" xsi:nil="true"/>
-    <LocManualTestRequired xmlns="4873beb7-5857-4685-be1f-d57550cc96cc">false</LocManualTestRequired>
-    <LocMarketGroupTiers2 xmlns="4873beb7-5857-4685-be1f-d57550cc96cc" xsi:nil="true"/>
-    <ClipArtFilename xmlns="4873beb7-5857-4685-be1f-d57550cc96cc" xsi:nil="true"/>
-    <TPApplication xmlns="4873beb7-5857-4685-be1f-d57550cc96cc" xsi:nil="true"/>
-    <CSXHash xmlns="4873beb7-5857-4685-be1f-d57550cc96cc" xsi:nil="true"/>
-    <DirectSourceMarket xmlns="4873beb7-5857-4685-be1f-d57550cc96cc" xsi:nil="true"/>
-    <PrimaryImageGen xmlns="4873beb7-5857-4685-be1f-d57550cc96cc">true</PrimaryImageGen>
-    <PlannedPubDate xmlns="4873beb7-5857-4685-be1f-d57550cc96cc" xsi:nil="true"/>
-    <CSXSubmissionMarket xmlns="4873beb7-5857-4685-be1f-d57550cc96cc" xsi:nil="true"/>
-    <Downloads xmlns="4873beb7-5857-4685-be1f-d57550cc96cc">0</Downloads>
-    <ArtSampleDocs xmlns="4873beb7-5857-4685-be1f-d57550cc96cc" xsi:nil="true"/>
-    <TrustLevel xmlns="4873beb7-5857-4685-be1f-d57550cc96cc">1 Microsoft Managed Content</TrustLevel>
-    <BlockPublish xmlns="4873beb7-5857-4685-be1f-d57550cc96cc">false</BlockPublish>
-    <TPLaunchHelpLinkType xmlns="4873beb7-5857-4685-be1f-d57550cc96cc">Template</TPLaunchHelpLinkType>
-    <LocalizationTagsTaxHTField0 xmlns="4873beb7-5857-4685-be1f-d57550cc96cc">
-      <Terms xmlns="http://schemas.microsoft.com/office/infopath/2007/PartnerControls"/>
-    </LocalizationTagsTaxHTField0>
-    <BusinessGroup xmlns="4873beb7-5857-4685-be1f-d57550cc96cc" xsi:nil="true"/>
-    <Providers xmlns="4873beb7-5857-4685-be1f-d57550cc96cc" xsi:nil="true"/>
-    <TemplateTemplateType xmlns="4873beb7-5857-4685-be1f-d57550cc96cc">PowerPoint Presentation Template</TemplateTemplateType>
-    <TimesCloned xmlns="4873beb7-5857-4685-be1f-d57550cc96cc" xsi:nil="true"/>
-    <TPAppVersion xmlns="4873beb7-5857-4685-be1f-d57550cc96cc" xsi:nil="true"/>
-    <VoteCount xmlns="4873beb7-5857-4685-be1f-d57550cc96cc" xsi:nil="true"/>
-    <AverageRating xmlns="4873beb7-5857-4685-be1f-d57550cc96cc" xsi:nil="true"/>
-    <FeatureTagsTaxHTField0 xmlns="4873beb7-5857-4685-be1f-d57550cc96cc">
-      <Terms xmlns="http://schemas.microsoft.com/office/infopath/2007/PartnerControls"/>
-    </FeatureTagsTaxHTField0>
-    <Provider xmlns="4873beb7-5857-4685-be1f-d57550cc96cc" xsi:nil="true"/>
-    <UACurrentWords xmlns="4873beb7-5857-4685-be1f-d57550cc96cc" xsi:nil="true"/>
-    <AssetId xmlns="4873beb7-5857-4685-be1f-d57550cc96cc">TP103431361</AssetId>
-    <TPClientViewer xmlns="4873beb7-5857-4685-be1f-d57550cc96cc" xsi:nil="true"/>
-    <DSATActionTaken xmlns="4873beb7-5857-4685-be1f-d57550cc96cc" xsi:nil="true"/>
-    <APEditor xmlns="4873beb7-5857-4685-be1f-d57550cc96cc">
-      <UserInfo>
-        <DisplayName/>
-        <AccountId xsi:nil="true"/>
-        <AccountType/>
-      </UserInfo>
-    </APEditor>
-    <TPInstallLocation xmlns="4873beb7-5857-4685-be1f-d57550cc96cc" xsi:nil="true"/>
-    <OOCacheId xmlns="4873beb7-5857-4685-be1f-d57550cc96cc" xsi:nil="true"/>
-    <IsDeleted xmlns="4873beb7-5857-4685-be1f-d57550cc96cc">false</IsDeleted>
-    <PublishTargets xmlns="4873beb7-5857-4685-be1f-d57550cc96cc">OfficeOnlineVNext</PublishTargets>
-    <ApprovalLog xmlns="4873beb7-5857-4685-be1f-d57550cc96cc" xsi:nil="true"/>
-    <BugNumber xmlns="4873beb7-5857-4685-be1f-d57550cc96cc" xsi:nil="true"/>
-    <CrawlForDependencies xmlns="4873beb7-5857-4685-be1f-d57550cc96cc">false</CrawlForDependencies>
-    <InternalTagsTaxHTField0 xmlns="4873beb7-5857-4685-be1f-d57550cc96cc">
-      <Terms xmlns="http://schemas.microsoft.com/office/infopath/2007/PartnerControls"/>
-    </InternalTagsTaxHTField0>
-    <LastHandOff xmlns="4873beb7-5857-4685-be1f-d57550cc96cc" xsi:nil="true"/>
-    <Milestone xmlns="4873beb7-5857-4685-be1f-d57550cc96cc" xsi:nil="true"/>
-    <OriginalRelease xmlns="4873beb7-5857-4685-be1f-d57550cc96cc">15</OriginalRelease>
-    <RecommendationsModifier xmlns="4873beb7-5857-4685-be1f-d57550cc96cc" xsi:nil="true"/>
-    <ScenarioTagsTaxHTField0 xmlns="4873beb7-5857-4685-be1f-d57550cc96cc">
-      <Terms xmlns="http://schemas.microsoft.com/office/infopath/2007/PartnerControls"/>
-    </ScenarioTagsTaxHTField0>
-    <UANotes xmlns="4873beb7-5857-4685-be1f-d57550cc96cc" xsi:nil="true"/>
-  </documentManagement>
-</p:properties>
+<?mso-contentType ?>
+<FormTemplates xmlns="http://schemas.microsoft.com/sharepoint/v3/contenttype/forms">
+  <Display>DocumentLibraryForm</Display>
+  <Edit>AssetEditForm</Edit>
+  <New>DocumentLibraryForm</New>
+</FormTemplates>
 </file>
 
 <file path=customXml/itemProps1.xml><?xml version="1.0" encoding="utf-8"?>
-<ds:datastoreItem xmlns:ds="http://schemas.openxmlformats.org/officeDocument/2006/customXml" ds:itemID="{561E720F-F05D-4536-9C34-0CFCED65D3B7}">
+<ds:datastoreItem xmlns:ds="http://schemas.openxmlformats.org/officeDocument/2006/customXml" ds:itemID="{8CDDBB83-77C1-4099-A0AA-289882E745E2}">
   <ds:schemaRefs>
-    <ds:schemaRef ds:uri="http://schemas.microsoft.com/sharepoint/v3/contenttype/forms"/>
+    <ds:schemaRef ds:uri="http://purl.org/dc/elements/1.1/"/>
+    <ds:schemaRef ds:uri="http://schemas.microsoft.com/office/2006/metadata/properties"/>
+    <ds:schemaRef ds:uri="4873beb7-5857-4685-be1f-d57550cc96cc"/>
+    <ds:schemaRef ds:uri="http://schemas.openxmlformats.org/package/2006/metadata/core-properties"/>
+    <ds:schemaRef ds:uri="http://purl.org/dc/terms/"/>
+    <ds:schemaRef ds:uri="http://schemas.microsoft.com/office/2006/documentManagement/types"/>
+    <ds:schemaRef ds:uri="http://schemas.microsoft.com/office/infopath/2007/PartnerControls"/>
+    <ds:schemaRef ds:uri="http://www.w3.org/XML/1998/namespace"/>
+    <ds:schemaRef ds:uri="http://purl.org/dc/dcmitype/"/>
   </ds:schemaRefs>
 </ds:datastoreItem>
 </file>
@@ -12655,17 +8599,9 @@
 </file>
 
 <file path=customXml/itemProps3.xml><?xml version="1.0" encoding="utf-8"?>
-<ds:datastoreItem xmlns:ds="http://schemas.openxmlformats.org/officeDocument/2006/customXml" ds:itemID="{8CDDBB83-77C1-4099-A0AA-289882E745E2}">
+<ds:datastoreItem xmlns:ds="http://schemas.openxmlformats.org/officeDocument/2006/customXml" ds:itemID="{561E720F-F05D-4536-9C34-0CFCED65D3B7}">
   <ds:schemaRefs>
-    <ds:schemaRef ds:uri="http://purl.org/dc/elements/1.1/"/>
-    <ds:schemaRef ds:uri="http://schemas.microsoft.com/office/2006/metadata/properties"/>
-    <ds:schemaRef ds:uri="4873beb7-5857-4685-be1f-d57550cc96cc"/>
-    <ds:schemaRef ds:uri="http://schemas.openxmlformats.org/package/2006/metadata/core-properties"/>
-    <ds:schemaRef ds:uri="http://purl.org/dc/terms/"/>
-    <ds:schemaRef ds:uri="http://schemas.microsoft.com/office/2006/documentManagement/types"/>
-    <ds:schemaRef ds:uri="http://schemas.microsoft.com/office/infopath/2007/PartnerControls"/>
-    <ds:schemaRef ds:uri="http://www.w3.org/XML/1998/namespace"/>
-    <ds:schemaRef ds:uri="http://purl.org/dc/dcmitype/"/>
+    <ds:schemaRef ds:uri="http://schemas.microsoft.com/sharepoint/v3/contenttype/forms"/>
   </ds:schemaRefs>
 </ds:datastoreItem>
 </file>